--- a/poster.pptx
+++ b/poster.pptx
@@ -4,17 +4,20 @@
   <p:sldMasterIdLst>
     <p:sldMasterId id="2147483648" r:id="rId1"/>
   </p:sldMasterIdLst>
+  <p:notesMasterIdLst>
+    <p:notesMasterId r:id="rId3"/>
+  </p:notesMasterIdLst>
   <p:sldIdLst>
-    <p:sldId id="256" r:id="rId2"/>
+    <p:sldId id="257" r:id="rId2"/>
   </p:sldIdLst>
-  <p:sldSz cx="36576000" cy="27432000"/>
+  <p:sldSz cx="27432000" cy="18288000"/>
   <p:notesSz cx="6858000" cy="9144000"/>
   <p:defaultTextStyle>
     <a:defPPr>
       <a:defRPr lang="en-US"/>
     </a:defPPr>
-    <a:lvl1pPr marL="0" algn="l" defTabSz="1985528" rtl="0" eaLnBrk="1" latinLnBrk="0" hangingPunct="1">
-      <a:defRPr sz="7800" kern="1200">
+    <a:lvl1pPr marL="0" algn="l" defTabSz="1306266" rtl="0" eaLnBrk="1" latinLnBrk="0" hangingPunct="1">
+      <a:defRPr sz="5100" kern="1200">
         <a:solidFill>
           <a:schemeClr val="tx1"/>
         </a:solidFill>
@@ -23,8 +26,8 @@
         <a:cs typeface="+mn-cs"/>
       </a:defRPr>
     </a:lvl1pPr>
-    <a:lvl2pPr marL="1985528" algn="l" defTabSz="1985528" rtl="0" eaLnBrk="1" latinLnBrk="0" hangingPunct="1">
-      <a:defRPr sz="7800" kern="1200">
+    <a:lvl2pPr marL="1306266" algn="l" defTabSz="1306266" rtl="0" eaLnBrk="1" latinLnBrk="0" hangingPunct="1">
+      <a:defRPr sz="5100" kern="1200">
         <a:solidFill>
           <a:schemeClr val="tx1"/>
         </a:solidFill>
@@ -33,8 +36,8 @@
         <a:cs typeface="+mn-cs"/>
       </a:defRPr>
     </a:lvl2pPr>
-    <a:lvl3pPr marL="3971056" algn="l" defTabSz="1985528" rtl="0" eaLnBrk="1" latinLnBrk="0" hangingPunct="1">
-      <a:defRPr sz="7800" kern="1200">
+    <a:lvl3pPr marL="2612532" algn="l" defTabSz="1306266" rtl="0" eaLnBrk="1" latinLnBrk="0" hangingPunct="1">
+      <a:defRPr sz="5100" kern="1200">
         <a:solidFill>
           <a:schemeClr val="tx1"/>
         </a:solidFill>
@@ -43,8 +46,8 @@
         <a:cs typeface="+mn-cs"/>
       </a:defRPr>
     </a:lvl3pPr>
-    <a:lvl4pPr marL="5956584" algn="l" defTabSz="1985528" rtl="0" eaLnBrk="1" latinLnBrk="0" hangingPunct="1">
-      <a:defRPr sz="7800" kern="1200">
+    <a:lvl4pPr marL="3918798" algn="l" defTabSz="1306266" rtl="0" eaLnBrk="1" latinLnBrk="0" hangingPunct="1">
+      <a:defRPr sz="5100" kern="1200">
         <a:solidFill>
           <a:schemeClr val="tx1"/>
         </a:solidFill>
@@ -53,8 +56,8 @@
         <a:cs typeface="+mn-cs"/>
       </a:defRPr>
     </a:lvl4pPr>
-    <a:lvl5pPr marL="7942113" algn="l" defTabSz="1985528" rtl="0" eaLnBrk="1" latinLnBrk="0" hangingPunct="1">
-      <a:defRPr sz="7800" kern="1200">
+    <a:lvl5pPr marL="5225064" algn="l" defTabSz="1306266" rtl="0" eaLnBrk="1" latinLnBrk="0" hangingPunct="1">
+      <a:defRPr sz="5100" kern="1200">
         <a:solidFill>
           <a:schemeClr val="tx1"/>
         </a:solidFill>
@@ -63,8 +66,8 @@
         <a:cs typeface="+mn-cs"/>
       </a:defRPr>
     </a:lvl5pPr>
-    <a:lvl6pPr marL="9927641" algn="l" defTabSz="1985528" rtl="0" eaLnBrk="1" latinLnBrk="0" hangingPunct="1">
-      <a:defRPr sz="7800" kern="1200">
+    <a:lvl6pPr marL="6531331" algn="l" defTabSz="1306266" rtl="0" eaLnBrk="1" latinLnBrk="0" hangingPunct="1">
+      <a:defRPr sz="5100" kern="1200">
         <a:solidFill>
           <a:schemeClr val="tx1"/>
         </a:solidFill>
@@ -73,8 +76,8 @@
         <a:cs typeface="+mn-cs"/>
       </a:defRPr>
     </a:lvl6pPr>
-    <a:lvl7pPr marL="11913169" algn="l" defTabSz="1985528" rtl="0" eaLnBrk="1" latinLnBrk="0" hangingPunct="1">
-      <a:defRPr sz="7800" kern="1200">
+    <a:lvl7pPr marL="7837597" algn="l" defTabSz="1306266" rtl="0" eaLnBrk="1" latinLnBrk="0" hangingPunct="1">
+      <a:defRPr sz="5100" kern="1200">
         <a:solidFill>
           <a:schemeClr val="tx1"/>
         </a:solidFill>
@@ -83,8 +86,8 @@
         <a:cs typeface="+mn-cs"/>
       </a:defRPr>
     </a:lvl7pPr>
-    <a:lvl8pPr marL="13898697" algn="l" defTabSz="1985528" rtl="0" eaLnBrk="1" latinLnBrk="0" hangingPunct="1">
-      <a:defRPr sz="7800" kern="1200">
+    <a:lvl8pPr marL="9143863" algn="l" defTabSz="1306266" rtl="0" eaLnBrk="1" latinLnBrk="0" hangingPunct="1">
+      <a:defRPr sz="5100" kern="1200">
         <a:solidFill>
           <a:schemeClr val="tx1"/>
         </a:solidFill>
@@ -93,8 +96,8 @@
         <a:cs typeface="+mn-cs"/>
       </a:defRPr>
     </a:lvl8pPr>
-    <a:lvl9pPr marL="15884225" algn="l" defTabSz="1985528" rtl="0" eaLnBrk="1" latinLnBrk="0" hangingPunct="1">
-      <a:defRPr sz="7800" kern="1200">
+    <a:lvl9pPr marL="10450129" algn="l" defTabSz="1306266" rtl="0" eaLnBrk="1" latinLnBrk="0" hangingPunct="1">
+      <a:defRPr sz="5100" kern="1200">
         <a:solidFill>
           <a:schemeClr val="tx1"/>
         </a:solidFill>
@@ -105,6 +108,448 @@
     </a:lvl9pPr>
   </p:defaultTextStyle>
 </p:presentation>
+</file>
+
+<file path=ppt/notesMasters/notesMaster1.xml><?xml version="1.0" encoding="utf-8"?>
+<p:notesMaster xmlns:a="http://schemas.openxmlformats.org/drawingml/2006/main" xmlns:r="http://schemas.openxmlformats.org/officeDocument/2006/relationships" xmlns:p="http://schemas.openxmlformats.org/presentationml/2006/main">
+  <p:cSld>
+    <p:bg>
+      <p:bgRef idx="1001">
+        <a:schemeClr val="bg1"/>
+      </p:bgRef>
+    </p:bg>
+    <p:spTree>
+      <p:nvGrpSpPr>
+        <p:cNvPr id="1" name=""/>
+        <p:cNvGrpSpPr/>
+        <p:nvPr/>
+      </p:nvGrpSpPr>
+      <p:grpSpPr>
+        <a:xfrm>
+          <a:off x="0" y="0"/>
+          <a:ext cx="0" cy="0"/>
+          <a:chOff x="0" y="0"/>
+          <a:chExt cx="0" cy="0"/>
+        </a:xfrm>
+      </p:grpSpPr>
+      <p:sp>
+        <p:nvSpPr>
+          <p:cNvPr id="2" name="Header Placeholder 1"/>
+          <p:cNvSpPr>
+            <a:spLocks noGrp="1"/>
+          </p:cNvSpPr>
+          <p:nvPr>
+            <p:ph type="hdr" sz="quarter"/>
+          </p:nvPr>
+        </p:nvSpPr>
+        <p:spPr>
+          <a:xfrm>
+            <a:off x="0" y="0"/>
+            <a:ext cx="2971800" cy="457200"/>
+          </a:xfrm>
+          <a:prstGeom prst="rect">
+            <a:avLst/>
+          </a:prstGeom>
+        </p:spPr>
+        <p:txBody>
+          <a:bodyPr vert="horz" lIns="91440" tIns="45720" rIns="91440" bIns="45720" rtlCol="0"/>
+          <a:lstStyle>
+            <a:lvl1pPr algn="l">
+              <a:defRPr sz="1200"/>
+            </a:lvl1pPr>
+          </a:lstStyle>
+          <a:p>
+            <a:endParaRPr lang="en-US"/>
+          </a:p>
+        </p:txBody>
+      </p:sp>
+      <p:sp>
+        <p:nvSpPr>
+          <p:cNvPr id="3" name="Date Placeholder 2"/>
+          <p:cNvSpPr>
+            <a:spLocks noGrp="1"/>
+          </p:cNvSpPr>
+          <p:nvPr>
+            <p:ph type="dt" idx="1"/>
+          </p:nvPr>
+        </p:nvSpPr>
+        <p:spPr>
+          <a:xfrm>
+            <a:off x="3884613" y="0"/>
+            <a:ext cx="2971800" cy="457200"/>
+          </a:xfrm>
+          <a:prstGeom prst="rect">
+            <a:avLst/>
+          </a:prstGeom>
+        </p:spPr>
+        <p:txBody>
+          <a:bodyPr vert="horz" lIns="91440" tIns="45720" rIns="91440" bIns="45720" rtlCol="0"/>
+          <a:lstStyle>
+            <a:lvl1pPr algn="r">
+              <a:defRPr sz="1200"/>
+            </a:lvl1pPr>
+          </a:lstStyle>
+          <a:p>
+            <a:fld id="{CA652966-300D-BE4F-8AE8-729AB38D7BA8}" type="datetimeFigureOut">
+              <a:rPr lang="en-US" smtClean="0"/>
+              <a:t>6/1/15</a:t>
+            </a:fld>
+            <a:endParaRPr lang="en-US"/>
+          </a:p>
+        </p:txBody>
+      </p:sp>
+      <p:sp>
+        <p:nvSpPr>
+          <p:cNvPr id="4" name="Slide Image Placeholder 3"/>
+          <p:cNvSpPr>
+            <a:spLocks noGrp="1" noRot="1" noChangeAspect="1"/>
+          </p:cNvSpPr>
+          <p:nvPr>
+            <p:ph type="sldImg" idx="2"/>
+          </p:nvPr>
+        </p:nvSpPr>
+        <p:spPr>
+          <a:xfrm>
+            <a:off x="857250" y="685800"/>
+            <a:ext cx="5143500" cy="3429000"/>
+          </a:xfrm>
+          <a:prstGeom prst="rect">
+            <a:avLst/>
+          </a:prstGeom>
+          <a:noFill/>
+          <a:ln w="12700">
+            <a:solidFill>
+              <a:prstClr val="black"/>
+            </a:solidFill>
+          </a:ln>
+        </p:spPr>
+        <p:txBody>
+          <a:bodyPr vert="horz" lIns="91440" tIns="45720" rIns="91440" bIns="45720" rtlCol="0" anchor="ctr"/>
+          <a:lstStyle/>
+          <a:p>
+            <a:endParaRPr lang="en-US"/>
+          </a:p>
+        </p:txBody>
+      </p:sp>
+      <p:sp>
+        <p:nvSpPr>
+          <p:cNvPr id="5" name="Notes Placeholder 4"/>
+          <p:cNvSpPr>
+            <a:spLocks noGrp="1"/>
+          </p:cNvSpPr>
+          <p:nvPr>
+            <p:ph type="body" sz="quarter" idx="3"/>
+          </p:nvPr>
+        </p:nvSpPr>
+        <p:spPr>
+          <a:xfrm>
+            <a:off x="685800" y="4343400"/>
+            <a:ext cx="5486400" cy="4114800"/>
+          </a:xfrm>
+          <a:prstGeom prst="rect">
+            <a:avLst/>
+          </a:prstGeom>
+        </p:spPr>
+        <p:txBody>
+          <a:bodyPr vert="horz" lIns="91440" tIns="45720" rIns="91440" bIns="45720" rtlCol="0"/>
+          <a:lstStyle/>
+          <a:p>
+            <a:pPr lvl="0"/>
+            <a:r>
+              <a:rPr lang="en-US" smtClean="0"/>
+              <a:t>Click to edit Master text styles</a:t>
+            </a:r>
+          </a:p>
+          <a:p>
+            <a:pPr lvl="1"/>
+            <a:r>
+              <a:rPr lang="en-US" smtClean="0"/>
+              <a:t>Second level</a:t>
+            </a:r>
+          </a:p>
+          <a:p>
+            <a:pPr lvl="2"/>
+            <a:r>
+              <a:rPr lang="en-US" smtClean="0"/>
+              <a:t>Third level</a:t>
+            </a:r>
+          </a:p>
+          <a:p>
+            <a:pPr lvl="3"/>
+            <a:r>
+              <a:rPr lang="en-US" smtClean="0"/>
+              <a:t>Fourth level</a:t>
+            </a:r>
+          </a:p>
+          <a:p>
+            <a:pPr lvl="4"/>
+            <a:r>
+              <a:rPr lang="en-US" smtClean="0"/>
+              <a:t>Fifth level</a:t>
+            </a:r>
+            <a:endParaRPr lang="en-US"/>
+          </a:p>
+        </p:txBody>
+      </p:sp>
+      <p:sp>
+        <p:nvSpPr>
+          <p:cNvPr id="6" name="Footer Placeholder 5"/>
+          <p:cNvSpPr>
+            <a:spLocks noGrp="1"/>
+          </p:cNvSpPr>
+          <p:nvPr>
+            <p:ph type="ftr" sz="quarter" idx="4"/>
+          </p:nvPr>
+        </p:nvSpPr>
+        <p:spPr>
+          <a:xfrm>
+            <a:off x="0" y="8685213"/>
+            <a:ext cx="2971800" cy="457200"/>
+          </a:xfrm>
+          <a:prstGeom prst="rect">
+            <a:avLst/>
+          </a:prstGeom>
+        </p:spPr>
+        <p:txBody>
+          <a:bodyPr vert="horz" lIns="91440" tIns="45720" rIns="91440" bIns="45720" rtlCol="0" anchor="b"/>
+          <a:lstStyle>
+            <a:lvl1pPr algn="l">
+              <a:defRPr sz="1200"/>
+            </a:lvl1pPr>
+          </a:lstStyle>
+          <a:p>
+            <a:endParaRPr lang="en-US"/>
+          </a:p>
+        </p:txBody>
+      </p:sp>
+      <p:sp>
+        <p:nvSpPr>
+          <p:cNvPr id="7" name="Slide Number Placeholder 6"/>
+          <p:cNvSpPr>
+            <a:spLocks noGrp="1"/>
+          </p:cNvSpPr>
+          <p:nvPr>
+            <p:ph type="sldNum" sz="quarter" idx="5"/>
+          </p:nvPr>
+        </p:nvSpPr>
+        <p:spPr>
+          <a:xfrm>
+            <a:off x="3884613" y="8685213"/>
+            <a:ext cx="2971800" cy="457200"/>
+          </a:xfrm>
+          <a:prstGeom prst="rect">
+            <a:avLst/>
+          </a:prstGeom>
+        </p:spPr>
+        <p:txBody>
+          <a:bodyPr vert="horz" lIns="91440" tIns="45720" rIns="91440" bIns="45720" rtlCol="0" anchor="b"/>
+          <a:lstStyle>
+            <a:lvl1pPr algn="r">
+              <a:defRPr sz="1200"/>
+            </a:lvl1pPr>
+          </a:lstStyle>
+          <a:p>
+            <a:fld id="{5C00BD9C-4602-454B-AC7C-9BDD37EF7833}" type="slidenum">
+              <a:rPr lang="en-US" smtClean="0"/>
+              <a:t>‹#›</a:t>
+            </a:fld>
+            <a:endParaRPr lang="en-US"/>
+          </a:p>
+        </p:txBody>
+      </p:sp>
+    </p:spTree>
+    <p:extLst>
+      <p:ext uri="{BB962C8B-B14F-4D97-AF65-F5344CB8AC3E}">
+        <p14:creationId xmlns:p14="http://schemas.microsoft.com/office/powerpoint/2010/main" val="3364428653"/>
+      </p:ext>
+    </p:extLst>
+  </p:cSld>
+  <p:clrMap bg1="lt1" tx1="dk1" bg2="lt2" tx2="dk2" accent1="accent1" accent2="accent2" accent3="accent3" accent4="accent4" accent5="accent5" accent6="accent6" hlink="hlink" folHlink="folHlink"/>
+  <p:notesStyle>
+    <a:lvl1pPr marL="0" algn="l" defTabSz="1306266" rtl="0" eaLnBrk="1" latinLnBrk="0" hangingPunct="1">
+      <a:defRPr sz="3400" kern="1200">
+        <a:solidFill>
+          <a:schemeClr val="tx1"/>
+        </a:solidFill>
+        <a:latin typeface="+mn-lt"/>
+        <a:ea typeface="+mn-ea"/>
+        <a:cs typeface="+mn-cs"/>
+      </a:defRPr>
+    </a:lvl1pPr>
+    <a:lvl2pPr marL="1306266" algn="l" defTabSz="1306266" rtl="0" eaLnBrk="1" latinLnBrk="0" hangingPunct="1">
+      <a:defRPr sz="3400" kern="1200">
+        <a:solidFill>
+          <a:schemeClr val="tx1"/>
+        </a:solidFill>
+        <a:latin typeface="+mn-lt"/>
+        <a:ea typeface="+mn-ea"/>
+        <a:cs typeface="+mn-cs"/>
+      </a:defRPr>
+    </a:lvl2pPr>
+    <a:lvl3pPr marL="2612532" algn="l" defTabSz="1306266" rtl="0" eaLnBrk="1" latinLnBrk="0" hangingPunct="1">
+      <a:defRPr sz="3400" kern="1200">
+        <a:solidFill>
+          <a:schemeClr val="tx1"/>
+        </a:solidFill>
+        <a:latin typeface="+mn-lt"/>
+        <a:ea typeface="+mn-ea"/>
+        <a:cs typeface="+mn-cs"/>
+      </a:defRPr>
+    </a:lvl3pPr>
+    <a:lvl4pPr marL="3918798" algn="l" defTabSz="1306266" rtl="0" eaLnBrk="1" latinLnBrk="0" hangingPunct="1">
+      <a:defRPr sz="3400" kern="1200">
+        <a:solidFill>
+          <a:schemeClr val="tx1"/>
+        </a:solidFill>
+        <a:latin typeface="+mn-lt"/>
+        <a:ea typeface="+mn-ea"/>
+        <a:cs typeface="+mn-cs"/>
+      </a:defRPr>
+    </a:lvl4pPr>
+    <a:lvl5pPr marL="5225064" algn="l" defTabSz="1306266" rtl="0" eaLnBrk="1" latinLnBrk="0" hangingPunct="1">
+      <a:defRPr sz="3400" kern="1200">
+        <a:solidFill>
+          <a:schemeClr val="tx1"/>
+        </a:solidFill>
+        <a:latin typeface="+mn-lt"/>
+        <a:ea typeface="+mn-ea"/>
+        <a:cs typeface="+mn-cs"/>
+      </a:defRPr>
+    </a:lvl5pPr>
+    <a:lvl6pPr marL="6531331" algn="l" defTabSz="1306266" rtl="0" eaLnBrk="1" latinLnBrk="0" hangingPunct="1">
+      <a:defRPr sz="3400" kern="1200">
+        <a:solidFill>
+          <a:schemeClr val="tx1"/>
+        </a:solidFill>
+        <a:latin typeface="+mn-lt"/>
+        <a:ea typeface="+mn-ea"/>
+        <a:cs typeface="+mn-cs"/>
+      </a:defRPr>
+    </a:lvl6pPr>
+    <a:lvl7pPr marL="7837597" algn="l" defTabSz="1306266" rtl="0" eaLnBrk="1" latinLnBrk="0" hangingPunct="1">
+      <a:defRPr sz="3400" kern="1200">
+        <a:solidFill>
+          <a:schemeClr val="tx1"/>
+        </a:solidFill>
+        <a:latin typeface="+mn-lt"/>
+        <a:ea typeface="+mn-ea"/>
+        <a:cs typeface="+mn-cs"/>
+      </a:defRPr>
+    </a:lvl7pPr>
+    <a:lvl8pPr marL="9143863" algn="l" defTabSz="1306266" rtl="0" eaLnBrk="1" latinLnBrk="0" hangingPunct="1">
+      <a:defRPr sz="3400" kern="1200">
+        <a:solidFill>
+          <a:schemeClr val="tx1"/>
+        </a:solidFill>
+        <a:latin typeface="+mn-lt"/>
+        <a:ea typeface="+mn-ea"/>
+        <a:cs typeface="+mn-cs"/>
+      </a:defRPr>
+    </a:lvl8pPr>
+    <a:lvl9pPr marL="10450129" algn="l" defTabSz="1306266" rtl="0" eaLnBrk="1" latinLnBrk="0" hangingPunct="1">
+      <a:defRPr sz="3400" kern="1200">
+        <a:solidFill>
+          <a:schemeClr val="tx1"/>
+        </a:solidFill>
+        <a:latin typeface="+mn-lt"/>
+        <a:ea typeface="+mn-ea"/>
+        <a:cs typeface="+mn-cs"/>
+      </a:defRPr>
+    </a:lvl9pPr>
+  </p:notesStyle>
+</p:notesMaster>
+</file>
+
+<file path=ppt/notesSlides/notesSlide1.xml><?xml version="1.0" encoding="utf-8"?>
+<p:notes xmlns:a="http://schemas.openxmlformats.org/drawingml/2006/main" xmlns:r="http://schemas.openxmlformats.org/officeDocument/2006/relationships" xmlns:p="http://schemas.openxmlformats.org/presentationml/2006/main">
+  <p:cSld>
+    <p:spTree>
+      <p:nvGrpSpPr>
+        <p:cNvPr id="1" name=""/>
+        <p:cNvGrpSpPr/>
+        <p:nvPr/>
+      </p:nvGrpSpPr>
+      <p:grpSpPr>
+        <a:xfrm>
+          <a:off x="0" y="0"/>
+          <a:ext cx="0" cy="0"/>
+          <a:chOff x="0" y="0"/>
+          <a:chExt cx="0" cy="0"/>
+        </a:xfrm>
+      </p:grpSpPr>
+      <p:sp>
+        <p:nvSpPr>
+          <p:cNvPr id="2" name="Slide Image Placeholder 1"/>
+          <p:cNvSpPr>
+            <a:spLocks noGrp="1" noRot="1" noChangeAspect="1"/>
+          </p:cNvSpPr>
+          <p:nvPr>
+            <p:ph type="sldImg"/>
+          </p:nvPr>
+        </p:nvSpPr>
+        <p:spPr/>
+      </p:sp>
+      <p:sp>
+        <p:nvSpPr>
+          <p:cNvPr id="3" name="Notes Placeholder 2"/>
+          <p:cNvSpPr>
+            <a:spLocks noGrp="1"/>
+          </p:cNvSpPr>
+          <p:nvPr>
+            <p:ph type="body" idx="1"/>
+          </p:nvPr>
+        </p:nvSpPr>
+        <p:spPr/>
+        <p:txBody>
+          <a:bodyPr/>
+          <a:lstStyle/>
+          <a:p>
+            <a:r>
+              <a:rPr lang="en-US" dirty="0" smtClean="0"/>
+              <a:t>Include challenges in </a:t>
+            </a:r>
+            <a:r>
+              <a:rPr lang="en-US" smtClean="0"/>
+              <a:t>the conclusion</a:t>
+            </a:r>
+            <a:endParaRPr lang="en-US"/>
+          </a:p>
+        </p:txBody>
+      </p:sp>
+      <p:sp>
+        <p:nvSpPr>
+          <p:cNvPr id="4" name="Slide Number Placeholder 3"/>
+          <p:cNvSpPr>
+            <a:spLocks noGrp="1"/>
+          </p:cNvSpPr>
+          <p:nvPr>
+            <p:ph type="sldNum" sz="quarter" idx="10"/>
+          </p:nvPr>
+        </p:nvSpPr>
+        <p:spPr/>
+        <p:txBody>
+          <a:bodyPr/>
+          <a:lstStyle/>
+          <a:p>
+            <a:fld id="{5C00BD9C-4602-454B-AC7C-9BDD37EF7833}" type="slidenum">
+              <a:rPr lang="en-US" smtClean="0"/>
+              <a:t>1</a:t>
+            </a:fld>
+            <a:endParaRPr lang="en-US"/>
+          </a:p>
+        </p:txBody>
+      </p:sp>
+    </p:spTree>
+    <p:extLst>
+      <p:ext uri="{BB962C8B-B14F-4D97-AF65-F5344CB8AC3E}">
+        <p14:creationId xmlns:p14="http://schemas.microsoft.com/office/powerpoint/2010/main" val="649869560"/>
+      </p:ext>
+    </p:extLst>
+  </p:cSld>
+  <p:clrMapOvr>
+    <a:masterClrMapping/>
+  </p:clrMapOvr>
+</p:notes>
 </file>
 
 <file path=ppt/slideLayouts/slideLayout1.xml><?xml version="1.0" encoding="utf-8"?>
@@ -136,8 +581,8 @@
         </p:nvSpPr>
         <p:spPr>
           <a:xfrm>
-            <a:off x="2743200" y="8521702"/>
-            <a:ext cx="31089600" cy="5880100"/>
+            <a:off x="2057400" y="5681136"/>
+            <a:ext cx="23317200" cy="3920067"/>
           </a:xfrm>
         </p:spPr>
         <p:txBody>
@@ -164,8 +609,8 @@
         </p:nvSpPr>
         <p:spPr>
           <a:xfrm>
-            <a:off x="5486400" y="15544800"/>
-            <a:ext cx="25603200" cy="7010400"/>
+            <a:off x="4114800" y="10363200"/>
+            <a:ext cx="19202400" cy="4673600"/>
           </a:xfrm>
         </p:spPr>
         <p:txBody>
@@ -181,7 +626,7 @@
                 </a:solidFill>
               </a:defRPr>
             </a:lvl1pPr>
-            <a:lvl2pPr marL="1985528" indent="0" algn="ctr">
+            <a:lvl2pPr marL="1306266" indent="0" algn="ctr">
               <a:buNone/>
               <a:defRPr>
                 <a:solidFill>
@@ -191,7 +636,7 @@
                 </a:solidFill>
               </a:defRPr>
             </a:lvl2pPr>
-            <a:lvl3pPr marL="3971056" indent="0" algn="ctr">
+            <a:lvl3pPr marL="2612532" indent="0" algn="ctr">
               <a:buNone/>
               <a:defRPr>
                 <a:solidFill>
@@ -201,7 +646,7 @@
                 </a:solidFill>
               </a:defRPr>
             </a:lvl3pPr>
-            <a:lvl4pPr marL="5956584" indent="0" algn="ctr">
+            <a:lvl4pPr marL="3918798" indent="0" algn="ctr">
               <a:buNone/>
               <a:defRPr>
                 <a:solidFill>
@@ -211,7 +656,7 @@
                 </a:solidFill>
               </a:defRPr>
             </a:lvl4pPr>
-            <a:lvl5pPr marL="7942113" indent="0" algn="ctr">
+            <a:lvl5pPr marL="5225064" indent="0" algn="ctr">
               <a:buNone/>
               <a:defRPr>
                 <a:solidFill>
@@ -221,7 +666,7 @@
                 </a:solidFill>
               </a:defRPr>
             </a:lvl5pPr>
-            <a:lvl6pPr marL="9927641" indent="0" algn="ctr">
+            <a:lvl6pPr marL="6531331" indent="0" algn="ctr">
               <a:buNone/>
               <a:defRPr>
                 <a:solidFill>
@@ -231,7 +676,7 @@
                 </a:solidFill>
               </a:defRPr>
             </a:lvl6pPr>
-            <a:lvl7pPr marL="11913169" indent="0" algn="ctr">
+            <a:lvl7pPr marL="7837597" indent="0" algn="ctr">
               <a:buNone/>
               <a:defRPr>
                 <a:solidFill>
@@ -241,7 +686,7 @@
                 </a:solidFill>
               </a:defRPr>
             </a:lvl7pPr>
-            <a:lvl8pPr marL="13898697" indent="0" algn="ctr">
+            <a:lvl8pPr marL="9143863" indent="0" algn="ctr">
               <a:buNone/>
               <a:defRPr>
                 <a:solidFill>
@@ -251,7 +696,7 @@
                 </a:solidFill>
               </a:defRPr>
             </a:lvl8pPr>
-            <a:lvl9pPr marL="15884225" indent="0" algn="ctr">
+            <a:lvl9pPr marL="10450129" indent="0" algn="ctr">
               <a:buNone/>
               <a:defRPr>
                 <a:solidFill>
@@ -286,7 +731,7 @@
           <a:bodyPr/>
           <a:lstStyle/>
           <a:p>
-            <a:fld id="{3723B2E8-AF91-644E-A20B-7370758A8E79}" type="datetimeFigureOut">
+            <a:fld id="{955E33B5-6111-9346-951D-3F595DE51257}" type="datetimeFigureOut">
               <a:rPr lang="en-US" smtClean="0"/>
               <a:t>6/1/15</a:t>
             </a:fld>
@@ -328,7 +773,7 @@
           <a:bodyPr/>
           <a:lstStyle/>
           <a:p>
-            <a:fld id="{E9E6672F-03C4-E34D-9802-D5B40CEC4EA8}" type="slidenum">
+            <a:fld id="{B2866D79-BF9D-8D4A-8BA4-CCDA88AAF3C4}" type="slidenum">
               <a:rPr lang="en-US" smtClean="0"/>
               <a:t>‹#›</a:t>
             </a:fld>
@@ -339,7 +784,7 @@
     </p:spTree>
     <p:extLst>
       <p:ext uri="{BB962C8B-B14F-4D97-AF65-F5344CB8AC3E}">
-        <p14:creationId xmlns:p14="http://schemas.microsoft.com/office/powerpoint/2010/main" val="1928131871"/>
+        <p14:creationId xmlns:p14="http://schemas.microsoft.com/office/powerpoint/2010/main" val="4158851953"/>
       </p:ext>
     </p:extLst>
   </p:cSld>
@@ -456,7 +901,7 @@
           <a:bodyPr/>
           <a:lstStyle/>
           <a:p>
-            <a:fld id="{3723B2E8-AF91-644E-A20B-7370758A8E79}" type="datetimeFigureOut">
+            <a:fld id="{955E33B5-6111-9346-951D-3F595DE51257}" type="datetimeFigureOut">
               <a:rPr lang="en-US" smtClean="0"/>
               <a:t>6/1/15</a:t>
             </a:fld>
@@ -498,7 +943,7 @@
           <a:bodyPr/>
           <a:lstStyle/>
           <a:p>
-            <a:fld id="{E9E6672F-03C4-E34D-9802-D5B40CEC4EA8}" type="slidenum">
+            <a:fld id="{B2866D79-BF9D-8D4A-8BA4-CCDA88AAF3C4}" type="slidenum">
               <a:rPr lang="en-US" smtClean="0"/>
               <a:t>‹#›</a:t>
             </a:fld>
@@ -509,7 +954,7 @@
     </p:spTree>
     <p:extLst>
       <p:ext uri="{BB962C8B-B14F-4D97-AF65-F5344CB8AC3E}">
-        <p14:creationId xmlns:p14="http://schemas.microsoft.com/office/powerpoint/2010/main" val="264721347"/>
+        <p14:creationId xmlns:p14="http://schemas.microsoft.com/office/powerpoint/2010/main" val="931136055"/>
       </p:ext>
     </p:extLst>
   </p:cSld>
@@ -548,8 +993,8 @@
         </p:nvSpPr>
         <p:spPr>
           <a:xfrm>
-            <a:off x="106070400" y="5270500"/>
-            <a:ext cx="32918400" cy="112350552"/>
+            <a:off x="19888200" y="732370"/>
+            <a:ext cx="6172200" cy="15604067"/>
           </a:xfrm>
         </p:spPr>
         <p:txBody>
@@ -576,8 +1021,8 @@
         </p:nvSpPr>
         <p:spPr>
           <a:xfrm>
-            <a:off x="7315200" y="5270500"/>
-            <a:ext cx="98145600" cy="112350552"/>
+            <a:off x="1371600" y="732370"/>
+            <a:ext cx="18059400" cy="15604067"/>
           </a:xfrm>
         </p:spPr>
         <p:txBody>
@@ -636,7 +1081,7 @@
           <a:bodyPr/>
           <a:lstStyle/>
           <a:p>
-            <a:fld id="{3723B2E8-AF91-644E-A20B-7370758A8E79}" type="datetimeFigureOut">
+            <a:fld id="{955E33B5-6111-9346-951D-3F595DE51257}" type="datetimeFigureOut">
               <a:rPr lang="en-US" smtClean="0"/>
               <a:t>6/1/15</a:t>
             </a:fld>
@@ -678,7 +1123,7 @@
           <a:bodyPr/>
           <a:lstStyle/>
           <a:p>
-            <a:fld id="{E9E6672F-03C4-E34D-9802-D5B40CEC4EA8}" type="slidenum">
+            <a:fld id="{B2866D79-BF9D-8D4A-8BA4-CCDA88AAF3C4}" type="slidenum">
               <a:rPr lang="en-US" smtClean="0"/>
               <a:t>‹#›</a:t>
             </a:fld>
@@ -689,7 +1134,7 @@
     </p:spTree>
     <p:extLst>
       <p:ext uri="{BB962C8B-B14F-4D97-AF65-F5344CB8AC3E}">
-        <p14:creationId xmlns:p14="http://schemas.microsoft.com/office/powerpoint/2010/main" val="2006898206"/>
+        <p14:creationId xmlns:p14="http://schemas.microsoft.com/office/powerpoint/2010/main" val="273034969"/>
       </p:ext>
     </p:extLst>
   </p:cSld>
@@ -806,7 +1251,7 @@
           <a:bodyPr/>
           <a:lstStyle/>
           <a:p>
-            <a:fld id="{3723B2E8-AF91-644E-A20B-7370758A8E79}" type="datetimeFigureOut">
+            <a:fld id="{955E33B5-6111-9346-951D-3F595DE51257}" type="datetimeFigureOut">
               <a:rPr lang="en-US" smtClean="0"/>
               <a:t>6/1/15</a:t>
             </a:fld>
@@ -848,7 +1293,7 @@
           <a:bodyPr/>
           <a:lstStyle/>
           <a:p>
-            <a:fld id="{E9E6672F-03C4-E34D-9802-D5B40CEC4EA8}" type="slidenum">
+            <a:fld id="{B2866D79-BF9D-8D4A-8BA4-CCDA88AAF3C4}" type="slidenum">
               <a:rPr lang="en-US" smtClean="0"/>
               <a:t>‹#›</a:t>
             </a:fld>
@@ -859,7 +1304,7 @@
     </p:spTree>
     <p:extLst>
       <p:ext uri="{BB962C8B-B14F-4D97-AF65-F5344CB8AC3E}">
-        <p14:creationId xmlns:p14="http://schemas.microsoft.com/office/powerpoint/2010/main" val="655351"/>
+        <p14:creationId xmlns:p14="http://schemas.microsoft.com/office/powerpoint/2010/main" val="3332228697"/>
       </p:ext>
     </p:extLst>
   </p:cSld>
@@ -898,15 +1343,15 @@
         </p:nvSpPr>
         <p:spPr>
           <a:xfrm>
-            <a:off x="2889252" y="17627602"/>
-            <a:ext cx="31089600" cy="5448300"/>
+            <a:off x="2166939" y="11751735"/>
+            <a:ext cx="23317200" cy="3632200"/>
           </a:xfrm>
         </p:spPr>
         <p:txBody>
           <a:bodyPr anchor="t"/>
           <a:lstStyle>
             <a:lvl1pPr algn="l">
-              <a:defRPr sz="17400" b="1" cap="all"/>
+              <a:defRPr sz="11400" b="1" cap="all"/>
             </a:lvl1pPr>
           </a:lstStyle>
           <a:p>
@@ -930,8 +1375,8 @@
         </p:nvSpPr>
         <p:spPr>
           <a:xfrm>
-            <a:off x="2889252" y="11626854"/>
-            <a:ext cx="31089600" cy="6000748"/>
+            <a:off x="2166939" y="7751237"/>
+            <a:ext cx="23317200" cy="4000499"/>
           </a:xfrm>
         </p:spPr>
         <p:txBody>
@@ -939,7 +1384,7 @@
           <a:lstStyle>
             <a:lvl1pPr marL="0" indent="0">
               <a:buNone/>
-              <a:defRPr sz="8700">
+              <a:defRPr sz="5700">
                 <a:solidFill>
                   <a:schemeClr val="tx1">
                     <a:tint val="75000"/>
@@ -947,9 +1392,9 @@
                 </a:solidFill>
               </a:defRPr>
             </a:lvl1pPr>
-            <a:lvl2pPr marL="1985528" indent="0">
-              <a:buNone/>
-              <a:defRPr sz="7800">
+            <a:lvl2pPr marL="1306266" indent="0">
+              <a:buNone/>
+              <a:defRPr sz="5100">
                 <a:solidFill>
                   <a:schemeClr val="tx1">
                     <a:tint val="75000"/>
@@ -957,9 +1402,9 @@
                 </a:solidFill>
               </a:defRPr>
             </a:lvl2pPr>
-            <a:lvl3pPr marL="3971056" indent="0">
-              <a:buNone/>
-              <a:defRPr sz="6900">
+            <a:lvl3pPr marL="2612532" indent="0">
+              <a:buNone/>
+              <a:defRPr sz="4600">
                 <a:solidFill>
                   <a:schemeClr val="tx1">
                     <a:tint val="75000"/>
@@ -967,9 +1412,9 @@
                 </a:solidFill>
               </a:defRPr>
             </a:lvl3pPr>
-            <a:lvl4pPr marL="5956584" indent="0">
-              <a:buNone/>
-              <a:defRPr sz="6100">
+            <a:lvl4pPr marL="3918798" indent="0">
+              <a:buNone/>
+              <a:defRPr sz="4000">
                 <a:solidFill>
                   <a:schemeClr val="tx1">
                     <a:tint val="75000"/>
@@ -977,9 +1422,9 @@
                 </a:solidFill>
               </a:defRPr>
             </a:lvl4pPr>
-            <a:lvl5pPr marL="7942113" indent="0">
-              <a:buNone/>
-              <a:defRPr sz="6100">
+            <a:lvl5pPr marL="5225064" indent="0">
+              <a:buNone/>
+              <a:defRPr sz="4000">
                 <a:solidFill>
                   <a:schemeClr val="tx1">
                     <a:tint val="75000"/>
@@ -987,9 +1432,9 @@
                 </a:solidFill>
               </a:defRPr>
             </a:lvl5pPr>
-            <a:lvl6pPr marL="9927641" indent="0">
-              <a:buNone/>
-              <a:defRPr sz="6100">
+            <a:lvl6pPr marL="6531331" indent="0">
+              <a:buNone/>
+              <a:defRPr sz="4000">
                 <a:solidFill>
                   <a:schemeClr val="tx1">
                     <a:tint val="75000"/>
@@ -997,9 +1442,9 @@
                 </a:solidFill>
               </a:defRPr>
             </a:lvl6pPr>
-            <a:lvl7pPr marL="11913169" indent="0">
-              <a:buNone/>
-              <a:defRPr sz="6100">
+            <a:lvl7pPr marL="7837597" indent="0">
+              <a:buNone/>
+              <a:defRPr sz="4000">
                 <a:solidFill>
                   <a:schemeClr val="tx1">
                     <a:tint val="75000"/>
@@ -1007,9 +1452,9 @@
                 </a:solidFill>
               </a:defRPr>
             </a:lvl7pPr>
-            <a:lvl8pPr marL="13898697" indent="0">
-              <a:buNone/>
-              <a:defRPr sz="6100">
+            <a:lvl8pPr marL="9143863" indent="0">
+              <a:buNone/>
+              <a:defRPr sz="4000">
                 <a:solidFill>
                   <a:schemeClr val="tx1">
                     <a:tint val="75000"/>
@@ -1017,9 +1462,9 @@
                 </a:solidFill>
               </a:defRPr>
             </a:lvl8pPr>
-            <a:lvl9pPr marL="15884225" indent="0">
-              <a:buNone/>
-              <a:defRPr sz="6100">
+            <a:lvl9pPr marL="10450129" indent="0">
+              <a:buNone/>
+              <a:defRPr sz="4000">
                 <a:solidFill>
                   <a:schemeClr val="tx1">
                     <a:tint val="75000"/>
@@ -1052,7 +1497,7 @@
           <a:bodyPr/>
           <a:lstStyle/>
           <a:p>
-            <a:fld id="{3723B2E8-AF91-644E-A20B-7370758A8E79}" type="datetimeFigureOut">
+            <a:fld id="{955E33B5-6111-9346-951D-3F595DE51257}" type="datetimeFigureOut">
               <a:rPr lang="en-US" smtClean="0"/>
               <a:t>6/1/15</a:t>
             </a:fld>
@@ -1094,7 +1539,7 @@
           <a:bodyPr/>
           <a:lstStyle/>
           <a:p>
-            <a:fld id="{E9E6672F-03C4-E34D-9802-D5B40CEC4EA8}" type="slidenum">
+            <a:fld id="{B2866D79-BF9D-8D4A-8BA4-CCDA88AAF3C4}" type="slidenum">
               <a:rPr lang="en-US" smtClean="0"/>
               <a:t>‹#›</a:t>
             </a:fld>
@@ -1105,7 +1550,7 @@
     </p:spTree>
     <p:extLst>
       <p:ext uri="{BB962C8B-B14F-4D97-AF65-F5344CB8AC3E}">
-        <p14:creationId xmlns:p14="http://schemas.microsoft.com/office/powerpoint/2010/main" val="1781388377"/>
+        <p14:creationId xmlns:p14="http://schemas.microsoft.com/office/powerpoint/2010/main" val="4126923834"/>
       </p:ext>
     </p:extLst>
   </p:cSld>
@@ -1167,39 +1612,39 @@
         </p:nvSpPr>
         <p:spPr>
           <a:xfrm>
-            <a:off x="7315200" y="30721300"/>
-            <a:ext cx="65532000" cy="86899752"/>
+            <a:off x="1371600" y="4267202"/>
+            <a:ext cx="12115800" cy="12069235"/>
           </a:xfrm>
         </p:spPr>
         <p:txBody>
           <a:bodyPr/>
           <a:lstStyle>
             <a:lvl1pPr>
-              <a:defRPr sz="12200"/>
+              <a:defRPr sz="8000"/>
             </a:lvl1pPr>
             <a:lvl2pPr>
-              <a:defRPr sz="10400"/>
+              <a:defRPr sz="6900"/>
             </a:lvl2pPr>
             <a:lvl3pPr>
-              <a:defRPr sz="8700"/>
+              <a:defRPr sz="5700"/>
             </a:lvl3pPr>
             <a:lvl4pPr>
-              <a:defRPr sz="7800"/>
+              <a:defRPr sz="5100"/>
             </a:lvl4pPr>
             <a:lvl5pPr>
-              <a:defRPr sz="7800"/>
+              <a:defRPr sz="5100"/>
             </a:lvl5pPr>
             <a:lvl6pPr>
-              <a:defRPr sz="7800"/>
+              <a:defRPr sz="5100"/>
             </a:lvl6pPr>
             <a:lvl7pPr>
-              <a:defRPr sz="7800"/>
+              <a:defRPr sz="5100"/>
             </a:lvl7pPr>
             <a:lvl8pPr>
-              <a:defRPr sz="7800"/>
+              <a:defRPr sz="5100"/>
             </a:lvl8pPr>
             <a:lvl9pPr>
-              <a:defRPr sz="7800"/>
+              <a:defRPr sz="5100"/>
             </a:lvl9pPr>
           </a:lstStyle>
           <a:p>
@@ -1252,39 +1697,39 @@
         </p:nvSpPr>
         <p:spPr>
           <a:xfrm>
-            <a:off x="73456800" y="30721300"/>
-            <a:ext cx="65532000" cy="86899752"/>
+            <a:off x="13944600" y="4267202"/>
+            <a:ext cx="12115800" cy="12069235"/>
           </a:xfrm>
         </p:spPr>
         <p:txBody>
           <a:bodyPr/>
           <a:lstStyle>
             <a:lvl1pPr>
-              <a:defRPr sz="12200"/>
+              <a:defRPr sz="8000"/>
             </a:lvl1pPr>
             <a:lvl2pPr>
-              <a:defRPr sz="10400"/>
+              <a:defRPr sz="6900"/>
             </a:lvl2pPr>
             <a:lvl3pPr>
-              <a:defRPr sz="8700"/>
+              <a:defRPr sz="5700"/>
             </a:lvl3pPr>
             <a:lvl4pPr>
-              <a:defRPr sz="7800"/>
+              <a:defRPr sz="5100"/>
             </a:lvl4pPr>
             <a:lvl5pPr>
-              <a:defRPr sz="7800"/>
+              <a:defRPr sz="5100"/>
             </a:lvl5pPr>
             <a:lvl6pPr>
-              <a:defRPr sz="7800"/>
+              <a:defRPr sz="5100"/>
             </a:lvl6pPr>
             <a:lvl7pPr>
-              <a:defRPr sz="7800"/>
+              <a:defRPr sz="5100"/>
             </a:lvl7pPr>
             <a:lvl8pPr>
-              <a:defRPr sz="7800"/>
+              <a:defRPr sz="5100"/>
             </a:lvl8pPr>
             <a:lvl9pPr>
-              <a:defRPr sz="7800"/>
+              <a:defRPr sz="5100"/>
             </a:lvl9pPr>
           </a:lstStyle>
           <a:p>
@@ -1340,7 +1785,7 @@
           <a:bodyPr/>
           <a:lstStyle/>
           <a:p>
-            <a:fld id="{3723B2E8-AF91-644E-A20B-7370758A8E79}" type="datetimeFigureOut">
+            <a:fld id="{955E33B5-6111-9346-951D-3F595DE51257}" type="datetimeFigureOut">
               <a:rPr lang="en-US" smtClean="0"/>
               <a:t>6/1/15</a:t>
             </a:fld>
@@ -1382,7 +1827,7 @@
           <a:bodyPr/>
           <a:lstStyle/>
           <a:p>
-            <a:fld id="{E9E6672F-03C4-E34D-9802-D5B40CEC4EA8}" type="slidenum">
+            <a:fld id="{B2866D79-BF9D-8D4A-8BA4-CCDA88AAF3C4}" type="slidenum">
               <a:rPr lang="en-US" smtClean="0"/>
               <a:t>‹#›</a:t>
             </a:fld>
@@ -1393,7 +1838,7 @@
     </p:spTree>
     <p:extLst>
       <p:ext uri="{BB962C8B-B14F-4D97-AF65-F5344CB8AC3E}">
-        <p14:creationId xmlns:p14="http://schemas.microsoft.com/office/powerpoint/2010/main" val="6446914"/>
+        <p14:creationId xmlns:p14="http://schemas.microsoft.com/office/powerpoint/2010/main" val="2014004980"/>
       </p:ext>
     </p:extLst>
   </p:cSld>
@@ -1430,12 +1875,7 @@
             <p:ph type="title"/>
           </p:nvPr>
         </p:nvSpPr>
-        <p:spPr>
-          <a:xfrm>
-            <a:off x="1828800" y="1098552"/>
-            <a:ext cx="32918400" cy="4572000"/>
-          </a:xfrm>
-        </p:spPr>
+        <p:spPr/>
         <p:txBody>
           <a:bodyPr/>
           <a:lstStyle>
@@ -1464,8 +1904,8 @@
         </p:nvSpPr>
         <p:spPr>
           <a:xfrm>
-            <a:off x="1828801" y="6140452"/>
-            <a:ext cx="16160752" cy="2559048"/>
+            <a:off x="1371600" y="4093635"/>
+            <a:ext cx="12120564" cy="1706032"/>
           </a:xfrm>
         </p:spPr>
         <p:txBody>
@@ -1473,39 +1913,39 @@
           <a:lstStyle>
             <a:lvl1pPr marL="0" indent="0">
               <a:buNone/>
-              <a:defRPr sz="10400" b="1"/>
+              <a:defRPr sz="6900" b="1"/>
             </a:lvl1pPr>
-            <a:lvl2pPr marL="1985528" indent="0">
-              <a:buNone/>
-              <a:defRPr sz="8700" b="1"/>
+            <a:lvl2pPr marL="1306266" indent="0">
+              <a:buNone/>
+              <a:defRPr sz="5700" b="1"/>
             </a:lvl2pPr>
-            <a:lvl3pPr marL="3971056" indent="0">
-              <a:buNone/>
-              <a:defRPr sz="7800" b="1"/>
+            <a:lvl3pPr marL="2612532" indent="0">
+              <a:buNone/>
+              <a:defRPr sz="5100" b="1"/>
             </a:lvl3pPr>
-            <a:lvl4pPr marL="5956584" indent="0">
-              <a:buNone/>
-              <a:defRPr sz="6900" b="1"/>
+            <a:lvl4pPr marL="3918798" indent="0">
+              <a:buNone/>
+              <a:defRPr sz="4600" b="1"/>
             </a:lvl4pPr>
-            <a:lvl5pPr marL="7942113" indent="0">
-              <a:buNone/>
-              <a:defRPr sz="6900" b="1"/>
+            <a:lvl5pPr marL="5225064" indent="0">
+              <a:buNone/>
+              <a:defRPr sz="4600" b="1"/>
             </a:lvl5pPr>
-            <a:lvl6pPr marL="9927641" indent="0">
-              <a:buNone/>
-              <a:defRPr sz="6900" b="1"/>
+            <a:lvl6pPr marL="6531331" indent="0">
+              <a:buNone/>
+              <a:defRPr sz="4600" b="1"/>
             </a:lvl6pPr>
-            <a:lvl7pPr marL="11913169" indent="0">
-              <a:buNone/>
-              <a:defRPr sz="6900" b="1"/>
+            <a:lvl7pPr marL="7837597" indent="0">
+              <a:buNone/>
+              <a:defRPr sz="4600" b="1"/>
             </a:lvl7pPr>
-            <a:lvl8pPr marL="13898697" indent="0">
-              <a:buNone/>
-              <a:defRPr sz="6900" b="1"/>
+            <a:lvl8pPr marL="9143863" indent="0">
+              <a:buNone/>
+              <a:defRPr sz="4600" b="1"/>
             </a:lvl8pPr>
-            <a:lvl9pPr marL="15884225" indent="0">
-              <a:buNone/>
-              <a:defRPr sz="6900" b="1"/>
+            <a:lvl9pPr marL="10450129" indent="0">
+              <a:buNone/>
+              <a:defRPr sz="4600" b="1"/>
             </a:lvl9pPr>
           </a:lstStyle>
           <a:p>
@@ -1529,39 +1969,39 @@
         </p:nvSpPr>
         <p:spPr>
           <a:xfrm>
-            <a:off x="1828801" y="8699500"/>
-            <a:ext cx="16160752" cy="15805152"/>
+            <a:off x="1371600" y="5799667"/>
+            <a:ext cx="12120564" cy="10536768"/>
           </a:xfrm>
         </p:spPr>
         <p:txBody>
           <a:bodyPr/>
           <a:lstStyle>
             <a:lvl1pPr>
-              <a:defRPr sz="10400"/>
+              <a:defRPr sz="6900"/>
             </a:lvl1pPr>
             <a:lvl2pPr>
-              <a:defRPr sz="8700"/>
+              <a:defRPr sz="5700"/>
             </a:lvl2pPr>
             <a:lvl3pPr>
-              <a:defRPr sz="7800"/>
+              <a:defRPr sz="5100"/>
             </a:lvl3pPr>
             <a:lvl4pPr>
-              <a:defRPr sz="6900"/>
+              <a:defRPr sz="4600"/>
             </a:lvl4pPr>
             <a:lvl5pPr>
-              <a:defRPr sz="6900"/>
+              <a:defRPr sz="4600"/>
             </a:lvl5pPr>
             <a:lvl6pPr>
-              <a:defRPr sz="6900"/>
+              <a:defRPr sz="4600"/>
             </a:lvl6pPr>
             <a:lvl7pPr>
-              <a:defRPr sz="6900"/>
+              <a:defRPr sz="4600"/>
             </a:lvl7pPr>
             <a:lvl8pPr>
-              <a:defRPr sz="6900"/>
+              <a:defRPr sz="4600"/>
             </a:lvl8pPr>
             <a:lvl9pPr>
-              <a:defRPr sz="6900"/>
+              <a:defRPr sz="4600"/>
             </a:lvl9pPr>
           </a:lstStyle>
           <a:p>
@@ -1614,8 +2054,8 @@
         </p:nvSpPr>
         <p:spPr>
           <a:xfrm>
-            <a:off x="18580102" y="6140452"/>
-            <a:ext cx="16167100" cy="2559048"/>
+            <a:off x="13935078" y="4093635"/>
+            <a:ext cx="12125325" cy="1706032"/>
           </a:xfrm>
         </p:spPr>
         <p:txBody>
@@ -1623,39 +2063,39 @@
           <a:lstStyle>
             <a:lvl1pPr marL="0" indent="0">
               <a:buNone/>
-              <a:defRPr sz="10400" b="1"/>
+              <a:defRPr sz="6900" b="1"/>
             </a:lvl1pPr>
-            <a:lvl2pPr marL="1985528" indent="0">
-              <a:buNone/>
-              <a:defRPr sz="8700" b="1"/>
+            <a:lvl2pPr marL="1306266" indent="0">
+              <a:buNone/>
+              <a:defRPr sz="5700" b="1"/>
             </a:lvl2pPr>
-            <a:lvl3pPr marL="3971056" indent="0">
-              <a:buNone/>
-              <a:defRPr sz="7800" b="1"/>
+            <a:lvl3pPr marL="2612532" indent="0">
+              <a:buNone/>
+              <a:defRPr sz="5100" b="1"/>
             </a:lvl3pPr>
-            <a:lvl4pPr marL="5956584" indent="0">
-              <a:buNone/>
-              <a:defRPr sz="6900" b="1"/>
+            <a:lvl4pPr marL="3918798" indent="0">
+              <a:buNone/>
+              <a:defRPr sz="4600" b="1"/>
             </a:lvl4pPr>
-            <a:lvl5pPr marL="7942113" indent="0">
-              <a:buNone/>
-              <a:defRPr sz="6900" b="1"/>
+            <a:lvl5pPr marL="5225064" indent="0">
+              <a:buNone/>
+              <a:defRPr sz="4600" b="1"/>
             </a:lvl5pPr>
-            <a:lvl6pPr marL="9927641" indent="0">
-              <a:buNone/>
-              <a:defRPr sz="6900" b="1"/>
+            <a:lvl6pPr marL="6531331" indent="0">
+              <a:buNone/>
+              <a:defRPr sz="4600" b="1"/>
             </a:lvl6pPr>
-            <a:lvl7pPr marL="11913169" indent="0">
-              <a:buNone/>
-              <a:defRPr sz="6900" b="1"/>
+            <a:lvl7pPr marL="7837597" indent="0">
+              <a:buNone/>
+              <a:defRPr sz="4600" b="1"/>
             </a:lvl7pPr>
-            <a:lvl8pPr marL="13898697" indent="0">
-              <a:buNone/>
-              <a:defRPr sz="6900" b="1"/>
+            <a:lvl8pPr marL="9143863" indent="0">
+              <a:buNone/>
+              <a:defRPr sz="4600" b="1"/>
             </a:lvl8pPr>
-            <a:lvl9pPr marL="15884225" indent="0">
-              <a:buNone/>
-              <a:defRPr sz="6900" b="1"/>
+            <a:lvl9pPr marL="10450129" indent="0">
+              <a:buNone/>
+              <a:defRPr sz="4600" b="1"/>
             </a:lvl9pPr>
           </a:lstStyle>
           <a:p>
@@ -1679,39 +2119,39 @@
         </p:nvSpPr>
         <p:spPr>
           <a:xfrm>
-            <a:off x="18580102" y="8699500"/>
-            <a:ext cx="16167100" cy="15805152"/>
+            <a:off x="13935078" y="5799667"/>
+            <a:ext cx="12125325" cy="10536768"/>
           </a:xfrm>
         </p:spPr>
         <p:txBody>
           <a:bodyPr/>
           <a:lstStyle>
             <a:lvl1pPr>
-              <a:defRPr sz="10400"/>
+              <a:defRPr sz="6900"/>
             </a:lvl1pPr>
             <a:lvl2pPr>
-              <a:defRPr sz="8700"/>
+              <a:defRPr sz="5700"/>
             </a:lvl2pPr>
             <a:lvl3pPr>
-              <a:defRPr sz="7800"/>
+              <a:defRPr sz="5100"/>
             </a:lvl3pPr>
             <a:lvl4pPr>
-              <a:defRPr sz="6900"/>
+              <a:defRPr sz="4600"/>
             </a:lvl4pPr>
             <a:lvl5pPr>
-              <a:defRPr sz="6900"/>
+              <a:defRPr sz="4600"/>
             </a:lvl5pPr>
             <a:lvl6pPr>
-              <a:defRPr sz="6900"/>
+              <a:defRPr sz="4600"/>
             </a:lvl6pPr>
             <a:lvl7pPr>
-              <a:defRPr sz="6900"/>
+              <a:defRPr sz="4600"/>
             </a:lvl7pPr>
             <a:lvl8pPr>
-              <a:defRPr sz="6900"/>
+              <a:defRPr sz="4600"/>
             </a:lvl8pPr>
             <a:lvl9pPr>
-              <a:defRPr sz="6900"/>
+              <a:defRPr sz="4600"/>
             </a:lvl9pPr>
           </a:lstStyle>
           <a:p>
@@ -1767,7 +2207,7 @@
           <a:bodyPr/>
           <a:lstStyle/>
           <a:p>
-            <a:fld id="{3723B2E8-AF91-644E-A20B-7370758A8E79}" type="datetimeFigureOut">
+            <a:fld id="{955E33B5-6111-9346-951D-3F595DE51257}" type="datetimeFigureOut">
               <a:rPr lang="en-US" smtClean="0"/>
               <a:t>6/1/15</a:t>
             </a:fld>
@@ -1809,7 +2249,7 @@
           <a:bodyPr/>
           <a:lstStyle/>
           <a:p>
-            <a:fld id="{E9E6672F-03C4-E34D-9802-D5B40CEC4EA8}" type="slidenum">
+            <a:fld id="{B2866D79-BF9D-8D4A-8BA4-CCDA88AAF3C4}" type="slidenum">
               <a:rPr lang="en-US" smtClean="0"/>
               <a:t>‹#›</a:t>
             </a:fld>
@@ -1820,7 +2260,7 @@
     </p:spTree>
     <p:extLst>
       <p:ext uri="{BB962C8B-B14F-4D97-AF65-F5344CB8AC3E}">
-        <p14:creationId xmlns:p14="http://schemas.microsoft.com/office/powerpoint/2010/main" val="99413742"/>
+        <p14:creationId xmlns:p14="http://schemas.microsoft.com/office/powerpoint/2010/main" val="871255425"/>
       </p:ext>
     </p:extLst>
   </p:cSld>
@@ -1885,7 +2325,7 @@
           <a:bodyPr/>
           <a:lstStyle/>
           <a:p>
-            <a:fld id="{3723B2E8-AF91-644E-A20B-7370758A8E79}" type="datetimeFigureOut">
+            <a:fld id="{955E33B5-6111-9346-951D-3F595DE51257}" type="datetimeFigureOut">
               <a:rPr lang="en-US" smtClean="0"/>
               <a:t>6/1/15</a:t>
             </a:fld>
@@ -1927,7 +2367,7 @@
           <a:bodyPr/>
           <a:lstStyle/>
           <a:p>
-            <a:fld id="{E9E6672F-03C4-E34D-9802-D5B40CEC4EA8}" type="slidenum">
+            <a:fld id="{B2866D79-BF9D-8D4A-8BA4-CCDA88AAF3C4}" type="slidenum">
               <a:rPr lang="en-US" smtClean="0"/>
               <a:t>‹#›</a:t>
             </a:fld>
@@ -1938,7 +2378,7 @@
     </p:spTree>
     <p:extLst>
       <p:ext uri="{BB962C8B-B14F-4D97-AF65-F5344CB8AC3E}">
-        <p14:creationId xmlns:p14="http://schemas.microsoft.com/office/powerpoint/2010/main" val="2570154209"/>
+        <p14:creationId xmlns:p14="http://schemas.microsoft.com/office/powerpoint/2010/main" val="67410752"/>
       </p:ext>
     </p:extLst>
   </p:cSld>
@@ -1980,7 +2420,7 @@
           <a:bodyPr/>
           <a:lstStyle/>
           <a:p>
-            <a:fld id="{3723B2E8-AF91-644E-A20B-7370758A8E79}" type="datetimeFigureOut">
+            <a:fld id="{955E33B5-6111-9346-951D-3F595DE51257}" type="datetimeFigureOut">
               <a:rPr lang="en-US" smtClean="0"/>
               <a:t>6/1/15</a:t>
             </a:fld>
@@ -2022,7 +2462,7 @@
           <a:bodyPr/>
           <a:lstStyle/>
           <a:p>
-            <a:fld id="{E9E6672F-03C4-E34D-9802-D5B40CEC4EA8}" type="slidenum">
+            <a:fld id="{B2866D79-BF9D-8D4A-8BA4-CCDA88AAF3C4}" type="slidenum">
               <a:rPr lang="en-US" smtClean="0"/>
               <a:t>‹#›</a:t>
             </a:fld>
@@ -2033,7 +2473,7 @@
     </p:spTree>
     <p:extLst>
       <p:ext uri="{BB962C8B-B14F-4D97-AF65-F5344CB8AC3E}">
-        <p14:creationId xmlns:p14="http://schemas.microsoft.com/office/powerpoint/2010/main" val="3645726827"/>
+        <p14:creationId xmlns:p14="http://schemas.microsoft.com/office/powerpoint/2010/main" val="3980202576"/>
       </p:ext>
     </p:extLst>
   </p:cSld>
@@ -2072,15 +2512,15 @@
         </p:nvSpPr>
         <p:spPr>
           <a:xfrm>
-            <a:off x="1828803" y="1092200"/>
-            <a:ext cx="12033252" cy="4648200"/>
+            <a:off x="1371603" y="728133"/>
+            <a:ext cx="9024939" cy="3098800"/>
           </a:xfrm>
         </p:spPr>
         <p:txBody>
           <a:bodyPr anchor="b"/>
           <a:lstStyle>
             <a:lvl1pPr algn="l">
-              <a:defRPr sz="8700" b="1"/>
+              <a:defRPr sz="5700" b="1"/>
             </a:lvl1pPr>
           </a:lstStyle>
           <a:p>
@@ -2104,39 +2544,39 @@
         </p:nvSpPr>
         <p:spPr>
           <a:xfrm>
-            <a:off x="14300200" y="1092202"/>
-            <a:ext cx="20447000" cy="23412452"/>
+            <a:off x="10725150" y="728136"/>
+            <a:ext cx="15335250" cy="15608301"/>
           </a:xfrm>
         </p:spPr>
         <p:txBody>
           <a:bodyPr/>
           <a:lstStyle>
             <a:lvl1pPr>
-              <a:defRPr sz="13900"/>
+              <a:defRPr sz="9100"/>
             </a:lvl1pPr>
             <a:lvl2pPr>
-              <a:defRPr sz="12200"/>
+              <a:defRPr sz="8000"/>
             </a:lvl2pPr>
             <a:lvl3pPr>
-              <a:defRPr sz="10400"/>
+              <a:defRPr sz="6900"/>
             </a:lvl3pPr>
             <a:lvl4pPr>
-              <a:defRPr sz="8700"/>
+              <a:defRPr sz="5700"/>
             </a:lvl4pPr>
             <a:lvl5pPr>
-              <a:defRPr sz="8700"/>
+              <a:defRPr sz="5700"/>
             </a:lvl5pPr>
             <a:lvl6pPr>
-              <a:defRPr sz="8700"/>
+              <a:defRPr sz="5700"/>
             </a:lvl6pPr>
             <a:lvl7pPr>
-              <a:defRPr sz="8700"/>
+              <a:defRPr sz="5700"/>
             </a:lvl7pPr>
             <a:lvl8pPr>
-              <a:defRPr sz="8700"/>
+              <a:defRPr sz="5700"/>
             </a:lvl8pPr>
             <a:lvl9pPr>
-              <a:defRPr sz="8700"/>
+              <a:defRPr sz="5700"/>
             </a:lvl9pPr>
           </a:lstStyle>
           <a:p>
@@ -2189,8 +2629,8 @@
         </p:nvSpPr>
         <p:spPr>
           <a:xfrm>
-            <a:off x="1828803" y="5740402"/>
-            <a:ext cx="12033252" cy="18764252"/>
+            <a:off x="1371603" y="3826936"/>
+            <a:ext cx="9024939" cy="12509501"/>
           </a:xfrm>
         </p:spPr>
         <p:txBody>
@@ -2198,39 +2638,39 @@
           <a:lstStyle>
             <a:lvl1pPr marL="0" indent="0">
               <a:buNone/>
-              <a:defRPr sz="6100"/>
+              <a:defRPr sz="4000"/>
             </a:lvl1pPr>
-            <a:lvl2pPr marL="1985528" indent="0">
-              <a:buNone/>
-              <a:defRPr sz="5200"/>
+            <a:lvl2pPr marL="1306266" indent="0">
+              <a:buNone/>
+              <a:defRPr sz="3400"/>
             </a:lvl2pPr>
-            <a:lvl3pPr marL="3971056" indent="0">
-              <a:buNone/>
-              <a:defRPr sz="4300"/>
+            <a:lvl3pPr marL="2612532" indent="0">
+              <a:buNone/>
+              <a:defRPr sz="2900"/>
             </a:lvl3pPr>
-            <a:lvl4pPr marL="5956584" indent="0">
-              <a:buNone/>
-              <a:defRPr sz="3900"/>
+            <a:lvl4pPr marL="3918798" indent="0">
+              <a:buNone/>
+              <a:defRPr sz="2600"/>
             </a:lvl4pPr>
-            <a:lvl5pPr marL="7942113" indent="0">
-              <a:buNone/>
-              <a:defRPr sz="3900"/>
+            <a:lvl5pPr marL="5225064" indent="0">
+              <a:buNone/>
+              <a:defRPr sz="2600"/>
             </a:lvl5pPr>
-            <a:lvl6pPr marL="9927641" indent="0">
-              <a:buNone/>
-              <a:defRPr sz="3900"/>
+            <a:lvl6pPr marL="6531331" indent="0">
+              <a:buNone/>
+              <a:defRPr sz="2600"/>
             </a:lvl6pPr>
-            <a:lvl7pPr marL="11913169" indent="0">
-              <a:buNone/>
-              <a:defRPr sz="3900"/>
+            <a:lvl7pPr marL="7837597" indent="0">
+              <a:buNone/>
+              <a:defRPr sz="2600"/>
             </a:lvl7pPr>
-            <a:lvl8pPr marL="13898697" indent="0">
-              <a:buNone/>
-              <a:defRPr sz="3900"/>
+            <a:lvl8pPr marL="9143863" indent="0">
+              <a:buNone/>
+              <a:defRPr sz="2600"/>
             </a:lvl8pPr>
-            <a:lvl9pPr marL="15884225" indent="0">
-              <a:buNone/>
-              <a:defRPr sz="3900"/>
+            <a:lvl9pPr marL="10450129" indent="0">
+              <a:buNone/>
+              <a:defRPr sz="2600"/>
             </a:lvl9pPr>
           </a:lstStyle>
           <a:p>
@@ -2257,7 +2697,7 @@
           <a:bodyPr/>
           <a:lstStyle/>
           <a:p>
-            <a:fld id="{3723B2E8-AF91-644E-A20B-7370758A8E79}" type="datetimeFigureOut">
+            <a:fld id="{955E33B5-6111-9346-951D-3F595DE51257}" type="datetimeFigureOut">
               <a:rPr lang="en-US" smtClean="0"/>
               <a:t>6/1/15</a:t>
             </a:fld>
@@ -2299,7 +2739,7 @@
           <a:bodyPr/>
           <a:lstStyle/>
           <a:p>
-            <a:fld id="{E9E6672F-03C4-E34D-9802-D5B40CEC4EA8}" type="slidenum">
+            <a:fld id="{B2866D79-BF9D-8D4A-8BA4-CCDA88AAF3C4}" type="slidenum">
               <a:rPr lang="en-US" smtClean="0"/>
               <a:t>‹#›</a:t>
             </a:fld>
@@ -2310,7 +2750,7 @@
     </p:spTree>
     <p:extLst>
       <p:ext uri="{BB962C8B-B14F-4D97-AF65-F5344CB8AC3E}">
-        <p14:creationId xmlns:p14="http://schemas.microsoft.com/office/powerpoint/2010/main" val="2856656189"/>
+        <p14:creationId xmlns:p14="http://schemas.microsoft.com/office/powerpoint/2010/main" val="3429073680"/>
       </p:ext>
     </p:extLst>
   </p:cSld>
@@ -2349,15 +2789,15 @@
         </p:nvSpPr>
         <p:spPr>
           <a:xfrm>
-            <a:off x="7169152" y="19202400"/>
-            <a:ext cx="21945600" cy="2266952"/>
+            <a:off x="5376864" y="12801601"/>
+            <a:ext cx="16459200" cy="1511301"/>
           </a:xfrm>
         </p:spPr>
         <p:txBody>
           <a:bodyPr anchor="b"/>
           <a:lstStyle>
             <a:lvl1pPr algn="l">
-              <a:defRPr sz="8700" b="1"/>
+              <a:defRPr sz="5700" b="1"/>
             </a:lvl1pPr>
           </a:lstStyle>
           <a:p>
@@ -2381,8 +2821,8 @@
         </p:nvSpPr>
         <p:spPr>
           <a:xfrm>
-            <a:off x="7169152" y="2451100"/>
-            <a:ext cx="21945600" cy="16459200"/>
+            <a:off x="5376864" y="1634067"/>
+            <a:ext cx="16459200" cy="10972800"/>
           </a:xfrm>
         </p:spPr>
         <p:txBody>
@@ -2390,39 +2830,39 @@
           <a:lstStyle>
             <a:lvl1pPr marL="0" indent="0">
               <a:buNone/>
-              <a:defRPr sz="13900"/>
+              <a:defRPr sz="9100"/>
             </a:lvl1pPr>
-            <a:lvl2pPr marL="1985528" indent="0">
-              <a:buNone/>
-              <a:defRPr sz="12200"/>
+            <a:lvl2pPr marL="1306266" indent="0">
+              <a:buNone/>
+              <a:defRPr sz="8000"/>
             </a:lvl2pPr>
-            <a:lvl3pPr marL="3971056" indent="0">
-              <a:buNone/>
-              <a:defRPr sz="10400"/>
+            <a:lvl3pPr marL="2612532" indent="0">
+              <a:buNone/>
+              <a:defRPr sz="6900"/>
             </a:lvl3pPr>
-            <a:lvl4pPr marL="5956584" indent="0">
-              <a:buNone/>
-              <a:defRPr sz="8700"/>
+            <a:lvl4pPr marL="3918798" indent="0">
+              <a:buNone/>
+              <a:defRPr sz="5700"/>
             </a:lvl4pPr>
-            <a:lvl5pPr marL="7942113" indent="0">
-              <a:buNone/>
-              <a:defRPr sz="8700"/>
+            <a:lvl5pPr marL="5225064" indent="0">
+              <a:buNone/>
+              <a:defRPr sz="5700"/>
             </a:lvl5pPr>
-            <a:lvl6pPr marL="9927641" indent="0">
-              <a:buNone/>
-              <a:defRPr sz="8700"/>
+            <a:lvl6pPr marL="6531331" indent="0">
+              <a:buNone/>
+              <a:defRPr sz="5700"/>
             </a:lvl6pPr>
-            <a:lvl7pPr marL="11913169" indent="0">
-              <a:buNone/>
-              <a:defRPr sz="8700"/>
+            <a:lvl7pPr marL="7837597" indent="0">
+              <a:buNone/>
+              <a:defRPr sz="5700"/>
             </a:lvl7pPr>
-            <a:lvl8pPr marL="13898697" indent="0">
-              <a:buNone/>
-              <a:defRPr sz="8700"/>
+            <a:lvl8pPr marL="9143863" indent="0">
+              <a:buNone/>
+              <a:defRPr sz="5700"/>
             </a:lvl8pPr>
-            <a:lvl9pPr marL="15884225" indent="0">
-              <a:buNone/>
-              <a:defRPr sz="8700"/>
+            <a:lvl9pPr marL="10450129" indent="0">
+              <a:buNone/>
+              <a:defRPr sz="5700"/>
             </a:lvl9pPr>
           </a:lstStyle>
           <a:p>
@@ -2442,8 +2882,8 @@
         </p:nvSpPr>
         <p:spPr>
           <a:xfrm>
-            <a:off x="7169152" y="21469352"/>
-            <a:ext cx="21945600" cy="3219448"/>
+            <a:off x="5376864" y="14312902"/>
+            <a:ext cx="16459200" cy="2146299"/>
           </a:xfrm>
         </p:spPr>
         <p:txBody>
@@ -2451,39 +2891,39 @@
           <a:lstStyle>
             <a:lvl1pPr marL="0" indent="0">
               <a:buNone/>
-              <a:defRPr sz="6100"/>
+              <a:defRPr sz="4000"/>
             </a:lvl1pPr>
-            <a:lvl2pPr marL="1985528" indent="0">
-              <a:buNone/>
-              <a:defRPr sz="5200"/>
+            <a:lvl2pPr marL="1306266" indent="0">
+              <a:buNone/>
+              <a:defRPr sz="3400"/>
             </a:lvl2pPr>
-            <a:lvl3pPr marL="3971056" indent="0">
-              <a:buNone/>
-              <a:defRPr sz="4300"/>
+            <a:lvl3pPr marL="2612532" indent="0">
+              <a:buNone/>
+              <a:defRPr sz="2900"/>
             </a:lvl3pPr>
-            <a:lvl4pPr marL="5956584" indent="0">
-              <a:buNone/>
-              <a:defRPr sz="3900"/>
+            <a:lvl4pPr marL="3918798" indent="0">
+              <a:buNone/>
+              <a:defRPr sz="2600"/>
             </a:lvl4pPr>
-            <a:lvl5pPr marL="7942113" indent="0">
-              <a:buNone/>
-              <a:defRPr sz="3900"/>
+            <a:lvl5pPr marL="5225064" indent="0">
+              <a:buNone/>
+              <a:defRPr sz="2600"/>
             </a:lvl5pPr>
-            <a:lvl6pPr marL="9927641" indent="0">
-              <a:buNone/>
-              <a:defRPr sz="3900"/>
+            <a:lvl6pPr marL="6531331" indent="0">
+              <a:buNone/>
+              <a:defRPr sz="2600"/>
             </a:lvl6pPr>
-            <a:lvl7pPr marL="11913169" indent="0">
-              <a:buNone/>
-              <a:defRPr sz="3900"/>
+            <a:lvl7pPr marL="7837597" indent="0">
+              <a:buNone/>
+              <a:defRPr sz="2600"/>
             </a:lvl7pPr>
-            <a:lvl8pPr marL="13898697" indent="0">
-              <a:buNone/>
-              <a:defRPr sz="3900"/>
+            <a:lvl8pPr marL="9143863" indent="0">
+              <a:buNone/>
+              <a:defRPr sz="2600"/>
             </a:lvl8pPr>
-            <a:lvl9pPr marL="15884225" indent="0">
-              <a:buNone/>
-              <a:defRPr sz="3900"/>
+            <a:lvl9pPr marL="10450129" indent="0">
+              <a:buNone/>
+              <a:defRPr sz="2600"/>
             </a:lvl9pPr>
           </a:lstStyle>
           <a:p>
@@ -2510,7 +2950,7 @@
           <a:bodyPr/>
           <a:lstStyle/>
           <a:p>
-            <a:fld id="{3723B2E8-AF91-644E-A20B-7370758A8E79}" type="datetimeFigureOut">
+            <a:fld id="{955E33B5-6111-9346-951D-3F595DE51257}" type="datetimeFigureOut">
               <a:rPr lang="en-US" smtClean="0"/>
               <a:t>6/1/15</a:t>
             </a:fld>
@@ -2552,7 +2992,7 @@
           <a:bodyPr/>
           <a:lstStyle/>
           <a:p>
-            <a:fld id="{E9E6672F-03C4-E34D-9802-D5B40CEC4EA8}" type="slidenum">
+            <a:fld id="{B2866D79-BF9D-8D4A-8BA4-CCDA88AAF3C4}" type="slidenum">
               <a:rPr lang="en-US" smtClean="0"/>
               <a:t>‹#›</a:t>
             </a:fld>
@@ -2563,7 +3003,7 @@
     </p:spTree>
     <p:extLst>
       <p:ext uri="{BB962C8B-B14F-4D97-AF65-F5344CB8AC3E}">
-        <p14:creationId xmlns:p14="http://schemas.microsoft.com/office/powerpoint/2010/main" val="1036318988"/>
+        <p14:creationId xmlns:p14="http://schemas.microsoft.com/office/powerpoint/2010/main" val="18624716"/>
       </p:ext>
     </p:extLst>
   </p:cSld>
@@ -2607,15 +3047,15 @@
         </p:nvSpPr>
         <p:spPr>
           <a:xfrm>
-            <a:off x="1828800" y="1098552"/>
-            <a:ext cx="32918400" cy="4572000"/>
+            <a:off x="1371600" y="732368"/>
+            <a:ext cx="24688800" cy="3048000"/>
           </a:xfrm>
           <a:prstGeom prst="rect">
             <a:avLst/>
           </a:prstGeom>
         </p:spPr>
         <p:txBody>
-          <a:bodyPr vert="horz" lIns="397106" tIns="198553" rIns="397106" bIns="198553" rtlCol="0" anchor="ctr">
+          <a:bodyPr vert="horz" lIns="261253" tIns="130627" rIns="261253" bIns="130627" rtlCol="0" anchor="ctr">
             <a:normAutofit/>
           </a:bodyPr>
           <a:lstStyle/>
@@ -2640,15 +3080,15 @@
         </p:nvSpPr>
         <p:spPr>
           <a:xfrm>
-            <a:off x="1828800" y="6400802"/>
-            <a:ext cx="32918400" cy="18103852"/>
+            <a:off x="1371600" y="4267202"/>
+            <a:ext cx="24688800" cy="12069235"/>
           </a:xfrm>
           <a:prstGeom prst="rect">
             <a:avLst/>
           </a:prstGeom>
         </p:spPr>
         <p:txBody>
-          <a:bodyPr vert="horz" lIns="397106" tIns="198553" rIns="397106" bIns="198553" rtlCol="0">
+          <a:bodyPr vert="horz" lIns="261253" tIns="130627" rIns="261253" bIns="130627" rtlCol="0">
             <a:normAutofit/>
           </a:bodyPr>
           <a:lstStyle/>
@@ -2702,18 +3142,18 @@
         </p:nvSpPr>
         <p:spPr>
           <a:xfrm>
-            <a:off x="1828800" y="25425403"/>
-            <a:ext cx="8534400" cy="1460500"/>
+            <a:off x="1371600" y="16950269"/>
+            <a:ext cx="6400800" cy="973667"/>
           </a:xfrm>
           <a:prstGeom prst="rect">
             <a:avLst/>
           </a:prstGeom>
         </p:spPr>
         <p:txBody>
-          <a:bodyPr vert="horz" lIns="397106" tIns="198553" rIns="397106" bIns="198553" rtlCol="0" anchor="ctr"/>
+          <a:bodyPr vert="horz" lIns="261253" tIns="130627" rIns="261253" bIns="130627" rtlCol="0" anchor="ctr"/>
           <a:lstStyle>
             <a:lvl1pPr algn="l">
-              <a:defRPr sz="5200">
+              <a:defRPr sz="3400">
                 <a:solidFill>
                   <a:schemeClr val="tx1">
                     <a:tint val="75000"/>
@@ -2723,7 +3163,7 @@
             </a:lvl1pPr>
           </a:lstStyle>
           <a:p>
-            <a:fld id="{3723B2E8-AF91-644E-A20B-7370758A8E79}" type="datetimeFigureOut">
+            <a:fld id="{955E33B5-6111-9346-951D-3F595DE51257}" type="datetimeFigureOut">
               <a:rPr lang="en-US" smtClean="0"/>
               <a:t>6/1/15</a:t>
             </a:fld>
@@ -2743,18 +3183,18 @@
         </p:nvSpPr>
         <p:spPr>
           <a:xfrm>
-            <a:off x="12496800" y="25425403"/>
-            <a:ext cx="11582400" cy="1460500"/>
+            <a:off x="9372600" y="16950269"/>
+            <a:ext cx="8686800" cy="973667"/>
           </a:xfrm>
           <a:prstGeom prst="rect">
             <a:avLst/>
           </a:prstGeom>
         </p:spPr>
         <p:txBody>
-          <a:bodyPr vert="horz" lIns="397106" tIns="198553" rIns="397106" bIns="198553" rtlCol="0" anchor="ctr"/>
+          <a:bodyPr vert="horz" lIns="261253" tIns="130627" rIns="261253" bIns="130627" rtlCol="0" anchor="ctr"/>
           <a:lstStyle>
             <a:lvl1pPr algn="ctr">
-              <a:defRPr sz="5200">
+              <a:defRPr sz="3400">
                 <a:solidFill>
                   <a:schemeClr val="tx1">
                     <a:tint val="75000"/>
@@ -2780,18 +3220,18 @@
         </p:nvSpPr>
         <p:spPr>
           <a:xfrm>
-            <a:off x="26212800" y="25425403"/>
-            <a:ext cx="8534400" cy="1460500"/>
+            <a:off x="19659600" y="16950269"/>
+            <a:ext cx="6400800" cy="973667"/>
           </a:xfrm>
           <a:prstGeom prst="rect">
             <a:avLst/>
           </a:prstGeom>
         </p:spPr>
         <p:txBody>
-          <a:bodyPr vert="horz" lIns="397106" tIns="198553" rIns="397106" bIns="198553" rtlCol="0" anchor="ctr"/>
+          <a:bodyPr vert="horz" lIns="261253" tIns="130627" rIns="261253" bIns="130627" rtlCol="0" anchor="ctr"/>
           <a:lstStyle>
             <a:lvl1pPr algn="r">
-              <a:defRPr sz="5200">
+              <a:defRPr sz="3400">
                 <a:solidFill>
                   <a:schemeClr val="tx1">
                     <a:tint val="75000"/>
@@ -2801,7 +3241,7 @@
             </a:lvl1pPr>
           </a:lstStyle>
           <a:p>
-            <a:fld id="{E9E6672F-03C4-E34D-9802-D5B40CEC4EA8}" type="slidenum">
+            <a:fld id="{B2866D79-BF9D-8D4A-8BA4-CCDA88AAF3C4}" type="slidenum">
               <a:rPr lang="en-US" smtClean="0"/>
               <a:t>‹#›</a:t>
             </a:fld>
@@ -2812,7 +3252,7 @@
     </p:spTree>
     <p:extLst>
       <p:ext uri="{BB962C8B-B14F-4D97-AF65-F5344CB8AC3E}">
-        <p14:creationId xmlns:p14="http://schemas.microsoft.com/office/powerpoint/2010/main" val="3044333332"/>
+        <p14:creationId xmlns:p14="http://schemas.microsoft.com/office/powerpoint/2010/main" val="1332801613"/>
       </p:ext>
     </p:extLst>
   </p:cSld>
@@ -2832,12 +3272,12 @@
   </p:sldLayoutIdLst>
   <p:txStyles>
     <p:titleStyle>
-      <a:lvl1pPr algn="ctr" defTabSz="1985528" rtl="0" eaLnBrk="1" latinLnBrk="0" hangingPunct="1">
+      <a:lvl1pPr algn="ctr" defTabSz="1306266" rtl="0" eaLnBrk="1" latinLnBrk="0" hangingPunct="1">
         <a:spcBef>
           <a:spcPct val="0"/>
         </a:spcBef>
         <a:buNone/>
-        <a:defRPr sz="19100" kern="1200">
+        <a:defRPr sz="12600" kern="1200">
           <a:solidFill>
             <a:schemeClr val="tx1"/>
           </a:solidFill>
@@ -2848,13 +3288,13 @@
       </a:lvl1pPr>
     </p:titleStyle>
     <p:bodyStyle>
-      <a:lvl1pPr marL="1489146" indent="-1489146" algn="l" defTabSz="1985528" rtl="0" eaLnBrk="1" latinLnBrk="0" hangingPunct="1">
+      <a:lvl1pPr marL="979700" indent="-979700" algn="l" defTabSz="1306266" rtl="0" eaLnBrk="1" latinLnBrk="0" hangingPunct="1">
         <a:spcBef>
           <a:spcPct val="20000"/>
         </a:spcBef>
         <a:buFont typeface="Arial"/>
         <a:buChar char="•"/>
-        <a:defRPr sz="13900" kern="1200">
+        <a:defRPr sz="9100" kern="1200">
           <a:solidFill>
             <a:schemeClr val="tx1"/>
           </a:solidFill>
@@ -2863,13 +3303,13 @@
           <a:cs typeface="+mn-cs"/>
         </a:defRPr>
       </a:lvl1pPr>
-      <a:lvl2pPr marL="3226483" indent="-1240955" algn="l" defTabSz="1985528" rtl="0" eaLnBrk="1" latinLnBrk="0" hangingPunct="1">
+      <a:lvl2pPr marL="2122682" indent="-816416" algn="l" defTabSz="1306266" rtl="0" eaLnBrk="1" latinLnBrk="0" hangingPunct="1">
         <a:spcBef>
           <a:spcPct val="20000"/>
         </a:spcBef>
         <a:buFont typeface="Arial"/>
         <a:buChar char="–"/>
-        <a:defRPr sz="12200" kern="1200">
+        <a:defRPr sz="8000" kern="1200">
           <a:solidFill>
             <a:schemeClr val="tx1"/>
           </a:solidFill>
@@ -2878,13 +3318,13 @@
           <a:cs typeface="+mn-cs"/>
         </a:defRPr>
       </a:lvl2pPr>
-      <a:lvl3pPr marL="4963820" indent="-992764" algn="l" defTabSz="1985528" rtl="0" eaLnBrk="1" latinLnBrk="0" hangingPunct="1">
+      <a:lvl3pPr marL="3265665" indent="-653133" algn="l" defTabSz="1306266" rtl="0" eaLnBrk="1" latinLnBrk="0" hangingPunct="1">
         <a:spcBef>
           <a:spcPct val="20000"/>
         </a:spcBef>
         <a:buFont typeface="Arial"/>
         <a:buChar char="•"/>
-        <a:defRPr sz="10400" kern="1200">
+        <a:defRPr sz="6900" kern="1200">
           <a:solidFill>
             <a:schemeClr val="tx1"/>
           </a:solidFill>
@@ -2893,13 +3333,13 @@
           <a:cs typeface="+mn-cs"/>
         </a:defRPr>
       </a:lvl3pPr>
-      <a:lvl4pPr marL="6949349" indent="-992764" algn="l" defTabSz="1985528" rtl="0" eaLnBrk="1" latinLnBrk="0" hangingPunct="1">
+      <a:lvl4pPr marL="4571931" indent="-653133" algn="l" defTabSz="1306266" rtl="0" eaLnBrk="1" latinLnBrk="0" hangingPunct="1">
         <a:spcBef>
           <a:spcPct val="20000"/>
         </a:spcBef>
         <a:buFont typeface="Arial"/>
         <a:buChar char="–"/>
-        <a:defRPr sz="8700" kern="1200">
+        <a:defRPr sz="5700" kern="1200">
           <a:solidFill>
             <a:schemeClr val="tx1"/>
           </a:solidFill>
@@ -2908,13 +3348,13 @@
           <a:cs typeface="+mn-cs"/>
         </a:defRPr>
       </a:lvl4pPr>
-      <a:lvl5pPr marL="8934877" indent="-992764" algn="l" defTabSz="1985528" rtl="0" eaLnBrk="1" latinLnBrk="0" hangingPunct="1">
+      <a:lvl5pPr marL="5878198" indent="-653133" algn="l" defTabSz="1306266" rtl="0" eaLnBrk="1" latinLnBrk="0" hangingPunct="1">
         <a:spcBef>
           <a:spcPct val="20000"/>
         </a:spcBef>
         <a:buFont typeface="Arial"/>
         <a:buChar char="»"/>
-        <a:defRPr sz="8700" kern="1200">
+        <a:defRPr sz="5700" kern="1200">
           <a:solidFill>
             <a:schemeClr val="tx1"/>
           </a:solidFill>
@@ -2923,13 +3363,13 @@
           <a:cs typeface="+mn-cs"/>
         </a:defRPr>
       </a:lvl5pPr>
-      <a:lvl6pPr marL="10920405" indent="-992764" algn="l" defTabSz="1985528" rtl="0" eaLnBrk="1" latinLnBrk="0" hangingPunct="1">
+      <a:lvl6pPr marL="7184464" indent="-653133" algn="l" defTabSz="1306266" rtl="0" eaLnBrk="1" latinLnBrk="0" hangingPunct="1">
         <a:spcBef>
           <a:spcPct val="20000"/>
         </a:spcBef>
         <a:buFont typeface="Arial"/>
         <a:buChar char="•"/>
-        <a:defRPr sz="8700" kern="1200">
+        <a:defRPr sz="5700" kern="1200">
           <a:solidFill>
             <a:schemeClr val="tx1"/>
           </a:solidFill>
@@ -2938,13 +3378,13 @@
           <a:cs typeface="+mn-cs"/>
         </a:defRPr>
       </a:lvl6pPr>
-      <a:lvl7pPr marL="12905933" indent="-992764" algn="l" defTabSz="1985528" rtl="0" eaLnBrk="1" latinLnBrk="0" hangingPunct="1">
+      <a:lvl7pPr marL="8490730" indent="-653133" algn="l" defTabSz="1306266" rtl="0" eaLnBrk="1" latinLnBrk="0" hangingPunct="1">
         <a:spcBef>
           <a:spcPct val="20000"/>
         </a:spcBef>
         <a:buFont typeface="Arial"/>
         <a:buChar char="•"/>
-        <a:defRPr sz="8700" kern="1200">
+        <a:defRPr sz="5700" kern="1200">
           <a:solidFill>
             <a:schemeClr val="tx1"/>
           </a:solidFill>
@@ -2953,13 +3393,13 @@
           <a:cs typeface="+mn-cs"/>
         </a:defRPr>
       </a:lvl7pPr>
-      <a:lvl8pPr marL="14891461" indent="-992764" algn="l" defTabSz="1985528" rtl="0" eaLnBrk="1" latinLnBrk="0" hangingPunct="1">
+      <a:lvl8pPr marL="9796996" indent="-653133" algn="l" defTabSz="1306266" rtl="0" eaLnBrk="1" latinLnBrk="0" hangingPunct="1">
         <a:spcBef>
           <a:spcPct val="20000"/>
         </a:spcBef>
         <a:buFont typeface="Arial"/>
         <a:buChar char="•"/>
-        <a:defRPr sz="8700" kern="1200">
+        <a:defRPr sz="5700" kern="1200">
           <a:solidFill>
             <a:schemeClr val="tx1"/>
           </a:solidFill>
@@ -2968,13 +3408,13 @@
           <a:cs typeface="+mn-cs"/>
         </a:defRPr>
       </a:lvl8pPr>
-      <a:lvl9pPr marL="16876989" indent="-992764" algn="l" defTabSz="1985528" rtl="0" eaLnBrk="1" latinLnBrk="0" hangingPunct="1">
+      <a:lvl9pPr marL="11103262" indent="-653133" algn="l" defTabSz="1306266" rtl="0" eaLnBrk="1" latinLnBrk="0" hangingPunct="1">
         <a:spcBef>
           <a:spcPct val="20000"/>
         </a:spcBef>
         <a:buFont typeface="Arial"/>
         <a:buChar char="•"/>
-        <a:defRPr sz="8700" kern="1200">
+        <a:defRPr sz="5700" kern="1200">
           <a:solidFill>
             <a:schemeClr val="tx1"/>
           </a:solidFill>
@@ -2988,8 +3428,8 @@
       <a:defPPr>
         <a:defRPr lang="en-US"/>
       </a:defPPr>
-      <a:lvl1pPr marL="0" algn="l" defTabSz="1985528" rtl="0" eaLnBrk="1" latinLnBrk="0" hangingPunct="1">
-        <a:defRPr sz="7800" kern="1200">
+      <a:lvl1pPr marL="0" algn="l" defTabSz="1306266" rtl="0" eaLnBrk="1" latinLnBrk="0" hangingPunct="1">
+        <a:defRPr sz="5100" kern="1200">
           <a:solidFill>
             <a:schemeClr val="tx1"/>
           </a:solidFill>
@@ -2998,8 +3438,8 @@
           <a:cs typeface="+mn-cs"/>
         </a:defRPr>
       </a:lvl1pPr>
-      <a:lvl2pPr marL="1985528" algn="l" defTabSz="1985528" rtl="0" eaLnBrk="1" latinLnBrk="0" hangingPunct="1">
-        <a:defRPr sz="7800" kern="1200">
+      <a:lvl2pPr marL="1306266" algn="l" defTabSz="1306266" rtl="0" eaLnBrk="1" latinLnBrk="0" hangingPunct="1">
+        <a:defRPr sz="5100" kern="1200">
           <a:solidFill>
             <a:schemeClr val="tx1"/>
           </a:solidFill>
@@ -3008,8 +3448,8 @@
           <a:cs typeface="+mn-cs"/>
         </a:defRPr>
       </a:lvl2pPr>
-      <a:lvl3pPr marL="3971056" algn="l" defTabSz="1985528" rtl="0" eaLnBrk="1" latinLnBrk="0" hangingPunct="1">
-        <a:defRPr sz="7800" kern="1200">
+      <a:lvl3pPr marL="2612532" algn="l" defTabSz="1306266" rtl="0" eaLnBrk="1" latinLnBrk="0" hangingPunct="1">
+        <a:defRPr sz="5100" kern="1200">
           <a:solidFill>
             <a:schemeClr val="tx1"/>
           </a:solidFill>
@@ -3018,8 +3458,8 @@
           <a:cs typeface="+mn-cs"/>
         </a:defRPr>
       </a:lvl3pPr>
-      <a:lvl4pPr marL="5956584" algn="l" defTabSz="1985528" rtl="0" eaLnBrk="1" latinLnBrk="0" hangingPunct="1">
-        <a:defRPr sz="7800" kern="1200">
+      <a:lvl4pPr marL="3918798" algn="l" defTabSz="1306266" rtl="0" eaLnBrk="1" latinLnBrk="0" hangingPunct="1">
+        <a:defRPr sz="5100" kern="1200">
           <a:solidFill>
             <a:schemeClr val="tx1"/>
           </a:solidFill>
@@ -3028,8 +3468,8 @@
           <a:cs typeface="+mn-cs"/>
         </a:defRPr>
       </a:lvl4pPr>
-      <a:lvl5pPr marL="7942113" algn="l" defTabSz="1985528" rtl="0" eaLnBrk="1" latinLnBrk="0" hangingPunct="1">
-        <a:defRPr sz="7800" kern="1200">
+      <a:lvl5pPr marL="5225064" algn="l" defTabSz="1306266" rtl="0" eaLnBrk="1" latinLnBrk="0" hangingPunct="1">
+        <a:defRPr sz="5100" kern="1200">
           <a:solidFill>
             <a:schemeClr val="tx1"/>
           </a:solidFill>
@@ -3038,8 +3478,8 @@
           <a:cs typeface="+mn-cs"/>
         </a:defRPr>
       </a:lvl5pPr>
-      <a:lvl6pPr marL="9927641" algn="l" defTabSz="1985528" rtl="0" eaLnBrk="1" latinLnBrk="0" hangingPunct="1">
-        <a:defRPr sz="7800" kern="1200">
+      <a:lvl6pPr marL="6531331" algn="l" defTabSz="1306266" rtl="0" eaLnBrk="1" latinLnBrk="0" hangingPunct="1">
+        <a:defRPr sz="5100" kern="1200">
           <a:solidFill>
             <a:schemeClr val="tx1"/>
           </a:solidFill>
@@ -3048,8 +3488,8 @@
           <a:cs typeface="+mn-cs"/>
         </a:defRPr>
       </a:lvl6pPr>
-      <a:lvl7pPr marL="11913169" algn="l" defTabSz="1985528" rtl="0" eaLnBrk="1" latinLnBrk="0" hangingPunct="1">
-        <a:defRPr sz="7800" kern="1200">
+      <a:lvl7pPr marL="7837597" algn="l" defTabSz="1306266" rtl="0" eaLnBrk="1" latinLnBrk="0" hangingPunct="1">
+        <a:defRPr sz="5100" kern="1200">
           <a:solidFill>
             <a:schemeClr val="tx1"/>
           </a:solidFill>
@@ -3058,8 +3498,8 @@
           <a:cs typeface="+mn-cs"/>
         </a:defRPr>
       </a:lvl7pPr>
-      <a:lvl8pPr marL="13898697" algn="l" defTabSz="1985528" rtl="0" eaLnBrk="1" latinLnBrk="0" hangingPunct="1">
-        <a:defRPr sz="7800" kern="1200">
+      <a:lvl8pPr marL="9143863" algn="l" defTabSz="1306266" rtl="0" eaLnBrk="1" latinLnBrk="0" hangingPunct="1">
+        <a:defRPr sz="5100" kern="1200">
           <a:solidFill>
             <a:schemeClr val="tx1"/>
           </a:solidFill>
@@ -3068,8 +3508,8 @@
           <a:cs typeface="+mn-cs"/>
         </a:defRPr>
       </a:lvl8pPr>
-      <a:lvl9pPr marL="15884225" algn="l" defTabSz="1985528" rtl="0" eaLnBrk="1" latinLnBrk="0" hangingPunct="1">
-        <a:defRPr sz="7800" kern="1200">
+      <a:lvl9pPr marL="10450129" algn="l" defTabSz="1306266" rtl="0" eaLnBrk="1" latinLnBrk="0" hangingPunct="1">
+        <a:defRPr sz="5100" kern="1200">
           <a:solidFill>
             <a:schemeClr val="tx1"/>
           </a:solidFill>
@@ -3100,54 +3540,1622 @@
           <a:chExt cx="0" cy="0"/>
         </a:xfrm>
       </p:grpSpPr>
-      <p:sp>
-        <p:nvSpPr>
-          <p:cNvPr id="2" name="Title 1"/>
-          <p:cNvSpPr>
-            <a:spLocks noGrp="1"/>
-          </p:cNvSpPr>
-          <p:nvPr>
-            <p:ph type="ctrTitle"/>
-          </p:nvPr>
-        </p:nvSpPr>
-        <p:spPr/>
+      <p:pic>
+        <p:nvPicPr>
+          <p:cNvPr id="95" name="Picture 94" descr="graph.jpg"/>
+          <p:cNvPicPr>
+            <a:picLocks noChangeAspect="1"/>
+          </p:cNvPicPr>
+          <p:nvPr/>
+        </p:nvPicPr>
+        <p:blipFill>
+          <a:blip r:embed="rId3">
+            <a:extLst>
+              <a:ext uri="{28A0092B-C50C-407E-A947-70E740481C1C}">
+                <a14:useLocalDpi xmlns:a14="http://schemas.microsoft.com/office/drawing/2010/main" val="0"/>
+              </a:ext>
+            </a:extLst>
+          </a:blip>
+          <a:stretch>
+            <a:fillRect/>
+          </a:stretch>
+        </p:blipFill>
+        <p:spPr>
+          <a:xfrm>
+            <a:off x="9276336" y="12611908"/>
+            <a:ext cx="8627740" cy="5689888"/>
+          </a:xfrm>
+          <a:prstGeom prst="rect">
+            <a:avLst/>
+          </a:prstGeom>
+        </p:spPr>
+      </p:pic>
+      <p:sp>
+        <p:nvSpPr>
+          <p:cNvPr id="2" name="TextBox 1"/>
+          <p:cNvSpPr txBox="1"/>
+          <p:nvPr/>
+        </p:nvSpPr>
+        <p:spPr>
+          <a:xfrm>
+            <a:off x="3890526" y="238676"/>
+            <a:ext cx="20356855" cy="1446550"/>
+          </a:xfrm>
+          <a:prstGeom prst="rect">
+            <a:avLst/>
+          </a:prstGeom>
+          <a:noFill/>
+        </p:spPr>
+        <p:txBody>
+          <a:bodyPr wrap="none" rtlCol="0">
+            <a:spAutoFit/>
+          </a:bodyPr>
+          <a:lstStyle/>
+          <a:p>
+            <a:r>
+              <a:rPr lang="en-US" sz="8500" b="1" dirty="0" smtClean="0">
+                <a:latin typeface="Arial"/>
+                <a:cs typeface="Arial"/>
+              </a:rPr>
+              <a:t>Extraction Based Text Summarization</a:t>
+            </a:r>
+            <a:endParaRPr lang="en-US" sz="8500" b="1" dirty="0">
+              <a:latin typeface="Arial"/>
+              <a:cs typeface="Arial"/>
+            </a:endParaRPr>
+          </a:p>
+        </p:txBody>
+      </p:sp>
+      <p:sp>
+        <p:nvSpPr>
+          <p:cNvPr id="3" name="Rectangle 2"/>
+          <p:cNvSpPr/>
+          <p:nvPr/>
+        </p:nvSpPr>
+        <p:spPr>
+          <a:xfrm>
+            <a:off x="6858000" y="1614406"/>
+            <a:ext cx="13716000" cy="923330"/>
+          </a:xfrm>
+          <a:prstGeom prst="rect">
+            <a:avLst/>
+          </a:prstGeom>
+        </p:spPr>
+        <p:txBody>
+          <a:bodyPr>
+            <a:spAutoFit/>
+          </a:bodyPr>
+          <a:lstStyle/>
+          <a:p>
+            <a:pPr algn="ctr">
+              <a:defRPr/>
+            </a:pPr>
+            <a:r>
+              <a:rPr lang="en-US" sz="5200" dirty="0" smtClean="0">
+                <a:ea typeface="ＭＳ Ｐゴシック" charset="0"/>
+              </a:rPr>
+              <a:t>Reginald Long, Michael </a:t>
+            </a:r>
+            <a:r>
+              <a:rPr lang="en-US" sz="5200" dirty="0" err="1" smtClean="0">
+                <a:ea typeface="ＭＳ Ｐゴシック" charset="0"/>
+              </a:rPr>
+              <a:t>Xie</a:t>
+            </a:r>
+            <a:r>
+              <a:rPr lang="en-US" sz="5200" dirty="0" smtClean="0">
+                <a:ea typeface="ＭＳ Ｐゴシック" charset="0"/>
+              </a:rPr>
+              <a:t>, Helen Jiang</a:t>
+            </a:r>
+            <a:endParaRPr lang="en-US" sz="5200" dirty="0">
+              <a:ea typeface="ＭＳ Ｐゴシック" charset="0"/>
+            </a:endParaRPr>
+          </a:p>
+        </p:txBody>
+      </p:sp>
+      <p:sp>
+        <p:nvSpPr>
+          <p:cNvPr id="17" name="Rectangle 16"/>
+          <p:cNvSpPr/>
+          <p:nvPr/>
+        </p:nvSpPr>
+        <p:spPr>
+          <a:xfrm>
+            <a:off x="199236" y="14242737"/>
+            <a:ext cx="7844097" cy="3600986"/>
+          </a:xfrm>
+          <a:prstGeom prst="rect">
+            <a:avLst/>
+          </a:prstGeom>
+        </p:spPr>
+        <p:txBody>
+          <a:bodyPr wrap="square">
+            <a:spAutoFit/>
+          </a:bodyPr>
+          <a:lstStyle/>
+          <a:p>
+            <a:r>
+              <a:rPr lang="en-US" sz="3800" dirty="0" smtClean="0">
+                <a:latin typeface="Times New Roman"/>
+                <a:cs typeface="Times New Roman"/>
+              </a:rPr>
+              <a:t>We define examples as sentences and batches of examples as documents.</a:t>
+            </a:r>
+          </a:p>
+          <a:p>
+            <a:pPr marL="571500" indent="-571500">
+              <a:buFontTx/>
+              <a:buChar char="-"/>
+            </a:pPr>
+            <a:r>
+              <a:rPr lang="en-US" sz="3800" i="1" dirty="0" smtClean="0">
+                <a:latin typeface="Times New Roman"/>
+                <a:cs typeface="Times New Roman"/>
+              </a:rPr>
+              <a:t>Input: </a:t>
+            </a:r>
+            <a:r>
+              <a:rPr lang="en-US" sz="3800" dirty="0" smtClean="0">
+                <a:latin typeface="Times New Roman"/>
+                <a:cs typeface="Times New Roman"/>
+              </a:rPr>
+              <a:t>tuple containing a document and the # of sentences to extract</a:t>
+            </a:r>
+          </a:p>
+          <a:p>
+            <a:pPr marL="571500" indent="-571500">
+              <a:buFontTx/>
+              <a:buChar char="-"/>
+            </a:pPr>
+            <a:r>
+              <a:rPr lang="en-US" sz="3800" i="1" dirty="0" smtClean="0">
+                <a:latin typeface="Times New Roman"/>
+                <a:cs typeface="Times New Roman"/>
+              </a:rPr>
+              <a:t>Output: </a:t>
+            </a:r>
+            <a:r>
+              <a:rPr lang="en-US" sz="3800" dirty="0" smtClean="0">
+                <a:latin typeface="Times New Roman"/>
+                <a:cs typeface="Times New Roman"/>
+              </a:rPr>
+              <a:t>the set of important sentences in the document</a:t>
+            </a:r>
+          </a:p>
+        </p:txBody>
+      </p:sp>
+      <p:pic>
+        <p:nvPicPr>
+          <p:cNvPr id="21" name="Picture 20" descr="SU_seal_red.png"/>
+          <p:cNvPicPr>
+            <a:picLocks noChangeAspect="1"/>
+          </p:cNvPicPr>
+          <p:nvPr/>
+        </p:nvPicPr>
+        <p:blipFill>
+          <a:blip r:embed="rId4">
+            <a:extLst>
+              <a:ext uri="{28A0092B-C50C-407E-A947-70E740481C1C}">
+                <a14:useLocalDpi xmlns:a14="http://schemas.microsoft.com/office/drawing/2010/main" val="0"/>
+              </a:ext>
+            </a:extLst>
+          </a:blip>
+          <a:stretch>
+            <a:fillRect/>
+          </a:stretch>
+        </p:blipFill>
+        <p:spPr>
+          <a:xfrm>
+            <a:off x="549646" y="58323"/>
+            <a:ext cx="2479413" cy="2479413"/>
+          </a:xfrm>
+          <a:prstGeom prst="rect">
+            <a:avLst/>
+          </a:prstGeom>
+        </p:spPr>
+      </p:pic>
+      <p:sp>
+        <p:nvSpPr>
+          <p:cNvPr id="27" name="TextBox 26"/>
+          <p:cNvSpPr txBox="1"/>
+          <p:nvPr/>
+        </p:nvSpPr>
+        <p:spPr>
+          <a:xfrm>
+            <a:off x="14163633" y="3979002"/>
+            <a:ext cx="4718493" cy="1261884"/>
+          </a:xfrm>
+          <a:prstGeom prst="rect">
+            <a:avLst/>
+          </a:prstGeom>
+          <a:noFill/>
+        </p:spPr>
+        <p:txBody>
+          <a:bodyPr wrap="square" rtlCol="0">
+            <a:spAutoFit/>
+          </a:bodyPr>
+          <a:lstStyle/>
+          <a:p>
+            <a:r>
+              <a:rPr lang="en-US" sz="3800" dirty="0" smtClean="0">
+                <a:latin typeface="Times New Roman"/>
+                <a:cs typeface="Times New Roman"/>
+              </a:rPr>
+              <a:t>Remove Stop Words from each document</a:t>
+            </a:r>
+            <a:endParaRPr lang="en-US" sz="3800" dirty="0">
+              <a:latin typeface="Times New Roman"/>
+              <a:cs typeface="Times New Roman"/>
+            </a:endParaRPr>
+          </a:p>
+        </p:txBody>
+      </p:sp>
+      <p:cxnSp>
+        <p:nvCxnSpPr>
+          <p:cNvPr id="30" name="Straight Arrow Connector 29"/>
+          <p:cNvCxnSpPr>
+            <a:stCxn id="40" idx="3"/>
+            <a:endCxn id="27" idx="1"/>
+          </p:cNvCxnSpPr>
+          <p:nvPr/>
+        </p:nvCxnSpPr>
+        <p:spPr>
+          <a:xfrm flipV="1">
+            <a:off x="12364244" y="4609944"/>
+            <a:ext cx="1799389" cy="821197"/>
+          </a:xfrm>
+          <a:prstGeom prst="straightConnector1">
+            <a:avLst/>
+          </a:prstGeom>
+          <a:ln>
+            <a:solidFill>
+              <a:schemeClr val="tx1"/>
+            </a:solidFill>
+            <a:tailEnd type="arrow"/>
+          </a:ln>
+        </p:spPr>
+        <p:style>
+          <a:lnRef idx="2">
+            <a:schemeClr val="accent1"/>
+          </a:lnRef>
+          <a:fillRef idx="0">
+            <a:schemeClr val="accent1"/>
+          </a:fillRef>
+          <a:effectRef idx="1">
+            <a:schemeClr val="accent1"/>
+          </a:effectRef>
+          <a:fontRef idx="minor">
+            <a:schemeClr val="tx1"/>
+          </a:fontRef>
+        </p:style>
+      </p:cxnSp>
+      <p:cxnSp>
+        <p:nvCxnSpPr>
+          <p:cNvPr id="32" name="Straight Arrow Connector 31"/>
+          <p:cNvCxnSpPr>
+            <a:stCxn id="40" idx="3"/>
+          </p:cNvCxnSpPr>
+          <p:nvPr/>
+        </p:nvCxnSpPr>
+        <p:spPr>
+          <a:xfrm>
+            <a:off x="12364244" y="5431141"/>
+            <a:ext cx="1704710" cy="842073"/>
+          </a:xfrm>
+          <a:prstGeom prst="straightConnector1">
+            <a:avLst/>
+          </a:prstGeom>
+          <a:ln>
+            <a:solidFill>
+              <a:schemeClr val="tx1"/>
+            </a:solidFill>
+            <a:tailEnd type="arrow"/>
+          </a:ln>
+        </p:spPr>
+        <p:style>
+          <a:lnRef idx="2">
+            <a:schemeClr val="accent1"/>
+          </a:lnRef>
+          <a:fillRef idx="0">
+            <a:schemeClr val="accent1"/>
+          </a:fillRef>
+          <a:effectRef idx="1">
+            <a:schemeClr val="accent1"/>
+          </a:effectRef>
+          <a:fontRef idx="minor">
+            <a:schemeClr val="tx1"/>
+          </a:fontRef>
+        </p:style>
+      </p:cxnSp>
+      <p:sp>
+        <p:nvSpPr>
+          <p:cNvPr id="38" name="Rectangle 37"/>
+          <p:cNvSpPr/>
+          <p:nvPr/>
+        </p:nvSpPr>
+        <p:spPr>
+          <a:xfrm>
+            <a:off x="8297335" y="3981479"/>
+            <a:ext cx="3744798" cy="738664"/>
+          </a:xfrm>
+          <a:prstGeom prst="rect">
+            <a:avLst/>
+          </a:prstGeom>
+        </p:spPr>
+        <p:txBody>
+          <a:bodyPr wrap="none">
+            <a:spAutoFit/>
+          </a:bodyPr>
+          <a:lstStyle/>
+          <a:p>
+            <a:r>
+              <a:rPr lang="en-US" sz="4200" dirty="0" smtClean="0">
+                <a:latin typeface="Times New Roman"/>
+                <a:cs typeface="Times New Roman"/>
+              </a:rPr>
+              <a:t>(1) Load Corpus</a:t>
+            </a:r>
+          </a:p>
+        </p:txBody>
+      </p:sp>
+      <p:sp>
+        <p:nvSpPr>
+          <p:cNvPr id="40" name="Rectangle 39"/>
+          <p:cNvSpPr/>
+          <p:nvPr/>
+        </p:nvSpPr>
+        <p:spPr>
+          <a:xfrm>
+            <a:off x="8297335" y="5054114"/>
+            <a:ext cx="4066909" cy="754053"/>
+          </a:xfrm>
+          <a:prstGeom prst="rect">
+            <a:avLst/>
+          </a:prstGeom>
+        </p:spPr>
+        <p:txBody>
+          <a:bodyPr wrap="square">
+            <a:spAutoFit/>
+          </a:bodyPr>
+          <a:lstStyle/>
+          <a:p>
+            <a:r>
+              <a:rPr lang="en-US" sz="4200" dirty="0" smtClean="0">
+                <a:latin typeface="Times New Roman"/>
+                <a:cs typeface="Times New Roman"/>
+              </a:rPr>
+              <a:t>(2) Preprocessing</a:t>
+            </a:r>
+          </a:p>
+        </p:txBody>
+      </p:sp>
+      <p:sp>
+        <p:nvSpPr>
+          <p:cNvPr id="41" name="Rectangle 40"/>
+          <p:cNvSpPr/>
+          <p:nvPr/>
+        </p:nvSpPr>
+        <p:spPr>
+          <a:xfrm>
+            <a:off x="14068954" y="5481254"/>
+            <a:ext cx="5071755" cy="1846659"/>
+          </a:xfrm>
+          <a:prstGeom prst="rect">
+            <a:avLst/>
+          </a:prstGeom>
+        </p:spPr>
+        <p:txBody>
+          <a:bodyPr wrap="square">
+            <a:spAutoFit/>
+          </a:bodyPr>
+          <a:lstStyle/>
+          <a:p>
+            <a:r>
+              <a:rPr lang="en-US" sz="3800" dirty="0" smtClean="0">
+                <a:latin typeface="Times New Roman"/>
+                <a:cs typeface="Times New Roman"/>
+              </a:rPr>
+              <a:t>Lemmatize the corpus using a </a:t>
+            </a:r>
+            <a:r>
+              <a:rPr lang="en-US" sz="3800" dirty="0" err="1" smtClean="0">
+                <a:latin typeface="Times New Roman"/>
+                <a:cs typeface="Times New Roman"/>
+              </a:rPr>
+              <a:t>wordnet</a:t>
+            </a:r>
+            <a:r>
+              <a:rPr lang="en-US" sz="3800" dirty="0" smtClean="0">
+                <a:latin typeface="Times New Roman"/>
+                <a:cs typeface="Times New Roman"/>
+              </a:rPr>
+              <a:t> </a:t>
+            </a:r>
+            <a:r>
+              <a:rPr lang="en-US" sz="3800" dirty="0" err="1" smtClean="0">
+                <a:latin typeface="Times New Roman"/>
+                <a:cs typeface="Times New Roman"/>
+              </a:rPr>
+              <a:t>lemmatizer</a:t>
+            </a:r>
+            <a:endParaRPr lang="en-US" sz="3800" dirty="0">
+              <a:latin typeface="Times New Roman"/>
+              <a:cs typeface="Times New Roman"/>
+            </a:endParaRPr>
+          </a:p>
+        </p:txBody>
+      </p:sp>
+      <p:sp>
+        <p:nvSpPr>
+          <p:cNvPr id="42" name="Rectangle 41"/>
+          <p:cNvSpPr/>
+          <p:nvPr/>
+        </p:nvSpPr>
+        <p:spPr>
+          <a:xfrm>
+            <a:off x="8297334" y="6129735"/>
+            <a:ext cx="11514665" cy="754053"/>
+          </a:xfrm>
+          <a:prstGeom prst="rect">
+            <a:avLst/>
+          </a:prstGeom>
+        </p:spPr>
+        <p:txBody>
+          <a:bodyPr wrap="square">
+            <a:spAutoFit/>
+          </a:bodyPr>
+          <a:lstStyle/>
+          <a:p>
+            <a:r>
+              <a:rPr lang="en-US" sz="4200" dirty="0" smtClean="0">
+                <a:latin typeface="Times New Roman"/>
+                <a:cs typeface="Times New Roman"/>
+              </a:rPr>
+              <a:t>(3) Label the data</a:t>
+            </a:r>
+            <a:endParaRPr lang="en-US" sz="4200" dirty="0">
+              <a:latin typeface="Times New Roman"/>
+              <a:cs typeface="Times New Roman"/>
+            </a:endParaRPr>
+          </a:p>
+        </p:txBody>
+      </p:sp>
+      <p:sp>
+        <p:nvSpPr>
+          <p:cNvPr id="43" name="Rectangle 42"/>
+          <p:cNvSpPr/>
+          <p:nvPr/>
+        </p:nvSpPr>
+        <p:spPr>
+          <a:xfrm>
+            <a:off x="8297336" y="7196543"/>
+            <a:ext cx="4578351" cy="754053"/>
+          </a:xfrm>
+          <a:prstGeom prst="rect">
+            <a:avLst/>
+          </a:prstGeom>
+        </p:spPr>
+        <p:txBody>
+          <a:bodyPr wrap="square">
+            <a:spAutoFit/>
+          </a:bodyPr>
+          <a:lstStyle/>
+          <a:p>
+            <a:r>
+              <a:rPr lang="en-US" sz="4200" dirty="0" smtClean="0">
+                <a:latin typeface="Times New Roman"/>
+                <a:cs typeface="Times New Roman"/>
+              </a:rPr>
+              <a:t>(4) Extract features:</a:t>
+            </a:r>
+          </a:p>
+        </p:txBody>
+      </p:sp>
+      <p:sp>
+        <p:nvSpPr>
+          <p:cNvPr id="44" name="Rectangle 43"/>
+          <p:cNvSpPr/>
+          <p:nvPr/>
+        </p:nvSpPr>
+        <p:spPr>
+          <a:xfrm>
+            <a:off x="8297331" y="8287294"/>
+            <a:ext cx="8413708" cy="754053"/>
+          </a:xfrm>
+          <a:prstGeom prst="rect">
+            <a:avLst/>
+          </a:prstGeom>
+        </p:spPr>
+        <p:txBody>
+          <a:bodyPr wrap="square">
+            <a:spAutoFit/>
+          </a:bodyPr>
+          <a:lstStyle/>
+          <a:p>
+            <a:r>
+              <a:rPr lang="en-US" sz="4200" dirty="0" smtClean="0">
+                <a:latin typeface="Times New Roman"/>
+                <a:cs typeface="Times New Roman"/>
+              </a:rPr>
+              <a:t>(5) Learn classifier</a:t>
+            </a:r>
+            <a:endParaRPr lang="en-US" sz="4200" dirty="0">
+              <a:latin typeface="Times New Roman"/>
+              <a:cs typeface="Times New Roman"/>
+            </a:endParaRPr>
+          </a:p>
+        </p:txBody>
+      </p:sp>
+      <p:sp>
+        <p:nvSpPr>
+          <p:cNvPr id="45" name="Rectangle 44"/>
+          <p:cNvSpPr/>
+          <p:nvPr/>
+        </p:nvSpPr>
+        <p:spPr>
+          <a:xfrm>
+            <a:off x="8297331" y="9302624"/>
+            <a:ext cx="5224888" cy="2031325"/>
+          </a:xfrm>
+          <a:prstGeom prst="rect">
+            <a:avLst/>
+          </a:prstGeom>
+        </p:spPr>
+        <p:txBody>
+          <a:bodyPr wrap="square">
+            <a:spAutoFit/>
+          </a:bodyPr>
+          <a:lstStyle/>
+          <a:p>
+            <a:r>
+              <a:rPr lang="en-US" sz="4200" dirty="0" smtClean="0">
+                <a:latin typeface="Times New Roman"/>
+                <a:cs typeface="Times New Roman"/>
+              </a:rPr>
+              <a:t>(6) Predict important sentences given an unseen document</a:t>
+            </a:r>
+            <a:endParaRPr lang="en-US" sz="4200" dirty="0">
+              <a:latin typeface="Times New Roman"/>
+              <a:cs typeface="Times New Roman"/>
+            </a:endParaRPr>
+          </a:p>
+        </p:txBody>
+      </p:sp>
+      <p:sp>
+        <p:nvSpPr>
+          <p:cNvPr id="58" name="TextBox 57"/>
+          <p:cNvSpPr txBox="1"/>
+          <p:nvPr/>
+        </p:nvSpPr>
+        <p:spPr>
+          <a:xfrm>
+            <a:off x="15168859" y="8130812"/>
+            <a:ext cx="3084360" cy="646331"/>
+          </a:xfrm>
+          <a:prstGeom prst="rect">
+            <a:avLst/>
+          </a:prstGeom>
+          <a:noFill/>
+        </p:spPr>
+        <p:txBody>
+          <a:bodyPr wrap="square" rtlCol="0">
+            <a:spAutoFit/>
+          </a:bodyPr>
+          <a:lstStyle/>
+          <a:p>
+            <a:r>
+              <a:rPr lang="en-US" sz="3600" dirty="0" smtClean="0">
+                <a:latin typeface="Times New Roman"/>
+                <a:cs typeface="Times New Roman"/>
+              </a:rPr>
+              <a:t>Word Count</a:t>
+            </a:r>
+            <a:endParaRPr lang="en-US" sz="3600" dirty="0">
+              <a:latin typeface="Times New Roman"/>
+              <a:cs typeface="Times New Roman"/>
+            </a:endParaRPr>
+          </a:p>
+        </p:txBody>
+      </p:sp>
+      <p:sp>
+        <p:nvSpPr>
+          <p:cNvPr id="59" name="TextBox 58"/>
+          <p:cNvSpPr txBox="1"/>
+          <p:nvPr/>
+        </p:nvSpPr>
+        <p:spPr>
+          <a:xfrm>
+            <a:off x="15168859" y="7273488"/>
+            <a:ext cx="3356045" cy="677108"/>
+          </a:xfrm>
+          <a:prstGeom prst="rect">
+            <a:avLst/>
+          </a:prstGeom>
+          <a:noFill/>
+        </p:spPr>
+        <p:txBody>
+          <a:bodyPr wrap="square" rtlCol="0">
+            <a:spAutoFit/>
+          </a:bodyPr>
+          <a:lstStyle/>
+          <a:p>
+            <a:r>
+              <a:rPr lang="en-US" sz="3800" dirty="0" smtClean="0">
+                <a:latin typeface="Times New Roman"/>
+                <a:cs typeface="Times New Roman"/>
+              </a:rPr>
+              <a:t>Part of Speech</a:t>
+            </a:r>
+          </a:p>
+        </p:txBody>
+      </p:sp>
+      <p:sp>
+        <p:nvSpPr>
+          <p:cNvPr id="60" name="TextBox 59"/>
+          <p:cNvSpPr txBox="1"/>
+          <p:nvPr/>
+        </p:nvSpPr>
+        <p:spPr>
+          <a:xfrm>
+            <a:off x="15187267" y="8968936"/>
+            <a:ext cx="4718493" cy="646331"/>
+          </a:xfrm>
+          <a:prstGeom prst="rect">
+            <a:avLst/>
+          </a:prstGeom>
+          <a:noFill/>
+        </p:spPr>
+        <p:txBody>
+          <a:bodyPr wrap="square" rtlCol="0">
+            <a:spAutoFit/>
+          </a:bodyPr>
+          <a:lstStyle/>
+          <a:p>
+            <a:r>
+              <a:rPr lang="en-US" sz="3600" dirty="0" smtClean="0">
+                <a:latin typeface="Times New Roman"/>
+                <a:cs typeface="Times New Roman"/>
+              </a:rPr>
+              <a:t>Sentence Location</a:t>
+            </a:r>
+            <a:endParaRPr lang="en-US" sz="3600" dirty="0">
+              <a:latin typeface="Times New Roman"/>
+              <a:cs typeface="Times New Roman"/>
+            </a:endParaRPr>
+          </a:p>
+        </p:txBody>
+      </p:sp>
+      <p:sp>
+        <p:nvSpPr>
+          <p:cNvPr id="61" name="TextBox 60"/>
+          <p:cNvSpPr txBox="1"/>
+          <p:nvPr/>
+        </p:nvSpPr>
+        <p:spPr>
+          <a:xfrm>
+            <a:off x="15168859" y="9819296"/>
+            <a:ext cx="4976982" cy="1200329"/>
+          </a:xfrm>
+          <a:prstGeom prst="rect">
+            <a:avLst/>
+          </a:prstGeom>
+          <a:noFill/>
+        </p:spPr>
+        <p:txBody>
+          <a:bodyPr wrap="square" rtlCol="0">
+            <a:spAutoFit/>
+          </a:bodyPr>
+          <a:lstStyle/>
+          <a:p>
+            <a:r>
+              <a:rPr lang="en-US" sz="3600" dirty="0" smtClean="0">
+                <a:latin typeface="Times New Roman"/>
+                <a:cs typeface="Times New Roman"/>
+              </a:rPr>
+              <a:t>Presence of high-frequency word</a:t>
+            </a:r>
+            <a:endParaRPr lang="en-US" sz="3600" dirty="0">
+              <a:latin typeface="Times New Roman"/>
+              <a:cs typeface="Times New Roman"/>
+            </a:endParaRPr>
+          </a:p>
+        </p:txBody>
+      </p:sp>
+      <p:cxnSp>
+        <p:nvCxnSpPr>
+          <p:cNvPr id="63" name="Straight Arrow Connector 62"/>
+          <p:cNvCxnSpPr>
+            <a:stCxn id="43" idx="3"/>
+            <a:endCxn id="58" idx="1"/>
+          </p:cNvCxnSpPr>
+          <p:nvPr/>
+        </p:nvCxnSpPr>
+        <p:spPr>
+          <a:xfrm>
+            <a:off x="12875687" y="7573570"/>
+            <a:ext cx="2293172" cy="880408"/>
+          </a:xfrm>
+          <a:prstGeom prst="straightConnector1">
+            <a:avLst/>
+          </a:prstGeom>
+          <a:ln>
+            <a:solidFill>
+              <a:srgbClr val="000000"/>
+            </a:solidFill>
+            <a:tailEnd type="arrow"/>
+          </a:ln>
+        </p:spPr>
+        <p:style>
+          <a:lnRef idx="2">
+            <a:schemeClr val="accent1"/>
+          </a:lnRef>
+          <a:fillRef idx="0">
+            <a:schemeClr val="accent1"/>
+          </a:fillRef>
+          <a:effectRef idx="1">
+            <a:schemeClr val="accent1"/>
+          </a:effectRef>
+          <a:fontRef idx="minor">
+            <a:schemeClr val="tx1"/>
+          </a:fontRef>
+        </p:style>
+      </p:cxnSp>
+      <p:cxnSp>
+        <p:nvCxnSpPr>
+          <p:cNvPr id="67" name="Straight Arrow Connector 66"/>
+          <p:cNvCxnSpPr>
+            <a:stCxn id="43" idx="3"/>
+            <a:endCxn id="59" idx="1"/>
+          </p:cNvCxnSpPr>
+          <p:nvPr/>
+        </p:nvCxnSpPr>
+        <p:spPr>
+          <a:xfrm>
+            <a:off x="12875687" y="7573570"/>
+            <a:ext cx="2293172" cy="38472"/>
+          </a:xfrm>
+          <a:prstGeom prst="straightConnector1">
+            <a:avLst/>
+          </a:prstGeom>
+          <a:ln>
+            <a:solidFill>
+              <a:srgbClr val="000000"/>
+            </a:solidFill>
+            <a:tailEnd type="arrow"/>
+          </a:ln>
+        </p:spPr>
+        <p:style>
+          <a:lnRef idx="2">
+            <a:schemeClr val="accent1"/>
+          </a:lnRef>
+          <a:fillRef idx="0">
+            <a:schemeClr val="accent1"/>
+          </a:fillRef>
+          <a:effectRef idx="1">
+            <a:schemeClr val="accent1"/>
+          </a:effectRef>
+          <a:fontRef idx="minor">
+            <a:schemeClr val="tx1"/>
+          </a:fontRef>
+        </p:style>
+      </p:cxnSp>
+      <p:cxnSp>
+        <p:nvCxnSpPr>
+          <p:cNvPr id="70" name="Straight Arrow Connector 69"/>
+          <p:cNvCxnSpPr>
+            <a:stCxn id="43" idx="3"/>
+            <a:endCxn id="60" idx="1"/>
+          </p:cNvCxnSpPr>
+          <p:nvPr/>
+        </p:nvCxnSpPr>
+        <p:spPr>
+          <a:xfrm>
+            <a:off x="12875687" y="7573570"/>
+            <a:ext cx="2311580" cy="1718532"/>
+          </a:xfrm>
+          <a:prstGeom prst="straightConnector1">
+            <a:avLst/>
+          </a:prstGeom>
+          <a:ln>
+            <a:solidFill>
+              <a:srgbClr val="000000"/>
+            </a:solidFill>
+            <a:tailEnd type="arrow"/>
+          </a:ln>
+        </p:spPr>
+        <p:style>
+          <a:lnRef idx="2">
+            <a:schemeClr val="accent1"/>
+          </a:lnRef>
+          <a:fillRef idx="0">
+            <a:schemeClr val="accent1"/>
+          </a:fillRef>
+          <a:effectRef idx="1">
+            <a:schemeClr val="accent1"/>
+          </a:effectRef>
+          <a:fontRef idx="minor">
+            <a:schemeClr val="tx1"/>
+          </a:fontRef>
+        </p:style>
+      </p:cxnSp>
+      <p:cxnSp>
+        <p:nvCxnSpPr>
+          <p:cNvPr id="73" name="Straight Arrow Connector 72"/>
+          <p:cNvCxnSpPr>
+            <a:stCxn id="43" idx="3"/>
+            <a:endCxn id="61" idx="1"/>
+          </p:cNvCxnSpPr>
+          <p:nvPr/>
+        </p:nvCxnSpPr>
+        <p:spPr>
+          <a:xfrm>
+            <a:off x="12875687" y="7573570"/>
+            <a:ext cx="2293172" cy="2845891"/>
+          </a:xfrm>
+          <a:prstGeom prst="straightConnector1">
+            <a:avLst/>
+          </a:prstGeom>
+          <a:ln>
+            <a:solidFill>
+              <a:srgbClr val="000000"/>
+            </a:solidFill>
+            <a:tailEnd type="arrow"/>
+          </a:ln>
+        </p:spPr>
+        <p:style>
+          <a:lnRef idx="2">
+            <a:schemeClr val="accent1"/>
+          </a:lnRef>
+          <a:fillRef idx="0">
+            <a:schemeClr val="accent1"/>
+          </a:fillRef>
+          <a:effectRef idx="1">
+            <a:schemeClr val="accent1"/>
+          </a:effectRef>
+          <a:fontRef idx="minor">
+            <a:schemeClr val="tx1"/>
+          </a:fontRef>
+        </p:style>
+      </p:cxnSp>
+      <p:sp>
+        <p:nvSpPr>
+          <p:cNvPr id="75" name="Rectangle 74"/>
+          <p:cNvSpPr/>
+          <p:nvPr/>
+        </p:nvSpPr>
+        <p:spPr>
+          <a:xfrm>
+            <a:off x="243031" y="7699856"/>
+            <a:ext cx="7503289" cy="5355313"/>
+          </a:xfrm>
+          <a:prstGeom prst="rect">
+            <a:avLst/>
+          </a:prstGeom>
+        </p:spPr>
+        <p:txBody>
+          <a:bodyPr wrap="square">
+            <a:spAutoFit/>
+          </a:bodyPr>
+          <a:lstStyle/>
+          <a:p>
+            <a:r>
+              <a:rPr lang="en-US" sz="3800" dirty="0" smtClean="0">
+                <a:latin typeface="Times New Roman"/>
+                <a:cs typeface="Times New Roman"/>
+              </a:rPr>
+              <a:t>    Most knowledge is stored in a textual format, but it is impossible for a person to absorb most of this knowledge due to the text’s length, redundancy, and complexity. </a:t>
+            </a:r>
+          </a:p>
+          <a:p>
+            <a:r>
+              <a:rPr lang="en-US" sz="3800" dirty="0" smtClean="0">
+                <a:latin typeface="Times New Roman"/>
+                <a:cs typeface="Times New Roman"/>
+                <a:sym typeface="Wingdings"/>
+              </a:rPr>
+              <a:t>    Automatic summarizers help distill the most important knowledge without needing to spend as much human power.</a:t>
+            </a:r>
+          </a:p>
+        </p:txBody>
+      </p:sp>
+      <p:sp>
+        <p:nvSpPr>
+          <p:cNvPr id="76" name="TextBox 75"/>
+          <p:cNvSpPr txBox="1"/>
+          <p:nvPr/>
+        </p:nvSpPr>
+        <p:spPr>
+          <a:xfrm>
+            <a:off x="167187" y="6773791"/>
+            <a:ext cx="4964201" cy="754053"/>
+          </a:xfrm>
+          <a:prstGeom prst="rect">
+            <a:avLst/>
+          </a:prstGeom>
+          <a:noFill/>
+        </p:spPr>
+        <p:txBody>
+          <a:bodyPr wrap="none" rtlCol="0">
+            <a:spAutoFit/>
+          </a:bodyPr>
+          <a:lstStyle/>
+          <a:p>
+            <a:r>
+              <a:rPr lang="en-US" sz="4300" b="1" dirty="0" smtClean="0">
+                <a:latin typeface="Arial"/>
+                <a:cs typeface="Arial"/>
+              </a:rPr>
+              <a:t>Project Motivation</a:t>
+            </a:r>
+            <a:endParaRPr lang="en-US" sz="4300" b="1" dirty="0">
+              <a:latin typeface="Arial"/>
+              <a:cs typeface="Arial"/>
+            </a:endParaRPr>
+          </a:p>
+        </p:txBody>
+      </p:sp>
+      <p:sp>
+        <p:nvSpPr>
+          <p:cNvPr id="77" name="TextBox 76"/>
+          <p:cNvSpPr txBox="1"/>
+          <p:nvPr/>
+        </p:nvSpPr>
+        <p:spPr>
+          <a:xfrm>
+            <a:off x="167187" y="13246626"/>
+            <a:ext cx="4749605" cy="754053"/>
+          </a:xfrm>
+          <a:prstGeom prst="rect">
+            <a:avLst/>
+          </a:prstGeom>
+          <a:noFill/>
+        </p:spPr>
+        <p:txBody>
+          <a:bodyPr wrap="none" rtlCol="0">
+            <a:spAutoFit/>
+          </a:bodyPr>
+          <a:lstStyle/>
+          <a:p>
+            <a:r>
+              <a:rPr lang="en-US" sz="4300" b="1" dirty="0" smtClean="0">
+                <a:latin typeface="Arial"/>
+                <a:cs typeface="Arial"/>
+              </a:rPr>
+              <a:t>Project Definition</a:t>
+            </a:r>
+            <a:endParaRPr lang="en-US" sz="4300" b="1" dirty="0">
+              <a:latin typeface="Arial"/>
+              <a:cs typeface="Arial"/>
+            </a:endParaRPr>
+          </a:p>
+        </p:txBody>
+      </p:sp>
+      <p:sp>
+        <p:nvSpPr>
+          <p:cNvPr id="79" name="TextBox 78"/>
+          <p:cNvSpPr txBox="1"/>
+          <p:nvPr/>
+        </p:nvSpPr>
+        <p:spPr>
+          <a:xfrm>
+            <a:off x="168649" y="4720143"/>
+            <a:ext cx="7493005" cy="1846659"/>
+          </a:xfrm>
+          <a:prstGeom prst="rect">
+            <a:avLst/>
+          </a:prstGeom>
+          <a:noFill/>
+        </p:spPr>
+        <p:txBody>
+          <a:bodyPr wrap="square" rtlCol="0">
+            <a:spAutoFit/>
+          </a:bodyPr>
+          <a:lstStyle/>
+          <a:p>
+            <a:r>
+              <a:rPr lang="en-US" sz="3800" dirty="0" smtClean="0">
+                <a:latin typeface="Times New Roman"/>
+                <a:cs typeface="Times New Roman"/>
+              </a:rPr>
+              <a:t>Given a document, summarize it by extracting the most important sentences. </a:t>
+            </a:r>
+            <a:endParaRPr lang="en-US" sz="3800" dirty="0">
+              <a:latin typeface="Times New Roman"/>
+              <a:cs typeface="Times New Roman"/>
+            </a:endParaRPr>
+          </a:p>
+        </p:txBody>
+      </p:sp>
+      <p:sp>
+        <p:nvSpPr>
+          <p:cNvPr id="80" name="Rectangle 79"/>
+          <p:cNvSpPr/>
+          <p:nvPr/>
+        </p:nvSpPr>
+        <p:spPr>
+          <a:xfrm>
+            <a:off x="22586292" y="5133155"/>
+            <a:ext cx="2547204" cy="877163"/>
+          </a:xfrm>
+          <a:prstGeom prst="rect">
+            <a:avLst/>
+          </a:prstGeom>
+        </p:spPr>
+        <p:txBody>
+          <a:bodyPr wrap="none">
+            <a:spAutoFit/>
+          </a:bodyPr>
+          <a:lstStyle/>
+          <a:p>
+            <a:r>
+              <a:rPr lang="en-US" b="1" dirty="0" smtClean="0">
+                <a:solidFill>
+                  <a:srgbClr val="FFFFFF"/>
+                </a:solidFill>
+                <a:latin typeface="Arial" charset="0"/>
+              </a:rPr>
+              <a:t>Results</a:t>
+            </a:r>
+            <a:endParaRPr lang="en-US" b="1" dirty="0">
+              <a:latin typeface="Arial" charset="0"/>
+            </a:endParaRPr>
+          </a:p>
+        </p:txBody>
+      </p:sp>
+      <p:sp>
+        <p:nvSpPr>
+          <p:cNvPr id="81" name="Rectangle 12"/>
+          <p:cNvSpPr>
+            <a:spLocks noChangeArrowheads="1"/>
+          </p:cNvSpPr>
+          <p:nvPr/>
+        </p:nvSpPr>
+        <p:spPr bwMode="auto">
+          <a:xfrm>
+            <a:off x="8297334" y="11634895"/>
+            <a:ext cx="10586496" cy="889433"/>
+          </a:xfrm>
+          <a:prstGeom prst="rect">
+            <a:avLst/>
+          </a:prstGeom>
+          <a:solidFill>
+            <a:srgbClr val="8B1336"/>
+          </a:solidFill>
+          <a:ln>
+            <a:noFill/>
+          </a:ln>
+          <a:extLst>
+            <a:ext uri="{91240B29-F687-4f45-9708-019B960494DF}">
+              <a14:hiddenLine xmlns:a14="http://schemas.microsoft.com/office/drawing/2010/main" w="9525">
+                <a:solidFill>
+                  <a:srgbClr val="000000"/>
+                </a:solidFill>
+                <a:miter lim="800000"/>
+                <a:headEnd/>
+                <a:tailEnd/>
+              </a14:hiddenLine>
+            </a:ext>
+          </a:extLst>
+        </p:spPr>
         <p:txBody>
           <a:bodyPr/>
           <a:lstStyle/>
           <a:p>
-            <a:endParaRPr lang="en-US"/>
-          </a:p>
-        </p:txBody>
-      </p:sp>
-      <p:sp>
-        <p:nvSpPr>
-          <p:cNvPr id="3" name="Subtitle 2"/>
-          <p:cNvSpPr>
-            <a:spLocks noGrp="1"/>
-          </p:cNvSpPr>
-          <p:nvPr>
-            <p:ph type="subTitle" idx="1"/>
-          </p:nvPr>
-        </p:nvSpPr>
-        <p:spPr/>
+            <a:pPr algn="ctr"/>
+            <a:r>
+              <a:rPr lang="en-US" b="1" dirty="0" smtClean="0">
+                <a:solidFill>
+                  <a:srgbClr val="FFFFFF"/>
+                </a:solidFill>
+                <a:latin typeface="Arial" charset="0"/>
+              </a:rPr>
+              <a:t>Results</a:t>
+            </a:r>
+            <a:endParaRPr lang="en-US" b="1" dirty="0">
+              <a:latin typeface="Arial" charset="0"/>
+            </a:endParaRPr>
+          </a:p>
+        </p:txBody>
+      </p:sp>
+      <p:sp>
+        <p:nvSpPr>
+          <p:cNvPr id="82" name="Rectangle 12"/>
+          <p:cNvSpPr>
+            <a:spLocks noChangeArrowheads="1"/>
+          </p:cNvSpPr>
+          <p:nvPr/>
+        </p:nvSpPr>
+        <p:spPr bwMode="auto">
+          <a:xfrm>
+            <a:off x="19337460" y="2721767"/>
+            <a:ext cx="7742956" cy="966317"/>
+          </a:xfrm>
+          <a:prstGeom prst="rect">
+            <a:avLst/>
+          </a:prstGeom>
+          <a:solidFill>
+            <a:srgbClr val="8B1336"/>
+          </a:solidFill>
+          <a:ln>
+            <a:noFill/>
+          </a:ln>
+          <a:extLst>
+            <a:ext uri="{91240B29-F687-4f45-9708-019B960494DF}">
+              <a14:hiddenLine xmlns:a14="http://schemas.microsoft.com/office/drawing/2010/main" w="9525">
+                <a:solidFill>
+                  <a:srgbClr val="000000"/>
+                </a:solidFill>
+                <a:miter lim="800000"/>
+                <a:headEnd/>
+                <a:tailEnd/>
+              </a14:hiddenLine>
+            </a:ext>
+          </a:extLst>
+        </p:spPr>
         <p:txBody>
           <a:bodyPr/>
           <a:lstStyle/>
           <a:p>
-            <a:endParaRPr lang="en-US"/>
+            <a:pPr algn="ctr"/>
+            <a:r>
+              <a:rPr lang="en-US" b="1" dirty="0" smtClean="0">
+                <a:solidFill>
+                  <a:srgbClr val="FFFFFF"/>
+                </a:solidFill>
+                <a:latin typeface="Arial" charset="0"/>
+              </a:rPr>
+              <a:t>Analysis</a:t>
+            </a:r>
+            <a:endParaRPr lang="en-US" b="1" dirty="0">
+              <a:latin typeface="Arial" charset="0"/>
+            </a:endParaRPr>
+          </a:p>
+        </p:txBody>
+      </p:sp>
+      <p:sp>
+        <p:nvSpPr>
+          <p:cNvPr id="83" name="Rectangle 12"/>
+          <p:cNvSpPr>
+            <a:spLocks noChangeArrowheads="1"/>
+          </p:cNvSpPr>
+          <p:nvPr/>
+        </p:nvSpPr>
+        <p:spPr bwMode="auto">
+          <a:xfrm>
+            <a:off x="8297337" y="2726663"/>
+            <a:ext cx="10584791" cy="961421"/>
+          </a:xfrm>
+          <a:prstGeom prst="rect">
+            <a:avLst/>
+          </a:prstGeom>
+          <a:solidFill>
+            <a:srgbClr val="8B1336"/>
+          </a:solidFill>
+          <a:ln w="9525">
+            <a:noFill/>
+            <a:miter lim="800000"/>
+            <a:headEnd/>
+            <a:tailEnd/>
+          </a:ln>
+        </p:spPr>
+        <p:txBody>
+          <a:bodyPr/>
+          <a:lstStyle/>
+          <a:p>
+            <a:pPr algn="ctr"/>
+            <a:r>
+              <a:rPr lang="en-US" b="1" dirty="0" smtClean="0">
+                <a:solidFill>
+                  <a:schemeClr val="bg1"/>
+                </a:solidFill>
+                <a:latin typeface="Arial" charset="0"/>
+              </a:rPr>
+              <a:t>Our Approach</a:t>
+            </a:r>
+            <a:endParaRPr lang="en-US" b="1" dirty="0">
+              <a:solidFill>
+                <a:schemeClr val="bg1"/>
+              </a:solidFill>
+              <a:latin typeface="Arial" charset="0"/>
+            </a:endParaRPr>
+          </a:p>
+        </p:txBody>
+      </p:sp>
+      <p:sp>
+        <p:nvSpPr>
+          <p:cNvPr id="84" name="Rectangle 12"/>
+          <p:cNvSpPr>
+            <a:spLocks noChangeArrowheads="1"/>
+          </p:cNvSpPr>
+          <p:nvPr/>
+        </p:nvSpPr>
+        <p:spPr bwMode="auto">
+          <a:xfrm>
+            <a:off x="168649" y="2715079"/>
+            <a:ext cx="7493005" cy="973005"/>
+          </a:xfrm>
+          <a:prstGeom prst="rect">
+            <a:avLst/>
+          </a:prstGeom>
+          <a:solidFill>
+            <a:srgbClr val="8B1336"/>
+          </a:solidFill>
+          <a:ln>
+            <a:noFill/>
+          </a:ln>
+          <a:extLst>
+            <a:ext uri="{91240B29-F687-4f45-9708-019B960494DF}">
+              <a14:hiddenLine xmlns:a14="http://schemas.microsoft.com/office/drawing/2010/main" w="9525">
+                <a:solidFill>
+                  <a:srgbClr val="000000"/>
+                </a:solidFill>
+                <a:miter lim="800000"/>
+                <a:headEnd/>
+                <a:tailEnd/>
+              </a14:hiddenLine>
+            </a:ext>
+          </a:extLst>
+        </p:spPr>
+        <p:txBody>
+          <a:bodyPr/>
+          <a:lstStyle/>
+          <a:p>
+            <a:pPr algn="ctr"/>
+            <a:r>
+              <a:rPr lang="en-US" b="1" dirty="0" smtClean="0">
+                <a:solidFill>
+                  <a:srgbClr val="FFFFFF"/>
+                </a:solidFill>
+                <a:latin typeface="Arial" charset="0"/>
+              </a:rPr>
+              <a:t>Introduction</a:t>
+            </a:r>
+            <a:endParaRPr lang="en-US" b="1" dirty="0">
+              <a:latin typeface="Arial" charset="0"/>
+            </a:endParaRPr>
+          </a:p>
+        </p:txBody>
+      </p:sp>
+      <p:sp>
+        <p:nvSpPr>
+          <p:cNvPr id="87" name="TextBox 86"/>
+          <p:cNvSpPr txBox="1"/>
+          <p:nvPr/>
+        </p:nvSpPr>
+        <p:spPr>
+          <a:xfrm>
+            <a:off x="19248065" y="14856346"/>
+            <a:ext cx="7832351" cy="3016210"/>
+          </a:xfrm>
+          <a:prstGeom prst="rect">
+            <a:avLst/>
+          </a:prstGeom>
+          <a:noFill/>
+        </p:spPr>
+        <p:txBody>
+          <a:bodyPr wrap="square" rtlCol="0">
+            <a:spAutoFit/>
+          </a:bodyPr>
+          <a:lstStyle/>
+          <a:p>
+            <a:pPr marL="571500" indent="-571500">
+              <a:buFontTx/>
+              <a:buChar char="-"/>
+            </a:pPr>
+            <a:r>
+              <a:rPr lang="en-US" sz="3800" dirty="0" smtClean="0">
+                <a:latin typeface="Times New Roman"/>
+                <a:cs typeface="Times New Roman"/>
+              </a:rPr>
+              <a:t>Importance varies &amp; is context-dependent,</a:t>
+            </a:r>
+            <a:r>
+              <a:rPr lang="en-US" sz="3800" dirty="0">
+                <a:latin typeface="Times New Roman"/>
+                <a:cs typeface="Times New Roman"/>
+              </a:rPr>
+              <a:t> </a:t>
+            </a:r>
+            <a:r>
+              <a:rPr lang="en-US" sz="3800" dirty="0" smtClean="0">
+                <a:latin typeface="Times New Roman"/>
+                <a:cs typeface="Times New Roman"/>
+              </a:rPr>
+              <a:t>hard to generalize</a:t>
+            </a:r>
+          </a:p>
+          <a:p>
+            <a:pPr marL="571500" indent="-571500">
+              <a:buFontTx/>
+              <a:buChar char="-"/>
+            </a:pPr>
+            <a:r>
+              <a:rPr lang="en-US" sz="3800" dirty="0" smtClean="0">
+                <a:latin typeface="Times New Roman"/>
+                <a:cs typeface="Times New Roman"/>
+              </a:rPr>
+              <a:t>High subjectivity</a:t>
+            </a:r>
+          </a:p>
+          <a:p>
+            <a:pPr marL="571500" indent="-571500">
+              <a:buFontTx/>
+              <a:buChar char="-"/>
+            </a:pPr>
+            <a:r>
+              <a:rPr lang="en-US" sz="3800" dirty="0" smtClean="0">
+                <a:latin typeface="Times New Roman"/>
+                <a:cs typeface="Times New Roman"/>
+              </a:rPr>
+              <a:t>Asymmetry between important and non-important sentences</a:t>
+            </a:r>
+            <a:endParaRPr lang="en-US" sz="3800" dirty="0">
+              <a:latin typeface="Times New Roman"/>
+              <a:cs typeface="Times New Roman"/>
+            </a:endParaRPr>
+          </a:p>
+        </p:txBody>
+      </p:sp>
+      <p:sp>
+        <p:nvSpPr>
+          <p:cNvPr id="97" name="TextBox 96"/>
+          <p:cNvSpPr txBox="1"/>
+          <p:nvPr/>
+        </p:nvSpPr>
+        <p:spPr>
+          <a:xfrm>
+            <a:off x="19293665" y="3759413"/>
+            <a:ext cx="8104526" cy="9941183"/>
+          </a:xfrm>
+          <a:prstGeom prst="rect">
+            <a:avLst/>
+          </a:prstGeom>
+          <a:noFill/>
+        </p:spPr>
+        <p:txBody>
+          <a:bodyPr wrap="square" rtlCol="0">
+            <a:spAutoFit/>
+          </a:bodyPr>
+          <a:lstStyle/>
+          <a:p>
+            <a:pPr marL="571500" indent="-571500">
+              <a:buFontTx/>
+              <a:buChar char="-"/>
+            </a:pPr>
+            <a:r>
+              <a:rPr lang="en-US" sz="4000" dirty="0" smtClean="0">
+                <a:latin typeface="Times New Roman"/>
+                <a:cs typeface="Times New Roman"/>
+              </a:rPr>
+              <a:t>The oracle performed poorly, implying that summarization is an inherently hard problem</a:t>
+            </a:r>
+            <a:endParaRPr lang="en-US" sz="4000" dirty="0">
+              <a:latin typeface="Times New Roman"/>
+              <a:cs typeface="Times New Roman"/>
+            </a:endParaRPr>
+          </a:p>
+          <a:p>
+            <a:pPr marL="571500" indent="-571500">
+              <a:buFontTx/>
+              <a:buChar char="-"/>
+            </a:pPr>
+            <a:r>
+              <a:rPr lang="en-US" sz="4000" dirty="0" smtClean="0">
+                <a:latin typeface="Times New Roman"/>
+                <a:cs typeface="Times New Roman"/>
+              </a:rPr>
+              <a:t>We improved baseline by changing our model from a holistic approach where we summarize one document at a time to one where we take context into account</a:t>
+            </a:r>
+          </a:p>
+          <a:p>
+            <a:pPr marL="571500" indent="-571500">
+              <a:buFontTx/>
+              <a:buChar char="-"/>
+            </a:pPr>
+            <a:r>
+              <a:rPr lang="en-US" sz="4000" dirty="0" smtClean="0">
+                <a:latin typeface="Times New Roman"/>
+                <a:cs typeface="Times New Roman"/>
+              </a:rPr>
+              <a:t>Training data precision ranged from 20-50%, </a:t>
+            </a:r>
+            <a:r>
+              <a:rPr lang="en-US" sz="4000" dirty="0">
+                <a:latin typeface="Times New Roman"/>
+                <a:cs typeface="Times New Roman"/>
+              </a:rPr>
+              <a:t>r</a:t>
+            </a:r>
+            <a:r>
+              <a:rPr lang="en-US" sz="4000" dirty="0" smtClean="0">
+                <a:latin typeface="Times New Roman"/>
+                <a:cs typeface="Times New Roman"/>
+              </a:rPr>
+              <a:t>ecall ranged from  30-70% </a:t>
+            </a:r>
+            <a:r>
+              <a:rPr lang="en-US" sz="4000" dirty="0" smtClean="0">
+                <a:latin typeface="Times New Roman"/>
+                <a:cs typeface="Times New Roman"/>
+                <a:sym typeface="Wingdings"/>
+              </a:rPr>
+              <a:t> data has high variance</a:t>
+            </a:r>
+            <a:endParaRPr lang="en-US" sz="4000" dirty="0" smtClean="0">
+              <a:latin typeface="Times New Roman"/>
+              <a:cs typeface="Times New Roman"/>
+            </a:endParaRPr>
+          </a:p>
+          <a:p>
+            <a:pPr marL="571500" indent="-571500">
+              <a:buFontTx/>
+              <a:buChar char="-"/>
+            </a:pPr>
+            <a:r>
+              <a:rPr lang="en-US" sz="4000" dirty="0">
+                <a:latin typeface="Times New Roman"/>
+                <a:cs typeface="Times New Roman"/>
+              </a:rPr>
+              <a:t>C</a:t>
+            </a:r>
+            <a:r>
+              <a:rPr lang="en-US" sz="4000" dirty="0" smtClean="0">
+                <a:latin typeface="Times New Roman"/>
+                <a:cs typeface="Times New Roman"/>
+              </a:rPr>
+              <a:t>lassifiers mostly had high training accuracy on low # of documents</a:t>
+            </a:r>
+          </a:p>
+          <a:p>
+            <a:pPr marL="571500" indent="-571500">
+              <a:buFontTx/>
+              <a:buChar char="-"/>
+            </a:pPr>
+            <a:r>
+              <a:rPr lang="en-US" sz="4000" dirty="0" smtClean="0">
+                <a:latin typeface="Times New Roman"/>
+                <a:cs typeface="Times New Roman"/>
+              </a:rPr>
+              <a:t>Training performance degrades with more training documents, so training data has high variance</a:t>
+            </a:r>
+          </a:p>
+        </p:txBody>
+      </p:sp>
+      <p:sp>
+        <p:nvSpPr>
+          <p:cNvPr id="137" name="Rectangle 12"/>
+          <p:cNvSpPr>
+            <a:spLocks noChangeArrowheads="1"/>
+          </p:cNvSpPr>
+          <p:nvPr/>
+        </p:nvSpPr>
+        <p:spPr bwMode="auto">
+          <a:xfrm>
+            <a:off x="19225376" y="13789386"/>
+            <a:ext cx="7905912" cy="966317"/>
+          </a:xfrm>
+          <a:prstGeom prst="rect">
+            <a:avLst/>
+          </a:prstGeom>
+          <a:solidFill>
+            <a:srgbClr val="8B1336"/>
+          </a:solidFill>
+          <a:ln>
+            <a:noFill/>
+          </a:ln>
+          <a:extLst>
+            <a:ext uri="{91240B29-F687-4f45-9708-019B960494DF}">
+              <a14:hiddenLine xmlns:a14="http://schemas.microsoft.com/office/drawing/2010/main" w="9525">
+                <a:solidFill>
+                  <a:srgbClr val="000000"/>
+                </a:solidFill>
+                <a:miter lim="800000"/>
+                <a:headEnd/>
+                <a:tailEnd/>
+              </a14:hiddenLine>
+            </a:ext>
+          </a:extLst>
+        </p:spPr>
+        <p:txBody>
+          <a:bodyPr/>
+          <a:lstStyle/>
+          <a:p>
+            <a:pPr algn="ctr"/>
+            <a:r>
+              <a:rPr lang="en-US" b="1" dirty="0" smtClean="0">
+                <a:solidFill>
+                  <a:srgbClr val="FFFFFF"/>
+                </a:solidFill>
+                <a:latin typeface="Arial" charset="0"/>
+              </a:rPr>
+              <a:t>Challenges</a:t>
+            </a:r>
+            <a:endParaRPr lang="en-US" b="1" dirty="0">
+              <a:latin typeface="Arial" charset="0"/>
+            </a:endParaRPr>
+          </a:p>
+        </p:txBody>
+      </p:sp>
+      <p:sp>
+        <p:nvSpPr>
+          <p:cNvPr id="138" name="TextBox 137"/>
+          <p:cNvSpPr txBox="1"/>
+          <p:nvPr/>
+        </p:nvSpPr>
+        <p:spPr>
+          <a:xfrm>
+            <a:off x="167187" y="3881101"/>
+            <a:ext cx="3432951" cy="754053"/>
+          </a:xfrm>
+          <a:prstGeom prst="rect">
+            <a:avLst/>
+          </a:prstGeom>
+          <a:noFill/>
+        </p:spPr>
+        <p:txBody>
+          <a:bodyPr wrap="none" rtlCol="0">
+            <a:spAutoFit/>
+          </a:bodyPr>
+          <a:lstStyle/>
+          <a:p>
+            <a:r>
+              <a:rPr lang="en-US" sz="4300" b="1" dirty="0" smtClean="0">
+                <a:latin typeface="Arial"/>
+                <a:cs typeface="Arial"/>
+              </a:rPr>
+              <a:t>Project Goal</a:t>
+            </a:r>
+            <a:endParaRPr lang="en-US" sz="4300" b="1" dirty="0">
+              <a:latin typeface="Arial"/>
+              <a:cs typeface="Arial"/>
+            </a:endParaRPr>
+          </a:p>
+        </p:txBody>
+      </p:sp>
+      <p:sp>
+        <p:nvSpPr>
+          <p:cNvPr id="147" name="TextBox 146"/>
+          <p:cNvSpPr txBox="1"/>
+          <p:nvPr/>
+        </p:nvSpPr>
+        <p:spPr>
+          <a:xfrm>
+            <a:off x="30734000" y="13038667"/>
+            <a:ext cx="184666" cy="877163"/>
+          </a:xfrm>
+          <a:prstGeom prst="rect">
+            <a:avLst/>
+          </a:prstGeom>
+          <a:noFill/>
+        </p:spPr>
+        <p:txBody>
+          <a:bodyPr wrap="none" rtlCol="0">
+            <a:spAutoFit/>
+          </a:bodyPr>
+          <a:lstStyle/>
+          <a:p>
+            <a:endParaRPr lang="en-US" dirty="0"/>
           </a:p>
         </p:txBody>
       </p:sp>
     </p:spTree>
     <p:extLst>
       <p:ext uri="{BB962C8B-B14F-4D97-AF65-F5344CB8AC3E}">
-        <p14:creationId xmlns:p14="http://schemas.microsoft.com/office/powerpoint/2010/main" val="3428977059"/>
+        <p14:creationId xmlns:p14="http://schemas.microsoft.com/office/powerpoint/2010/main" val="1708746957"/>
       </p:ext>
     </p:extLst>
   </p:cSld>
   <p:clrMapOvr>
     <a:masterClrMapping/>
   </p:clrMapOvr>
+  <p:timing>
+    <p:tnLst>
+      <p:par>
+        <p:cTn xmlns:p14="http://schemas.microsoft.com/office/powerpoint/2010/main" id="1" dur="indefinite" restart="never" nodeType="tmRoot"/>
+      </p:par>
+    </p:tnLst>
+  </p:timing>
 </p:sld>
 </file>
 
@@ -3469,4 +5477,324 @@
   </a:objectDefaults>
   <a:extraClrSchemeLst/>
 </a:theme>
+</file>
+
+<file path=ppt/theme/theme2.xml><?xml version="1.0" encoding="utf-8"?>
+<a:theme xmlns:a="http://schemas.openxmlformats.org/drawingml/2006/main" name="Office Theme">
+  <a:themeElements>
+    <a:clrScheme name="Office">
+      <a:dk1>
+        <a:sysClr val="windowText" lastClr="000000"/>
+      </a:dk1>
+      <a:lt1>
+        <a:sysClr val="window" lastClr="FFFFFF"/>
+      </a:lt1>
+      <a:dk2>
+        <a:srgbClr val="1F497D"/>
+      </a:dk2>
+      <a:lt2>
+        <a:srgbClr val="EEECE1"/>
+      </a:lt2>
+      <a:accent1>
+        <a:srgbClr val="4F81BD"/>
+      </a:accent1>
+      <a:accent2>
+        <a:srgbClr val="C0504D"/>
+      </a:accent2>
+      <a:accent3>
+        <a:srgbClr val="9BBB59"/>
+      </a:accent3>
+      <a:accent4>
+        <a:srgbClr val="8064A2"/>
+      </a:accent4>
+      <a:accent5>
+        <a:srgbClr val="4BACC6"/>
+      </a:accent5>
+      <a:accent6>
+        <a:srgbClr val="F79646"/>
+      </a:accent6>
+      <a:hlink>
+        <a:srgbClr val="0000FF"/>
+      </a:hlink>
+      <a:folHlink>
+        <a:srgbClr val="800080"/>
+      </a:folHlink>
+    </a:clrScheme>
+    <a:fontScheme name="Office">
+      <a:majorFont>
+        <a:latin typeface="Calibri"/>
+        <a:ea typeface=""/>
+        <a:cs typeface=""/>
+        <a:font script="Jpan" typeface="ＭＳ Ｐゴシック"/>
+        <a:font script="Hang" typeface="맑은 고딕"/>
+        <a:font script="Hans" typeface="宋体"/>
+        <a:font script="Hant" typeface="新細明體"/>
+        <a:font script="Arab" typeface="Times New Roman"/>
+        <a:font script="Hebr" typeface="Times New Roman"/>
+        <a:font script="Thai" typeface="Angsana New"/>
+        <a:font script="Ethi" typeface="Nyala"/>
+        <a:font script="Beng" typeface="Vrinda"/>
+        <a:font script="Gujr" typeface="Shruti"/>
+        <a:font script="Khmr" typeface="MoolBoran"/>
+        <a:font script="Knda" typeface="Tunga"/>
+        <a:font script="Guru" typeface="Raavi"/>
+        <a:font script="Cans" typeface="Euphemia"/>
+        <a:font script="Cher" typeface="Plantagenet Cherokee"/>
+        <a:font script="Yiii" typeface="Microsoft Yi Baiti"/>
+        <a:font script="Tibt" typeface="Microsoft Himalaya"/>
+        <a:font script="Thaa" typeface="MV Boli"/>
+        <a:font script="Deva" typeface="Mangal"/>
+        <a:font script="Telu" typeface="Gautami"/>
+        <a:font script="Taml" typeface="Latha"/>
+        <a:font script="Syrc" typeface="Estrangelo Edessa"/>
+        <a:font script="Orya" typeface="Kalinga"/>
+        <a:font script="Mlym" typeface="Kartika"/>
+        <a:font script="Laoo" typeface="DokChampa"/>
+        <a:font script="Sinh" typeface="Iskoola Pota"/>
+        <a:font script="Mong" typeface="Mongolian Baiti"/>
+        <a:font script="Viet" typeface="Times New Roman"/>
+        <a:font script="Uigh" typeface="Microsoft Uighur"/>
+        <a:font script="Geor" typeface="Sylfaen"/>
+      </a:majorFont>
+      <a:minorFont>
+        <a:latin typeface="Calibri"/>
+        <a:ea typeface=""/>
+        <a:cs typeface=""/>
+        <a:font script="Jpan" typeface="ＭＳ Ｐゴシック"/>
+        <a:font script="Hang" typeface="맑은 고딕"/>
+        <a:font script="Hans" typeface="宋体"/>
+        <a:font script="Hant" typeface="新細明體"/>
+        <a:font script="Arab" typeface="Arial"/>
+        <a:font script="Hebr" typeface="Arial"/>
+        <a:font script="Thai" typeface="Cordia New"/>
+        <a:font script="Ethi" typeface="Nyala"/>
+        <a:font script="Beng" typeface="Vrinda"/>
+        <a:font script="Gujr" typeface="Shruti"/>
+        <a:font script="Khmr" typeface="DaunPenh"/>
+        <a:font script="Knda" typeface="Tunga"/>
+        <a:font script="Guru" typeface="Raavi"/>
+        <a:font script="Cans" typeface="Euphemia"/>
+        <a:font script="Cher" typeface="Plantagenet Cherokee"/>
+        <a:font script="Yiii" typeface="Microsoft Yi Baiti"/>
+        <a:font script="Tibt" typeface="Microsoft Himalaya"/>
+        <a:font script="Thaa" typeface="MV Boli"/>
+        <a:font script="Deva" typeface="Mangal"/>
+        <a:font script="Telu" typeface="Gautami"/>
+        <a:font script="Taml" typeface="Latha"/>
+        <a:font script="Syrc" typeface="Estrangelo Edessa"/>
+        <a:font script="Orya" typeface="Kalinga"/>
+        <a:font script="Mlym" typeface="Kartika"/>
+        <a:font script="Laoo" typeface="DokChampa"/>
+        <a:font script="Sinh" typeface="Iskoola Pota"/>
+        <a:font script="Mong" typeface="Mongolian Baiti"/>
+        <a:font script="Viet" typeface="Arial"/>
+        <a:font script="Uigh" typeface="Microsoft Uighur"/>
+        <a:font script="Geor" typeface="Sylfaen"/>
+      </a:minorFont>
+    </a:fontScheme>
+    <a:fmtScheme name="Office">
+      <a:fillStyleLst>
+        <a:solidFill>
+          <a:schemeClr val="phClr"/>
+        </a:solidFill>
+        <a:gradFill rotWithShape="1">
+          <a:gsLst>
+            <a:gs pos="0">
+              <a:schemeClr val="phClr">
+                <a:tint val="50000"/>
+                <a:satMod val="300000"/>
+              </a:schemeClr>
+            </a:gs>
+            <a:gs pos="35000">
+              <a:schemeClr val="phClr">
+                <a:tint val="37000"/>
+                <a:satMod val="300000"/>
+              </a:schemeClr>
+            </a:gs>
+            <a:gs pos="100000">
+              <a:schemeClr val="phClr">
+                <a:tint val="15000"/>
+                <a:satMod val="350000"/>
+              </a:schemeClr>
+            </a:gs>
+          </a:gsLst>
+          <a:lin ang="16200000" scaled="1"/>
+        </a:gradFill>
+        <a:gradFill rotWithShape="1">
+          <a:gsLst>
+            <a:gs pos="0">
+              <a:schemeClr val="phClr">
+                <a:tint val="100000"/>
+                <a:shade val="100000"/>
+                <a:satMod val="130000"/>
+              </a:schemeClr>
+            </a:gs>
+            <a:gs pos="100000">
+              <a:schemeClr val="phClr">
+                <a:tint val="50000"/>
+                <a:shade val="100000"/>
+                <a:satMod val="350000"/>
+              </a:schemeClr>
+            </a:gs>
+          </a:gsLst>
+          <a:lin ang="16200000" scaled="0"/>
+        </a:gradFill>
+      </a:fillStyleLst>
+      <a:lnStyleLst>
+        <a:ln w="9525" cap="flat" cmpd="sng" algn="ctr">
+          <a:solidFill>
+            <a:schemeClr val="phClr">
+              <a:shade val="95000"/>
+              <a:satMod val="105000"/>
+            </a:schemeClr>
+          </a:solidFill>
+          <a:prstDash val="solid"/>
+        </a:ln>
+        <a:ln w="25400" cap="flat" cmpd="sng" algn="ctr">
+          <a:solidFill>
+            <a:schemeClr val="phClr"/>
+          </a:solidFill>
+          <a:prstDash val="solid"/>
+        </a:ln>
+        <a:ln w="38100" cap="flat" cmpd="sng" algn="ctr">
+          <a:solidFill>
+            <a:schemeClr val="phClr"/>
+          </a:solidFill>
+          <a:prstDash val="solid"/>
+        </a:ln>
+      </a:lnStyleLst>
+      <a:effectStyleLst>
+        <a:effectStyle>
+          <a:effectLst>
+            <a:outerShdw blurRad="40000" dist="20000" dir="5400000" rotWithShape="0">
+              <a:srgbClr val="000000">
+                <a:alpha val="38000"/>
+              </a:srgbClr>
+            </a:outerShdw>
+          </a:effectLst>
+        </a:effectStyle>
+        <a:effectStyle>
+          <a:effectLst>
+            <a:outerShdw blurRad="40000" dist="23000" dir="5400000" rotWithShape="0">
+              <a:srgbClr val="000000">
+                <a:alpha val="35000"/>
+              </a:srgbClr>
+            </a:outerShdw>
+          </a:effectLst>
+        </a:effectStyle>
+        <a:effectStyle>
+          <a:effectLst>
+            <a:outerShdw blurRad="40000" dist="23000" dir="5400000" rotWithShape="0">
+              <a:srgbClr val="000000">
+                <a:alpha val="35000"/>
+              </a:srgbClr>
+            </a:outerShdw>
+          </a:effectLst>
+          <a:scene3d>
+            <a:camera prst="orthographicFront">
+              <a:rot lat="0" lon="0" rev="0"/>
+            </a:camera>
+            <a:lightRig rig="threePt" dir="t">
+              <a:rot lat="0" lon="0" rev="1200000"/>
+            </a:lightRig>
+          </a:scene3d>
+          <a:sp3d>
+            <a:bevelT w="63500" h="25400"/>
+          </a:sp3d>
+        </a:effectStyle>
+      </a:effectStyleLst>
+      <a:bgFillStyleLst>
+        <a:solidFill>
+          <a:schemeClr val="phClr"/>
+        </a:solidFill>
+        <a:gradFill rotWithShape="1">
+          <a:gsLst>
+            <a:gs pos="0">
+              <a:schemeClr val="phClr">
+                <a:tint val="40000"/>
+                <a:satMod val="350000"/>
+              </a:schemeClr>
+            </a:gs>
+            <a:gs pos="40000">
+              <a:schemeClr val="phClr">
+                <a:tint val="45000"/>
+                <a:shade val="99000"/>
+                <a:satMod val="350000"/>
+              </a:schemeClr>
+            </a:gs>
+            <a:gs pos="100000">
+              <a:schemeClr val="phClr">
+                <a:shade val="20000"/>
+                <a:satMod val="255000"/>
+              </a:schemeClr>
+            </a:gs>
+          </a:gsLst>
+          <a:path path="circle">
+            <a:fillToRect l="50000" t="-80000" r="50000" b="180000"/>
+          </a:path>
+        </a:gradFill>
+        <a:gradFill rotWithShape="1">
+          <a:gsLst>
+            <a:gs pos="0">
+              <a:schemeClr val="phClr">
+                <a:tint val="80000"/>
+                <a:satMod val="300000"/>
+              </a:schemeClr>
+            </a:gs>
+            <a:gs pos="100000">
+              <a:schemeClr val="phClr">
+                <a:shade val="30000"/>
+                <a:satMod val="200000"/>
+              </a:schemeClr>
+            </a:gs>
+          </a:gsLst>
+          <a:path path="circle">
+            <a:fillToRect l="50000" t="50000" r="50000" b="50000"/>
+          </a:path>
+        </a:gradFill>
+      </a:bgFillStyleLst>
+    </a:fmtScheme>
+  </a:themeElements>
+  <a:objectDefaults>
+    <a:spDef>
+      <a:spPr/>
+      <a:bodyPr/>
+      <a:lstStyle/>
+      <a:style>
+        <a:lnRef idx="1">
+          <a:schemeClr val="accent1"/>
+        </a:lnRef>
+        <a:fillRef idx="3">
+          <a:schemeClr val="accent1"/>
+        </a:fillRef>
+        <a:effectRef idx="2">
+          <a:schemeClr val="accent1"/>
+        </a:effectRef>
+        <a:fontRef idx="minor">
+          <a:schemeClr val="lt1"/>
+        </a:fontRef>
+      </a:style>
+    </a:spDef>
+    <a:lnDef>
+      <a:spPr/>
+      <a:bodyPr/>
+      <a:lstStyle/>
+      <a:style>
+        <a:lnRef idx="2">
+          <a:schemeClr val="accent1"/>
+        </a:lnRef>
+        <a:fillRef idx="0">
+          <a:schemeClr val="accent1"/>
+        </a:fillRef>
+        <a:effectRef idx="1">
+          <a:schemeClr val="accent1"/>
+        </a:effectRef>
+        <a:fontRef idx="minor">
+          <a:schemeClr val="tx1"/>
+        </a:fontRef>
+      </a:style>
+    </a:lnDef>
+  </a:objectDefaults>
+  <a:extraClrSchemeLst/>
+</a:theme>
 </file>
--- a/poster.pptx
+++ b/poster.pptx
@@ -3540,36 +3540,6 @@
           <a:chExt cx="0" cy="0"/>
         </a:xfrm>
       </p:grpSpPr>
-      <p:pic>
-        <p:nvPicPr>
-          <p:cNvPr id="95" name="Picture 94" descr="graph.jpg"/>
-          <p:cNvPicPr>
-            <a:picLocks noChangeAspect="1"/>
-          </p:cNvPicPr>
-          <p:nvPr/>
-        </p:nvPicPr>
-        <p:blipFill>
-          <a:blip r:embed="rId3">
-            <a:extLst>
-              <a:ext uri="{28A0092B-C50C-407E-A947-70E740481C1C}">
-                <a14:useLocalDpi xmlns:a14="http://schemas.microsoft.com/office/drawing/2010/main" val="0"/>
-              </a:ext>
-            </a:extLst>
-          </a:blip>
-          <a:stretch>
-            <a:fillRect/>
-          </a:stretch>
-        </p:blipFill>
-        <p:spPr>
-          <a:xfrm>
-            <a:off x="9276336" y="12611908"/>
-            <a:ext cx="8627740" cy="5689888"/>
-          </a:xfrm>
-          <a:prstGeom prst="rect">
-            <a:avLst/>
-          </a:prstGeom>
-        </p:spPr>
-      </p:pic>
       <p:sp>
         <p:nvSpPr>
           <p:cNvPr id="2" name="TextBox 1"/>
@@ -3579,7 +3549,7 @@
         <p:spPr>
           <a:xfrm>
             <a:off x="3890526" y="238676"/>
-            <a:ext cx="20356855" cy="1446550"/>
+            <a:ext cx="20354169" cy="1400383"/>
           </a:xfrm>
           <a:prstGeom prst="rect">
             <a:avLst/>
@@ -3597,7 +3567,7 @@
                 <a:latin typeface="Arial"/>
                 <a:cs typeface="Arial"/>
               </a:rPr>
-              <a:t>Extraction Based Text Summarization</a:t>
+              <a:t>Deep Learning for Program Generation</a:t>
             </a:r>
             <a:endParaRPr lang="en-US" sz="8500" b="1" dirty="0">
               <a:latin typeface="Arial"/>
@@ -3634,94 +3604,29 @@
               <a:rPr lang="en-US" sz="5200" dirty="0" smtClean="0">
                 <a:ea typeface="ＭＳ Ｐゴシック" charset="0"/>
               </a:rPr>
-              <a:t>Reginald Long, Michael </a:t>
-            </a:r>
-            <a:r>
-              <a:rPr lang="en-US" sz="5200" dirty="0" err="1" smtClean="0">
-                <a:ea typeface="ＭＳ Ｐゴシック" charset="0"/>
-              </a:rPr>
-              <a:t>Xie</a:t>
+              <a:t>Reginald </a:t>
             </a:r>
             <a:r>
               <a:rPr lang="en-US" sz="5200" dirty="0" smtClean="0">
                 <a:ea typeface="ＭＳ Ｐゴシック" charset="0"/>
               </a:rPr>
-              <a:t>, Helen Jiang</a:t>
+              <a:t>Long</a:t>
+            </a:r>
+            <a:r>
+              <a:rPr lang="en-US" sz="5200" dirty="0">
+                <a:ea typeface="ＭＳ Ｐゴシック" charset="0"/>
+              </a:rPr>
+              <a:t> </a:t>
+            </a:r>
+            <a:r>
+              <a:rPr lang="en-US" sz="5200" dirty="0" smtClean="0">
+                <a:ea typeface="ＭＳ Ｐゴシック" charset="0"/>
+              </a:rPr>
+              <a:t>and Colin Wei</a:t>
             </a:r>
             <a:endParaRPr lang="en-US" sz="5200" dirty="0">
               <a:ea typeface="ＭＳ Ｐゴシック" charset="0"/>
             </a:endParaRPr>
-          </a:p>
-        </p:txBody>
-      </p:sp>
-      <p:sp>
-        <p:nvSpPr>
-          <p:cNvPr id="17" name="Rectangle 16"/>
-          <p:cNvSpPr/>
-          <p:nvPr/>
-        </p:nvSpPr>
-        <p:spPr>
-          <a:xfrm>
-            <a:off x="199236" y="14242737"/>
-            <a:ext cx="7844097" cy="3600986"/>
-          </a:xfrm>
-          <a:prstGeom prst="rect">
-            <a:avLst/>
-          </a:prstGeom>
-        </p:spPr>
-        <p:txBody>
-          <a:bodyPr wrap="square">
-            <a:spAutoFit/>
-          </a:bodyPr>
-          <a:lstStyle/>
-          <a:p>
-            <a:r>
-              <a:rPr lang="en-US" sz="3800" dirty="0" smtClean="0">
-                <a:latin typeface="Times New Roman"/>
-                <a:cs typeface="Times New Roman"/>
-              </a:rPr>
-              <a:t>We define examples as sentences and batches of examples as documents.</a:t>
-            </a:r>
-          </a:p>
-          <a:p>
-            <a:pPr marL="571500" indent="-571500">
-              <a:buFontTx/>
-              <a:buChar char="-"/>
-            </a:pPr>
-            <a:r>
-              <a:rPr lang="en-US" sz="3800" i="1" dirty="0" smtClean="0">
-                <a:latin typeface="Times New Roman"/>
-                <a:cs typeface="Times New Roman"/>
-              </a:rPr>
-              <a:t>Input: </a:t>
-            </a:r>
-            <a:r>
-              <a:rPr lang="en-US" sz="3800" dirty="0" smtClean="0">
-                <a:latin typeface="Times New Roman"/>
-                <a:cs typeface="Times New Roman"/>
-              </a:rPr>
-              <a:t>tuple containing a document and the # of sentences to extract</a:t>
-            </a:r>
-          </a:p>
-          <a:p>
-            <a:pPr marL="571500" indent="-571500">
-              <a:buFontTx/>
-              <a:buChar char="-"/>
-            </a:pPr>
-            <a:r>
-              <a:rPr lang="en-US" sz="3800" i="1" dirty="0" smtClean="0">
-                <a:latin typeface="Times New Roman"/>
-                <a:cs typeface="Times New Roman"/>
-              </a:rPr>
-              <a:t>Output: </a:t>
-            </a:r>
-            <a:r>
-              <a:rPr lang="en-US" sz="3800" dirty="0" smtClean="0">
-                <a:latin typeface="Times New Roman"/>
-                <a:cs typeface="Times New Roman"/>
-              </a:rPr>
-              <a:t>the set of important sentences in the document</a:t>
-            </a:r>
           </a:p>
         </p:txBody>
       </p:sp>
@@ -3734,7 +3639,7 @@
           <p:nvPr/>
         </p:nvPicPr>
         <p:blipFill>
-          <a:blip r:embed="rId4">
+          <a:blip r:embed="rId3">
             <a:extLst>
               <a:ext uri="{28A0092B-C50C-407E-A947-70E740481C1C}">
                 <a14:useLocalDpi xmlns:a14="http://schemas.microsoft.com/office/drawing/2010/main" val="0"/>
@@ -3764,7 +3669,7 @@
         <p:spPr>
           <a:xfrm>
             <a:off x="14163633" y="3979002"/>
-            <a:ext cx="4718493" cy="1261884"/>
+            <a:ext cx="4718493" cy="677108"/>
           </a:xfrm>
           <a:prstGeom prst="rect">
             <a:avLst/>
@@ -3777,13 +3682,6 @@
           </a:bodyPr>
           <a:lstStyle/>
           <a:p>
-            <a:r>
-              <a:rPr lang="en-US" sz="3800" dirty="0" smtClean="0">
-                <a:latin typeface="Times New Roman"/>
-                <a:cs typeface="Times New Roman"/>
-              </a:rPr>
-              <a:t>Remove Stop Words from each document</a:t>
-            </a:r>
             <a:endParaRPr lang="en-US" sz="3800" dirty="0">
               <a:latin typeface="Times New Roman"/>
               <a:cs typeface="Times New Roman"/>
@@ -3791,83 +3689,6 @@
           </a:p>
         </p:txBody>
       </p:sp>
-      <p:cxnSp>
-        <p:nvCxnSpPr>
-          <p:cNvPr id="30" name="Straight Arrow Connector 29"/>
-          <p:cNvCxnSpPr>
-            <a:stCxn id="40" idx="3"/>
-            <a:endCxn id="27" idx="1"/>
-          </p:cNvCxnSpPr>
-          <p:nvPr/>
-        </p:nvCxnSpPr>
-        <p:spPr>
-          <a:xfrm flipV="1">
-            <a:off x="12364244" y="4609944"/>
-            <a:ext cx="1799389" cy="821197"/>
-          </a:xfrm>
-          <a:prstGeom prst="straightConnector1">
-            <a:avLst/>
-          </a:prstGeom>
-          <a:ln>
-            <a:solidFill>
-              <a:schemeClr val="tx1"/>
-            </a:solidFill>
-            <a:tailEnd type="arrow"/>
-          </a:ln>
-        </p:spPr>
-        <p:style>
-          <a:lnRef idx="2">
-            <a:schemeClr val="accent1"/>
-          </a:lnRef>
-          <a:fillRef idx="0">
-            <a:schemeClr val="accent1"/>
-          </a:fillRef>
-          <a:effectRef idx="1">
-            <a:schemeClr val="accent1"/>
-          </a:effectRef>
-          <a:fontRef idx="minor">
-            <a:schemeClr val="tx1"/>
-          </a:fontRef>
-        </p:style>
-      </p:cxnSp>
-      <p:cxnSp>
-        <p:nvCxnSpPr>
-          <p:cNvPr id="32" name="Straight Arrow Connector 31"/>
-          <p:cNvCxnSpPr>
-            <a:stCxn id="40" idx="3"/>
-          </p:cNvCxnSpPr>
-          <p:nvPr/>
-        </p:nvCxnSpPr>
-        <p:spPr>
-          <a:xfrm>
-            <a:off x="12364244" y="5431141"/>
-            <a:ext cx="1704710" cy="842073"/>
-          </a:xfrm>
-          <a:prstGeom prst="straightConnector1">
-            <a:avLst/>
-          </a:prstGeom>
-          <a:ln>
-            <a:solidFill>
-              <a:schemeClr val="tx1"/>
-            </a:solidFill>
-            <a:tailEnd type="arrow"/>
-          </a:ln>
-        </p:spPr>
-        <p:style>
-          <a:lnRef idx="2">
-            <a:schemeClr val="accent1"/>
-          </a:lnRef>
-          <a:fillRef idx="0">
-            <a:schemeClr val="accent1"/>
-          </a:fillRef>
-          <a:effectRef idx="1">
-            <a:schemeClr val="accent1"/>
-          </a:effectRef>
-          <a:fontRef idx="minor">
-            <a:schemeClr val="tx1"/>
-          </a:fontRef>
-        </p:style>
-      </p:cxnSp>
       <p:sp>
         <p:nvSpPr>
           <p:cNvPr id="38" name="Rectangle 37"/>
@@ -3877,7 +3698,7 @@
         <p:spPr>
           <a:xfrm>
             <a:off x="8297335" y="3981479"/>
-            <a:ext cx="3744798" cy="738664"/>
+            <a:ext cx="184666" cy="738664"/>
           </a:xfrm>
           <a:prstGeom prst="rect">
             <a:avLst/>
@@ -3889,26 +3710,23 @@
           </a:bodyPr>
           <a:lstStyle/>
           <a:p>
-            <a:r>
-              <a:rPr lang="en-US" sz="4200" dirty="0" smtClean="0">
-                <a:latin typeface="Times New Roman"/>
-                <a:cs typeface="Times New Roman"/>
-              </a:rPr>
-              <a:t>(1) Load Corpus</a:t>
-            </a:r>
-          </a:p>
-        </p:txBody>
-      </p:sp>
-      <p:sp>
-        <p:nvSpPr>
-          <p:cNvPr id="40" name="Rectangle 39"/>
+            <a:endParaRPr lang="en-US" sz="4200" dirty="0" smtClean="0">
+              <a:latin typeface="Times New Roman"/>
+              <a:cs typeface="Times New Roman"/>
+            </a:endParaRPr>
+          </a:p>
+        </p:txBody>
+      </p:sp>
+      <p:sp>
+        <p:nvSpPr>
+          <p:cNvPr id="41" name="Rectangle 40"/>
           <p:cNvSpPr/>
           <p:nvPr/>
         </p:nvSpPr>
         <p:spPr>
           <a:xfrm>
-            <a:off x="8297335" y="5054114"/>
-            <a:ext cx="4066909" cy="754053"/>
+            <a:off x="14068954" y="5481254"/>
+            <a:ext cx="5071755" cy="677108"/>
           </a:xfrm>
           <a:prstGeom prst="rect">
             <a:avLst/>
@@ -3920,65 +3738,6 @@
           </a:bodyPr>
           <a:lstStyle/>
           <a:p>
-            <a:r>
-              <a:rPr lang="en-US" sz="4200" dirty="0" smtClean="0">
-                <a:latin typeface="Times New Roman"/>
-                <a:cs typeface="Times New Roman"/>
-              </a:rPr>
-              <a:t>(2) Preprocessing</a:t>
-            </a:r>
-          </a:p>
-        </p:txBody>
-      </p:sp>
-      <p:sp>
-        <p:nvSpPr>
-          <p:cNvPr id="41" name="Rectangle 40"/>
-          <p:cNvSpPr/>
-          <p:nvPr/>
-        </p:nvSpPr>
-        <p:spPr>
-          <a:xfrm>
-            <a:off x="14068954" y="5481254"/>
-            <a:ext cx="5071755" cy="1846659"/>
-          </a:xfrm>
-          <a:prstGeom prst="rect">
-            <a:avLst/>
-          </a:prstGeom>
-        </p:spPr>
-        <p:txBody>
-          <a:bodyPr wrap="square">
-            <a:spAutoFit/>
-          </a:bodyPr>
-          <a:lstStyle/>
-          <a:p>
-            <a:r>
-              <a:rPr lang="en-US" sz="3800" dirty="0" smtClean="0">
-                <a:latin typeface="Times New Roman"/>
-                <a:cs typeface="Times New Roman"/>
-              </a:rPr>
-              <a:t>Lemmatize the corpus using a </a:t>
-            </a:r>
-            <a:r>
-              <a:rPr lang="en-US" sz="3800" dirty="0" err="1" smtClean="0">
-                <a:latin typeface="Times New Roman"/>
-                <a:cs typeface="Times New Roman"/>
-              </a:rPr>
-              <a:t>wordnet</a:t>
-            </a:r>
-            <a:r>
-              <a:rPr lang="en-US" sz="3800" dirty="0" smtClean="0">
-                <a:latin typeface="Times New Roman"/>
-                <a:cs typeface="Times New Roman"/>
-              </a:rPr>
-              <a:t> </a:t>
-            </a:r>
-            <a:r>
-              <a:rPr lang="en-US" sz="3800" dirty="0" err="1" smtClean="0">
-                <a:latin typeface="Times New Roman"/>
-                <a:cs typeface="Times New Roman"/>
-              </a:rPr>
-              <a:t>lemmatizer</a:t>
-            </a:r>
             <a:endParaRPr lang="en-US" sz="3800" dirty="0">
               <a:latin typeface="Times New Roman"/>
               <a:cs typeface="Times New Roman"/>
@@ -3988,150 +3747,14 @@
       </p:sp>
       <p:sp>
         <p:nvSpPr>
-          <p:cNvPr id="42" name="Rectangle 41"/>
-          <p:cNvSpPr/>
+          <p:cNvPr id="61" name="TextBox 60"/>
+          <p:cNvSpPr txBox="1"/>
           <p:nvPr/>
         </p:nvSpPr>
         <p:spPr>
           <a:xfrm>
-            <a:off x="8297334" y="6129735"/>
-            <a:ext cx="11514665" cy="754053"/>
-          </a:xfrm>
-          <a:prstGeom prst="rect">
-            <a:avLst/>
-          </a:prstGeom>
-        </p:spPr>
-        <p:txBody>
-          <a:bodyPr wrap="square">
-            <a:spAutoFit/>
-          </a:bodyPr>
-          <a:lstStyle/>
-          <a:p>
-            <a:r>
-              <a:rPr lang="en-US" sz="4200" dirty="0" smtClean="0">
-                <a:latin typeface="Times New Roman"/>
-                <a:cs typeface="Times New Roman"/>
-              </a:rPr>
-              <a:t>(3) Label the data</a:t>
-            </a:r>
-            <a:endParaRPr lang="en-US" sz="4200" dirty="0">
-              <a:latin typeface="Times New Roman"/>
-              <a:cs typeface="Times New Roman"/>
-            </a:endParaRPr>
-          </a:p>
-        </p:txBody>
-      </p:sp>
-      <p:sp>
-        <p:nvSpPr>
-          <p:cNvPr id="43" name="Rectangle 42"/>
-          <p:cNvSpPr/>
-          <p:nvPr/>
-        </p:nvSpPr>
-        <p:spPr>
-          <a:xfrm>
-            <a:off x="8297336" y="7196543"/>
-            <a:ext cx="4578351" cy="754053"/>
-          </a:xfrm>
-          <a:prstGeom prst="rect">
-            <a:avLst/>
-          </a:prstGeom>
-        </p:spPr>
-        <p:txBody>
-          <a:bodyPr wrap="square">
-            <a:spAutoFit/>
-          </a:bodyPr>
-          <a:lstStyle/>
-          <a:p>
-            <a:r>
-              <a:rPr lang="en-US" sz="4200" dirty="0" smtClean="0">
-                <a:latin typeface="Times New Roman"/>
-                <a:cs typeface="Times New Roman"/>
-              </a:rPr>
-              <a:t>(4) Extract features:</a:t>
-            </a:r>
-          </a:p>
-        </p:txBody>
-      </p:sp>
-      <p:sp>
-        <p:nvSpPr>
-          <p:cNvPr id="44" name="Rectangle 43"/>
-          <p:cNvSpPr/>
-          <p:nvPr/>
-        </p:nvSpPr>
-        <p:spPr>
-          <a:xfrm>
-            <a:off x="8297331" y="8287294"/>
-            <a:ext cx="8413708" cy="754053"/>
-          </a:xfrm>
-          <a:prstGeom prst="rect">
-            <a:avLst/>
-          </a:prstGeom>
-        </p:spPr>
-        <p:txBody>
-          <a:bodyPr wrap="square">
-            <a:spAutoFit/>
-          </a:bodyPr>
-          <a:lstStyle/>
-          <a:p>
-            <a:r>
-              <a:rPr lang="en-US" sz="4200" dirty="0" smtClean="0">
-                <a:latin typeface="Times New Roman"/>
-                <a:cs typeface="Times New Roman"/>
-              </a:rPr>
-              <a:t>(5) Learn classifier</a:t>
-            </a:r>
-            <a:endParaRPr lang="en-US" sz="4200" dirty="0">
-              <a:latin typeface="Times New Roman"/>
-              <a:cs typeface="Times New Roman"/>
-            </a:endParaRPr>
-          </a:p>
-        </p:txBody>
-      </p:sp>
-      <p:sp>
-        <p:nvSpPr>
-          <p:cNvPr id="45" name="Rectangle 44"/>
-          <p:cNvSpPr/>
-          <p:nvPr/>
-        </p:nvSpPr>
-        <p:spPr>
-          <a:xfrm>
-            <a:off x="8297331" y="9302624"/>
-            <a:ext cx="5224888" cy="2031325"/>
-          </a:xfrm>
-          <a:prstGeom prst="rect">
-            <a:avLst/>
-          </a:prstGeom>
-        </p:spPr>
-        <p:txBody>
-          <a:bodyPr wrap="square">
-            <a:spAutoFit/>
-          </a:bodyPr>
-          <a:lstStyle/>
-          <a:p>
-            <a:r>
-              <a:rPr lang="en-US" sz="4200" dirty="0" smtClean="0">
-                <a:latin typeface="Times New Roman"/>
-                <a:cs typeface="Times New Roman"/>
-              </a:rPr>
-              <a:t>(6) Predict important sentences given an unseen document</a:t>
-            </a:r>
-            <a:endParaRPr lang="en-US" sz="4200" dirty="0">
-              <a:latin typeface="Times New Roman"/>
-              <a:cs typeface="Times New Roman"/>
-            </a:endParaRPr>
-          </a:p>
-        </p:txBody>
-      </p:sp>
-      <p:sp>
-        <p:nvSpPr>
-          <p:cNvPr id="58" name="TextBox 57"/>
-          <p:cNvSpPr txBox="1"/>
-          <p:nvPr/>
-        </p:nvSpPr>
-        <p:spPr>
-          <a:xfrm>
-            <a:off x="15168859" y="8130812"/>
-            <a:ext cx="3084360" cy="646331"/>
+            <a:off x="15168859" y="9819296"/>
+            <a:ext cx="4976982" cy="646331"/>
           </a:xfrm>
           <a:prstGeom prst="rect">
             <a:avLst/>
@@ -4144,318 +3767,10 @@
           </a:bodyPr>
           <a:lstStyle/>
           <a:p>
-            <a:r>
-              <a:rPr lang="en-US" sz="3600" dirty="0" smtClean="0">
-                <a:latin typeface="Times New Roman"/>
-                <a:cs typeface="Times New Roman"/>
-              </a:rPr>
-              <a:t>Word Count</a:t>
-            </a:r>
             <a:endParaRPr lang="en-US" sz="3600" dirty="0">
               <a:latin typeface="Times New Roman"/>
               <a:cs typeface="Times New Roman"/>
             </a:endParaRPr>
-          </a:p>
-        </p:txBody>
-      </p:sp>
-      <p:sp>
-        <p:nvSpPr>
-          <p:cNvPr id="59" name="TextBox 58"/>
-          <p:cNvSpPr txBox="1"/>
-          <p:nvPr/>
-        </p:nvSpPr>
-        <p:spPr>
-          <a:xfrm>
-            <a:off x="15168859" y="7273488"/>
-            <a:ext cx="3356045" cy="677108"/>
-          </a:xfrm>
-          <a:prstGeom prst="rect">
-            <a:avLst/>
-          </a:prstGeom>
-          <a:noFill/>
-        </p:spPr>
-        <p:txBody>
-          <a:bodyPr wrap="square" rtlCol="0">
-            <a:spAutoFit/>
-          </a:bodyPr>
-          <a:lstStyle/>
-          <a:p>
-            <a:r>
-              <a:rPr lang="en-US" sz="3800" dirty="0" smtClean="0">
-                <a:latin typeface="Times New Roman"/>
-                <a:cs typeface="Times New Roman"/>
-              </a:rPr>
-              <a:t>Part of Speech</a:t>
-            </a:r>
-          </a:p>
-        </p:txBody>
-      </p:sp>
-      <p:sp>
-        <p:nvSpPr>
-          <p:cNvPr id="60" name="TextBox 59"/>
-          <p:cNvSpPr txBox="1"/>
-          <p:nvPr/>
-        </p:nvSpPr>
-        <p:spPr>
-          <a:xfrm>
-            <a:off x="15187267" y="8968936"/>
-            <a:ext cx="4718493" cy="646331"/>
-          </a:xfrm>
-          <a:prstGeom prst="rect">
-            <a:avLst/>
-          </a:prstGeom>
-          <a:noFill/>
-        </p:spPr>
-        <p:txBody>
-          <a:bodyPr wrap="square" rtlCol="0">
-            <a:spAutoFit/>
-          </a:bodyPr>
-          <a:lstStyle/>
-          <a:p>
-            <a:r>
-              <a:rPr lang="en-US" sz="3600" dirty="0" smtClean="0">
-                <a:latin typeface="Times New Roman"/>
-                <a:cs typeface="Times New Roman"/>
-              </a:rPr>
-              <a:t>Sentence Location</a:t>
-            </a:r>
-            <a:endParaRPr lang="en-US" sz="3600" dirty="0">
-              <a:latin typeface="Times New Roman"/>
-              <a:cs typeface="Times New Roman"/>
-            </a:endParaRPr>
-          </a:p>
-        </p:txBody>
-      </p:sp>
-      <p:sp>
-        <p:nvSpPr>
-          <p:cNvPr id="61" name="TextBox 60"/>
-          <p:cNvSpPr txBox="1"/>
-          <p:nvPr/>
-        </p:nvSpPr>
-        <p:spPr>
-          <a:xfrm>
-            <a:off x="15168859" y="9819296"/>
-            <a:ext cx="4976982" cy="1200329"/>
-          </a:xfrm>
-          <a:prstGeom prst="rect">
-            <a:avLst/>
-          </a:prstGeom>
-          <a:noFill/>
-        </p:spPr>
-        <p:txBody>
-          <a:bodyPr wrap="square" rtlCol="0">
-            <a:spAutoFit/>
-          </a:bodyPr>
-          <a:lstStyle/>
-          <a:p>
-            <a:r>
-              <a:rPr lang="en-US" sz="3600" dirty="0" smtClean="0">
-                <a:latin typeface="Times New Roman"/>
-                <a:cs typeface="Times New Roman"/>
-              </a:rPr>
-              <a:t>Presence of high-frequency word</a:t>
-            </a:r>
-            <a:endParaRPr lang="en-US" sz="3600" dirty="0">
-              <a:latin typeface="Times New Roman"/>
-              <a:cs typeface="Times New Roman"/>
-            </a:endParaRPr>
-          </a:p>
-        </p:txBody>
-      </p:sp>
-      <p:cxnSp>
-        <p:nvCxnSpPr>
-          <p:cNvPr id="63" name="Straight Arrow Connector 62"/>
-          <p:cNvCxnSpPr>
-            <a:stCxn id="43" idx="3"/>
-            <a:endCxn id="58" idx="1"/>
-          </p:cNvCxnSpPr>
-          <p:nvPr/>
-        </p:nvCxnSpPr>
-        <p:spPr>
-          <a:xfrm>
-            <a:off x="12875687" y="7573570"/>
-            <a:ext cx="2293172" cy="880408"/>
-          </a:xfrm>
-          <a:prstGeom prst="straightConnector1">
-            <a:avLst/>
-          </a:prstGeom>
-          <a:ln>
-            <a:solidFill>
-              <a:srgbClr val="000000"/>
-            </a:solidFill>
-            <a:tailEnd type="arrow"/>
-          </a:ln>
-        </p:spPr>
-        <p:style>
-          <a:lnRef idx="2">
-            <a:schemeClr val="accent1"/>
-          </a:lnRef>
-          <a:fillRef idx="0">
-            <a:schemeClr val="accent1"/>
-          </a:fillRef>
-          <a:effectRef idx="1">
-            <a:schemeClr val="accent1"/>
-          </a:effectRef>
-          <a:fontRef idx="minor">
-            <a:schemeClr val="tx1"/>
-          </a:fontRef>
-        </p:style>
-      </p:cxnSp>
-      <p:cxnSp>
-        <p:nvCxnSpPr>
-          <p:cNvPr id="67" name="Straight Arrow Connector 66"/>
-          <p:cNvCxnSpPr>
-            <a:stCxn id="43" idx="3"/>
-            <a:endCxn id="59" idx="1"/>
-          </p:cNvCxnSpPr>
-          <p:nvPr/>
-        </p:nvCxnSpPr>
-        <p:spPr>
-          <a:xfrm>
-            <a:off x="12875687" y="7573570"/>
-            <a:ext cx="2293172" cy="38472"/>
-          </a:xfrm>
-          <a:prstGeom prst="straightConnector1">
-            <a:avLst/>
-          </a:prstGeom>
-          <a:ln>
-            <a:solidFill>
-              <a:srgbClr val="000000"/>
-            </a:solidFill>
-            <a:tailEnd type="arrow"/>
-          </a:ln>
-        </p:spPr>
-        <p:style>
-          <a:lnRef idx="2">
-            <a:schemeClr val="accent1"/>
-          </a:lnRef>
-          <a:fillRef idx="0">
-            <a:schemeClr val="accent1"/>
-          </a:fillRef>
-          <a:effectRef idx="1">
-            <a:schemeClr val="accent1"/>
-          </a:effectRef>
-          <a:fontRef idx="minor">
-            <a:schemeClr val="tx1"/>
-          </a:fontRef>
-        </p:style>
-      </p:cxnSp>
-      <p:cxnSp>
-        <p:nvCxnSpPr>
-          <p:cNvPr id="70" name="Straight Arrow Connector 69"/>
-          <p:cNvCxnSpPr>
-            <a:stCxn id="43" idx="3"/>
-            <a:endCxn id="60" idx="1"/>
-          </p:cNvCxnSpPr>
-          <p:nvPr/>
-        </p:nvCxnSpPr>
-        <p:spPr>
-          <a:xfrm>
-            <a:off x="12875687" y="7573570"/>
-            <a:ext cx="2311580" cy="1718532"/>
-          </a:xfrm>
-          <a:prstGeom prst="straightConnector1">
-            <a:avLst/>
-          </a:prstGeom>
-          <a:ln>
-            <a:solidFill>
-              <a:srgbClr val="000000"/>
-            </a:solidFill>
-            <a:tailEnd type="arrow"/>
-          </a:ln>
-        </p:spPr>
-        <p:style>
-          <a:lnRef idx="2">
-            <a:schemeClr val="accent1"/>
-          </a:lnRef>
-          <a:fillRef idx="0">
-            <a:schemeClr val="accent1"/>
-          </a:fillRef>
-          <a:effectRef idx="1">
-            <a:schemeClr val="accent1"/>
-          </a:effectRef>
-          <a:fontRef idx="minor">
-            <a:schemeClr val="tx1"/>
-          </a:fontRef>
-        </p:style>
-      </p:cxnSp>
-      <p:cxnSp>
-        <p:nvCxnSpPr>
-          <p:cNvPr id="73" name="Straight Arrow Connector 72"/>
-          <p:cNvCxnSpPr>
-            <a:stCxn id="43" idx="3"/>
-            <a:endCxn id="61" idx="1"/>
-          </p:cNvCxnSpPr>
-          <p:nvPr/>
-        </p:nvCxnSpPr>
-        <p:spPr>
-          <a:xfrm>
-            <a:off x="12875687" y="7573570"/>
-            <a:ext cx="2293172" cy="2845891"/>
-          </a:xfrm>
-          <a:prstGeom prst="straightConnector1">
-            <a:avLst/>
-          </a:prstGeom>
-          <a:ln>
-            <a:solidFill>
-              <a:srgbClr val="000000"/>
-            </a:solidFill>
-            <a:tailEnd type="arrow"/>
-          </a:ln>
-        </p:spPr>
-        <p:style>
-          <a:lnRef idx="2">
-            <a:schemeClr val="accent1"/>
-          </a:lnRef>
-          <a:fillRef idx="0">
-            <a:schemeClr val="accent1"/>
-          </a:fillRef>
-          <a:effectRef idx="1">
-            <a:schemeClr val="accent1"/>
-          </a:effectRef>
-          <a:fontRef idx="minor">
-            <a:schemeClr val="tx1"/>
-          </a:fontRef>
-        </p:style>
-      </p:cxnSp>
-      <p:sp>
-        <p:nvSpPr>
-          <p:cNvPr id="75" name="Rectangle 74"/>
-          <p:cNvSpPr/>
-          <p:nvPr/>
-        </p:nvSpPr>
-        <p:spPr>
-          <a:xfrm>
-            <a:off x="243031" y="7699856"/>
-            <a:ext cx="7503289" cy="5355313"/>
-          </a:xfrm>
-          <a:prstGeom prst="rect">
-            <a:avLst/>
-          </a:prstGeom>
-        </p:spPr>
-        <p:txBody>
-          <a:bodyPr wrap="square">
-            <a:spAutoFit/>
-          </a:bodyPr>
-          <a:lstStyle/>
-          <a:p>
-            <a:r>
-              <a:rPr lang="en-US" sz="3800" dirty="0" smtClean="0">
-                <a:latin typeface="Times New Roman"/>
-                <a:cs typeface="Times New Roman"/>
-              </a:rPr>
-              <a:t>    Most knowledge is stored in a textual format, but it is impossible for a person to absorb most of this knowledge due to the text’s length, redundancy, and complexity. </a:t>
-            </a:r>
-          </a:p>
-          <a:p>
-            <a:r>
-              <a:rPr lang="en-US" sz="3800" dirty="0" smtClean="0">
-                <a:latin typeface="Times New Roman"/>
-                <a:cs typeface="Times New Roman"/>
-                <a:sym typeface="Wingdings"/>
-              </a:rPr>
-              <a:t>    Automatic summarizers help distill the most important knowledge without needing to spend as much human power.</a:t>
-            </a:r>
           </a:p>
         </p:txBody>
       </p:sp>
@@ -4527,42 +3842,6 @@
             <a:endParaRPr lang="en-US" sz="4300" b="1" dirty="0">
               <a:latin typeface="Arial"/>
               <a:cs typeface="Arial"/>
-            </a:endParaRPr>
-          </a:p>
-        </p:txBody>
-      </p:sp>
-      <p:sp>
-        <p:nvSpPr>
-          <p:cNvPr id="79" name="TextBox 78"/>
-          <p:cNvSpPr txBox="1"/>
-          <p:nvPr/>
-        </p:nvSpPr>
-        <p:spPr>
-          <a:xfrm>
-            <a:off x="168649" y="4720143"/>
-            <a:ext cx="7493005" cy="1846659"/>
-          </a:xfrm>
-          <a:prstGeom prst="rect">
-            <a:avLst/>
-          </a:prstGeom>
-          <a:noFill/>
-        </p:spPr>
-        <p:txBody>
-          <a:bodyPr wrap="square" rtlCol="0">
-            <a:spAutoFit/>
-          </a:bodyPr>
-          <a:lstStyle/>
-          <a:p>
-            <a:r>
-              <a:rPr lang="en-US" sz="3800" dirty="0" smtClean="0">
-                <a:latin typeface="Times New Roman"/>
-                <a:cs typeface="Times New Roman"/>
-              </a:rPr>
-              <a:t>Given a document, summarize it by extracting the most important sentences. </a:t>
-            </a:r>
-            <a:endParaRPr lang="en-US" sz="3800" dirty="0">
-              <a:latin typeface="Times New Roman"/>
-              <a:cs typeface="Times New Roman"/>
             </a:endParaRPr>
           </a:p>
         </p:txBody>
@@ -4814,211 +4093,6 @@
             <a:endParaRPr lang="en-US" b="1" dirty="0">
               <a:latin typeface="Arial" charset="0"/>
             </a:endParaRPr>
-          </a:p>
-        </p:txBody>
-      </p:sp>
-      <p:sp>
-        <p:nvSpPr>
-          <p:cNvPr id="87" name="TextBox 86"/>
-          <p:cNvSpPr txBox="1"/>
-          <p:nvPr/>
-        </p:nvSpPr>
-        <p:spPr>
-          <a:xfrm>
-            <a:off x="19248065" y="14856346"/>
-            <a:ext cx="7832351" cy="3016210"/>
-          </a:xfrm>
-          <a:prstGeom prst="rect">
-            <a:avLst/>
-          </a:prstGeom>
-          <a:noFill/>
-        </p:spPr>
-        <p:txBody>
-          <a:bodyPr wrap="square" rtlCol="0">
-            <a:spAutoFit/>
-          </a:bodyPr>
-          <a:lstStyle/>
-          <a:p>
-            <a:pPr marL="571500" indent="-571500">
-              <a:buFontTx/>
-              <a:buChar char="-"/>
-            </a:pPr>
-            <a:r>
-              <a:rPr lang="en-US" sz="3800" dirty="0" smtClean="0">
-                <a:latin typeface="Times New Roman"/>
-                <a:cs typeface="Times New Roman"/>
-              </a:rPr>
-              <a:t>Importance varies &amp; is context-dependent,</a:t>
-            </a:r>
-            <a:r>
-              <a:rPr lang="en-US" sz="3800" dirty="0">
-                <a:latin typeface="Times New Roman"/>
-                <a:cs typeface="Times New Roman"/>
-              </a:rPr>
-              <a:t> </a:t>
-            </a:r>
-            <a:r>
-              <a:rPr lang="en-US" sz="3800" dirty="0" smtClean="0">
-                <a:latin typeface="Times New Roman"/>
-                <a:cs typeface="Times New Roman"/>
-              </a:rPr>
-              <a:t>hard to generalize</a:t>
-            </a:r>
-          </a:p>
-          <a:p>
-            <a:pPr marL="571500" indent="-571500">
-              <a:buFontTx/>
-              <a:buChar char="-"/>
-            </a:pPr>
-            <a:r>
-              <a:rPr lang="en-US" sz="3800" dirty="0" smtClean="0">
-                <a:latin typeface="Times New Roman"/>
-                <a:cs typeface="Times New Roman"/>
-              </a:rPr>
-              <a:t>High subjectivity</a:t>
-            </a:r>
-          </a:p>
-          <a:p>
-            <a:pPr marL="571500" indent="-571500">
-              <a:buFontTx/>
-              <a:buChar char="-"/>
-            </a:pPr>
-            <a:r>
-              <a:rPr lang="en-US" sz="3800" dirty="0" smtClean="0">
-                <a:latin typeface="Times New Roman"/>
-                <a:cs typeface="Times New Roman"/>
-              </a:rPr>
-              <a:t>Asymmetry between important and non-important sentences</a:t>
-            </a:r>
-            <a:endParaRPr lang="en-US" sz="3800" dirty="0">
-              <a:latin typeface="Times New Roman"/>
-              <a:cs typeface="Times New Roman"/>
-            </a:endParaRPr>
-          </a:p>
-        </p:txBody>
-      </p:sp>
-      <p:sp>
-        <p:nvSpPr>
-          <p:cNvPr id="97" name="TextBox 96"/>
-          <p:cNvSpPr txBox="1"/>
-          <p:nvPr/>
-        </p:nvSpPr>
-        <p:spPr>
-          <a:xfrm>
-            <a:off x="19293665" y="3759413"/>
-            <a:ext cx="8104526" cy="9941183"/>
-          </a:xfrm>
-          <a:prstGeom prst="rect">
-            <a:avLst/>
-          </a:prstGeom>
-          <a:noFill/>
-        </p:spPr>
-        <p:txBody>
-          <a:bodyPr wrap="square" rtlCol="0">
-            <a:spAutoFit/>
-          </a:bodyPr>
-          <a:lstStyle/>
-          <a:p>
-            <a:pPr marL="571500" indent="-571500">
-              <a:buFontTx/>
-              <a:buChar char="-"/>
-            </a:pPr>
-            <a:r>
-              <a:rPr lang="en-US" sz="4000" dirty="0" smtClean="0">
-                <a:latin typeface="Times New Roman"/>
-                <a:cs typeface="Times New Roman"/>
-              </a:rPr>
-              <a:t>The oracle performed poorly, implying that summarization is an inherently hard problem</a:t>
-            </a:r>
-            <a:endParaRPr lang="en-US" sz="4000" dirty="0">
-              <a:latin typeface="Times New Roman"/>
-              <a:cs typeface="Times New Roman"/>
-            </a:endParaRPr>
-          </a:p>
-          <a:p>
-            <a:pPr marL="571500" indent="-571500">
-              <a:buFontTx/>
-              <a:buChar char="-"/>
-            </a:pPr>
-            <a:r>
-              <a:rPr lang="en-US" sz="4000" dirty="0" smtClean="0">
-                <a:latin typeface="Times New Roman"/>
-                <a:cs typeface="Times New Roman"/>
-              </a:rPr>
-              <a:t>We improved baseline by changing our model from a holistic approach where we summarize one document at a time to one where we take context into account</a:t>
-            </a:r>
-          </a:p>
-          <a:p>
-            <a:pPr marL="571500" indent="-571500">
-              <a:buFontTx/>
-              <a:buChar char="-"/>
-            </a:pPr>
-            <a:r>
-              <a:rPr lang="en-US" sz="4000" dirty="0" smtClean="0">
-                <a:latin typeface="Times New Roman"/>
-                <a:cs typeface="Times New Roman"/>
-              </a:rPr>
-              <a:t>Training data precision ranged from 20-50%, </a:t>
-            </a:r>
-            <a:r>
-              <a:rPr lang="en-US" sz="4000" dirty="0">
-                <a:latin typeface="Times New Roman"/>
-                <a:cs typeface="Times New Roman"/>
-              </a:rPr>
-              <a:t>r</a:t>
-            </a:r>
-            <a:r>
-              <a:rPr lang="en-US" sz="4000" dirty="0" smtClean="0">
-                <a:latin typeface="Times New Roman"/>
-                <a:cs typeface="Times New Roman"/>
-              </a:rPr>
-              <a:t>ecall ranged from  30-70% </a:t>
-            </a:r>
-            <a:r>
-              <a:rPr lang="en-US" sz="4000" dirty="0" smtClean="0">
-                <a:latin typeface="Times New Roman"/>
-                <a:cs typeface="Times New Roman"/>
-                <a:sym typeface="Wingdings"/>
-              </a:rPr>
-              <a:t> data has high variance</a:t>
-            </a:r>
-            <a:endParaRPr lang="en-US" sz="4000" dirty="0" smtClean="0">
-              <a:latin typeface="Times New Roman"/>
-              <a:cs typeface="Times New Roman"/>
-            </a:endParaRPr>
-          </a:p>
-          <a:p>
-            <a:pPr marL="571500" indent="-571500">
-              <a:buFontTx/>
-              <a:buChar char="-"/>
-            </a:pPr>
-            <a:r>
-              <a:rPr lang="en-US" sz="4000" dirty="0">
-                <a:latin typeface="Times New Roman"/>
-                <a:cs typeface="Times New Roman"/>
-              </a:rPr>
-              <a:t>C</a:t>
-            </a:r>
-            <a:r>
-              <a:rPr lang="en-US" sz="4000" dirty="0" smtClean="0">
-                <a:latin typeface="Times New Roman"/>
-                <a:cs typeface="Times New Roman"/>
-              </a:rPr>
-              <a:t>lassifiers mostly had high training accuracy on low # of documents</a:t>
-            </a:r>
-          </a:p>
-          <a:p>
-            <a:pPr marL="571500" indent="-571500">
-              <a:buFontTx/>
-              <a:buChar char="-"/>
-            </a:pPr>
-            <a:r>
-              <a:rPr lang="en-US" sz="4000" dirty="0" smtClean="0">
-                <a:latin typeface="Times New Roman"/>
-                <a:cs typeface="Times New Roman"/>
-              </a:rPr>
-              <a:t>Training performance degrades with more training documents, so training data has high variance</a:t>
-            </a:r>
           </a:p>
         </p:txBody>
       </p:sp>

--- a/poster.pptx
+++ b/poster.pptx
@@ -3892,7 +3892,7 @@
         </p:nvSpPr>
         <p:spPr bwMode="auto">
           <a:xfrm>
-            <a:off x="8297334" y="11634895"/>
+            <a:off x="8295630" y="8657216"/>
             <a:ext cx="10586496" cy="889433"/>
           </a:xfrm>
           <a:prstGeom prst="rect">
@@ -4213,6 +4213,427 @@
           </a:p>
         </p:txBody>
       </p:sp>
+      <p:graphicFrame>
+        <p:nvGraphicFramePr>
+          <p:cNvPr id="8" name="Table 7"/>
+          <p:cNvGraphicFramePr>
+            <a:graphicFrameLocks noGrp="1"/>
+          </p:cNvGraphicFramePr>
+          <p:nvPr>
+            <p:extLst>
+              <p:ext uri="{D42A27DB-BD31-4B8C-83A1-F6EECF244321}">
+                <p14:modId xmlns:p14="http://schemas.microsoft.com/office/powerpoint/2010/main" val="1091837964"/>
+              </p:ext>
+            </p:extLst>
+          </p:nvPr>
+        </p:nvGraphicFramePr>
+        <p:xfrm>
+          <a:off x="8295630" y="9546649"/>
+          <a:ext cx="10584789" cy="8570618"/>
+        </p:xfrm>
+        <a:graphic>
+          <a:graphicData uri="http://schemas.openxmlformats.org/drawingml/2006/table">
+            <a:tbl>
+              <a:tblPr firstRow="1" bandRow="1">
+                <a:tableStyleId>{D7AC3CCA-C797-4891-BE02-D94E43425B78}</a:tableStyleId>
+              </a:tblPr>
+              <a:tblGrid>
+                <a:gridCol w="3528263"/>
+                <a:gridCol w="3528263"/>
+                <a:gridCol w="3528263"/>
+              </a:tblGrid>
+              <a:tr h="600229">
+                <a:tc>
+                  <a:txBody>
+                    <a:bodyPr/>
+                    <a:lstStyle/>
+                    <a:p>
+                      <a:pPr algn="ctr"/>
+                      <a:r>
+                        <a:rPr lang="en-US" sz="4800" dirty="0" smtClean="0"/>
+                        <a:t>Type</a:t>
+                      </a:r>
+                      <a:endParaRPr lang="en-US" sz="4800" dirty="0"/>
+                    </a:p>
+                  </a:txBody>
+                  <a:tcPr/>
+                </a:tc>
+                <a:tc>
+                  <a:txBody>
+                    <a:bodyPr/>
+                    <a:lstStyle/>
+                    <a:p>
+                      <a:pPr algn="ctr"/>
+                      <a:r>
+                        <a:rPr lang="en-US" sz="4800" dirty="0" smtClean="0"/>
+                        <a:t>Train</a:t>
+                      </a:r>
+                      <a:endParaRPr lang="en-US" sz="4800" dirty="0"/>
+                    </a:p>
+                  </a:txBody>
+                  <a:tcPr/>
+                </a:tc>
+                <a:tc>
+                  <a:txBody>
+                    <a:bodyPr/>
+                    <a:lstStyle/>
+                    <a:p>
+                      <a:pPr algn="ctr"/>
+                      <a:r>
+                        <a:rPr lang="en-US" sz="4800" dirty="0" err="1" smtClean="0"/>
+                        <a:t>Dev</a:t>
+                      </a:r>
+                      <a:endParaRPr lang="en-US" sz="4800" dirty="0"/>
+                    </a:p>
+                  </a:txBody>
+                  <a:tcPr/>
+                </a:tc>
+              </a:tr>
+              <a:tr h="952115">
+                <a:tc>
+                  <a:txBody>
+                    <a:bodyPr/>
+                    <a:lstStyle/>
+                    <a:p>
+                      <a:pPr algn="l"/>
+                      <a:r>
+                        <a:rPr lang="en-US" sz="3200" dirty="0" smtClean="0"/>
+                        <a:t>Baseline (1-gram</a:t>
+                      </a:r>
+                      <a:r>
+                        <a:rPr lang="en-US" sz="3200" baseline="0" dirty="0" smtClean="0"/>
+                        <a:t> on functions)</a:t>
+                      </a:r>
+                      <a:endParaRPr lang="en-US" sz="3200" dirty="0"/>
+                    </a:p>
+                  </a:txBody>
+                  <a:tcPr/>
+                </a:tc>
+                <a:tc>
+                  <a:txBody>
+                    <a:bodyPr/>
+                    <a:lstStyle/>
+                    <a:p>
+                      <a:pPr algn="ctr"/>
+                      <a:r>
+                        <a:rPr lang="en-US" sz="3200" dirty="0" smtClean="0"/>
+                        <a:t>0.3232</a:t>
+                      </a:r>
+                      <a:endParaRPr lang="en-US" sz="3200" dirty="0"/>
+                    </a:p>
+                  </a:txBody>
+                  <a:tcPr/>
+                </a:tc>
+                <a:tc>
+                  <a:txBody>
+                    <a:bodyPr/>
+                    <a:lstStyle/>
+                    <a:p>
+                      <a:pPr algn="ctr"/>
+                      <a:r>
+                        <a:rPr lang="en-US" sz="3200" dirty="0" smtClean="0"/>
+                        <a:t>0.3246</a:t>
+                      </a:r>
+                      <a:endParaRPr lang="en-US" sz="3200" dirty="0"/>
+                    </a:p>
+                  </a:txBody>
+                  <a:tcPr/>
+                </a:tc>
+              </a:tr>
+              <a:tr h="1387368">
+                <a:tc>
+                  <a:txBody>
+                    <a:bodyPr/>
+                    <a:lstStyle/>
+                    <a:p>
+                      <a:pPr algn="l"/>
+                      <a:r>
+                        <a:rPr lang="en-US" sz="3200" dirty="0" smtClean="0"/>
+                        <a:t>Baseline (1-4 grams,</a:t>
+                      </a:r>
+                      <a:r>
+                        <a:rPr lang="en-US" sz="3200" baseline="0" dirty="0" smtClean="0"/>
+                        <a:t> function </a:t>
+                      </a:r>
+                      <a:r>
+                        <a:rPr lang="en-US" sz="3200" baseline="0" dirty="0" err="1" smtClean="0"/>
+                        <a:t>args</a:t>
+                      </a:r>
+                      <a:r>
+                        <a:rPr lang="en-US" sz="3200" baseline="0" dirty="0" smtClean="0"/>
+                        <a:t>). 95k features</a:t>
+                      </a:r>
+                      <a:endParaRPr lang="en-US" sz="3200" dirty="0"/>
+                    </a:p>
+                  </a:txBody>
+                  <a:tcPr/>
+                </a:tc>
+                <a:tc>
+                  <a:txBody>
+                    <a:bodyPr/>
+                    <a:lstStyle/>
+                    <a:p>
+                      <a:pPr algn="ctr"/>
+                      <a:r>
+                        <a:rPr lang="en-US" sz="3200" dirty="0" smtClean="0"/>
+                        <a:t>0.6371</a:t>
+                      </a:r>
+                      <a:endParaRPr lang="en-US" sz="3200" dirty="0"/>
+                    </a:p>
+                  </a:txBody>
+                  <a:tcPr/>
+                </a:tc>
+                <a:tc>
+                  <a:txBody>
+                    <a:bodyPr/>
+                    <a:lstStyle/>
+                    <a:p>
+                      <a:pPr algn="ctr"/>
+                      <a:r>
+                        <a:rPr lang="en-US" sz="3200" dirty="0" smtClean="0"/>
+                        <a:t>0.6272</a:t>
+                      </a:r>
+                      <a:endParaRPr lang="en-US" sz="3200" dirty="0"/>
+                    </a:p>
+                  </a:txBody>
+                  <a:tcPr/>
+                </a:tc>
+              </a:tr>
+              <a:tr h="952115">
+                <a:tc>
+                  <a:txBody>
+                    <a:bodyPr/>
+                    <a:lstStyle/>
+                    <a:p>
+                      <a:pPr algn="l"/>
+                      <a:r>
+                        <a:rPr lang="en-US" sz="3200" dirty="0" smtClean="0"/>
+                        <a:t>Word</a:t>
+                      </a:r>
+                      <a:r>
+                        <a:rPr lang="en-US" sz="3200" baseline="0" dirty="0" smtClean="0"/>
+                        <a:t> Vectors w/ negative sample</a:t>
+                      </a:r>
+                      <a:endParaRPr lang="en-US" sz="3200" dirty="0"/>
+                    </a:p>
+                  </a:txBody>
+                  <a:tcPr/>
+                </a:tc>
+                <a:tc>
+                  <a:txBody>
+                    <a:bodyPr/>
+                    <a:lstStyle/>
+                    <a:p>
+                      <a:pPr algn="ctr"/>
+                      <a:endParaRPr lang="en-US" sz="3200" dirty="0"/>
+                    </a:p>
+                  </a:txBody>
+                  <a:tcPr/>
+                </a:tc>
+                <a:tc>
+                  <a:txBody>
+                    <a:bodyPr/>
+                    <a:lstStyle/>
+                    <a:p>
+                      <a:pPr algn="ctr"/>
+                      <a:endParaRPr lang="en-US" sz="3200"/>
+                    </a:p>
+                  </a:txBody>
+                  <a:tcPr/>
+                </a:tc>
+              </a:tr>
+              <a:tr h="952115">
+                <a:tc>
+                  <a:txBody>
+                    <a:bodyPr/>
+                    <a:lstStyle/>
+                    <a:p>
+                      <a:pPr algn="l"/>
+                      <a:r>
+                        <a:rPr lang="en-US" sz="3200" dirty="0" smtClean="0"/>
+                        <a:t>Siamese</a:t>
+                      </a:r>
+                      <a:r>
+                        <a:rPr lang="en-US" sz="3200" baseline="0" dirty="0" smtClean="0"/>
+                        <a:t> w/ word vector </a:t>
+                      </a:r>
+                      <a:r>
+                        <a:rPr lang="en-US" sz="3200" baseline="0" dirty="0" err="1" smtClean="0"/>
+                        <a:t>backprop</a:t>
+                      </a:r>
+                      <a:endParaRPr lang="en-US" sz="3200" dirty="0"/>
+                    </a:p>
+                  </a:txBody>
+                  <a:tcPr/>
+                </a:tc>
+                <a:tc>
+                  <a:txBody>
+                    <a:bodyPr/>
+                    <a:lstStyle/>
+                    <a:p>
+                      <a:pPr algn="ctr"/>
+                      <a:r>
+                        <a:rPr lang="en-US" sz="3200" dirty="0" smtClean="0"/>
+                        <a:t>0.6442</a:t>
+                      </a:r>
+                      <a:endParaRPr lang="en-US" sz="3200" dirty="0"/>
+                    </a:p>
+                  </a:txBody>
+                  <a:tcPr/>
+                </a:tc>
+                <a:tc>
+                  <a:txBody>
+                    <a:bodyPr/>
+                    <a:lstStyle/>
+                    <a:p>
+                      <a:pPr algn="ctr"/>
+                      <a:r>
+                        <a:rPr lang="en-US" sz="3200" dirty="0" smtClean="0"/>
+                        <a:t>0.6378</a:t>
+                      </a:r>
+                      <a:endParaRPr lang="en-US" sz="3200" dirty="0"/>
+                    </a:p>
+                  </a:txBody>
+                  <a:tcPr/>
+                </a:tc>
+              </a:tr>
+              <a:tr h="1387368">
+                <a:tc>
+                  <a:txBody>
+                    <a:bodyPr/>
+                    <a:lstStyle/>
+                    <a:p>
+                      <a:pPr algn="l"/>
+                      <a:r>
+                        <a:rPr lang="en-US" sz="3200" dirty="0" smtClean="0"/>
+                        <a:t>Siamese w/</a:t>
+                      </a:r>
+                      <a:r>
+                        <a:rPr lang="en-US" sz="3200" baseline="0" dirty="0" smtClean="0"/>
+                        <a:t> </a:t>
+                      </a:r>
+                      <a:r>
+                        <a:rPr lang="en-US" sz="3200" baseline="0" dirty="0" err="1" smtClean="0"/>
+                        <a:t>neg</a:t>
+                      </a:r>
+                      <a:r>
+                        <a:rPr lang="en-US" sz="3200" baseline="0" dirty="0" smtClean="0"/>
+                        <a:t> sample, w/o word vector </a:t>
+                      </a:r>
+                      <a:r>
+                        <a:rPr lang="en-US" sz="3200" baseline="0" dirty="0" err="1" smtClean="0"/>
+                        <a:t>backprop</a:t>
+                      </a:r>
+                      <a:endParaRPr lang="en-US" sz="3200" dirty="0"/>
+                    </a:p>
+                  </a:txBody>
+                  <a:tcPr/>
+                </a:tc>
+                <a:tc>
+                  <a:txBody>
+                    <a:bodyPr/>
+                    <a:lstStyle/>
+                    <a:p>
+                      <a:pPr algn="ctr"/>
+                      <a:r>
+                        <a:rPr lang="en-US" sz="3200" dirty="0" smtClean="0"/>
+                        <a:t>0.8278</a:t>
+                      </a:r>
+                      <a:endParaRPr lang="en-US" sz="3200" dirty="0"/>
+                    </a:p>
+                  </a:txBody>
+                  <a:tcPr/>
+                </a:tc>
+                <a:tc>
+                  <a:txBody>
+                    <a:bodyPr/>
+                    <a:lstStyle/>
+                    <a:p>
+                      <a:pPr algn="ctr"/>
+                      <a:r>
+                        <a:rPr lang="en-US" sz="3200" dirty="0" smtClean="0"/>
+                        <a:t>0.8105</a:t>
+                      </a:r>
+                      <a:endParaRPr lang="en-US" sz="3200" dirty="0"/>
+                    </a:p>
+                  </a:txBody>
+                  <a:tcPr/>
+                </a:tc>
+              </a:tr>
+              <a:tr h="719149">
+                <a:tc>
+                  <a:txBody>
+                    <a:bodyPr/>
+                    <a:lstStyle/>
+                    <a:p>
+                      <a:pPr algn="ctr"/>
+                      <a:endParaRPr lang="en-US" sz="3200" dirty="0"/>
+                    </a:p>
+                  </a:txBody>
+                  <a:tcPr/>
+                </a:tc>
+                <a:tc>
+                  <a:txBody>
+                    <a:bodyPr/>
+                    <a:lstStyle/>
+                    <a:p>
+                      <a:pPr algn="ctr"/>
+                      <a:endParaRPr lang="en-US" sz="3200" dirty="0"/>
+                    </a:p>
+                  </a:txBody>
+                  <a:tcPr/>
+                </a:tc>
+                <a:tc>
+                  <a:txBody>
+                    <a:bodyPr/>
+                    <a:lstStyle/>
+                    <a:p>
+                      <a:pPr algn="ctr"/>
+                      <a:endParaRPr lang="en-US" sz="3200"/>
+                    </a:p>
+                  </a:txBody>
+                  <a:tcPr/>
+                </a:tc>
+              </a:tr>
+              <a:tr h="719149">
+                <a:tc>
+                  <a:txBody>
+                    <a:bodyPr/>
+                    <a:lstStyle/>
+                    <a:p>
+                      <a:pPr algn="ctr"/>
+                      <a:endParaRPr lang="en-US" sz="3200"/>
+                    </a:p>
+                  </a:txBody>
+                  <a:tcPr/>
+                </a:tc>
+                <a:tc>
+                  <a:txBody>
+                    <a:bodyPr/>
+                    <a:lstStyle/>
+                    <a:p>
+                      <a:pPr algn="ctr"/>
+                      <a:endParaRPr lang="en-US" sz="3200" dirty="0"/>
+                    </a:p>
+                  </a:txBody>
+                  <a:tcPr/>
+                </a:tc>
+                <a:tc>
+                  <a:txBody>
+                    <a:bodyPr/>
+                    <a:lstStyle/>
+                    <a:p>
+                      <a:pPr algn="ctr"/>
+                      <a:endParaRPr lang="en-US" sz="3200" dirty="0"/>
+                    </a:p>
+                  </a:txBody>
+                  <a:tcPr/>
+                </a:tc>
+              </a:tr>
+            </a:tbl>
+          </a:graphicData>
+        </a:graphic>
+      </p:graphicFrame>
     </p:spTree>
     <p:extLst>
       <p:ext uri="{BB962C8B-B14F-4D97-AF65-F5344CB8AC3E}">

--- a/poster.pptx
+++ b/poster.pptx
@@ -3548,8 +3548,8 @@
         </p:nvSpPr>
         <p:spPr>
           <a:xfrm>
-            <a:off x="3890526" y="238676"/>
-            <a:ext cx="20354169" cy="1400383"/>
+            <a:off x="2900231" y="238676"/>
+            <a:ext cx="24231057" cy="1400383"/>
           </a:xfrm>
           <a:prstGeom prst="rect">
             <a:avLst/>
@@ -3567,7 +3567,7 @@
                 <a:latin typeface="Arial"/>
                 <a:cs typeface="Arial"/>
               </a:rPr>
-              <a:t>Deep Learning for Program Generation</a:t>
+              <a:t>Deep Learning for Simple Program Generation</a:t>
             </a:r>
             <a:endParaRPr lang="en-US" sz="8500" b="1" dirty="0">
               <a:latin typeface="Arial"/>
@@ -4222,14 +4222,14 @@
           <p:nvPr>
             <p:extLst>
               <p:ext uri="{D42A27DB-BD31-4B8C-83A1-F6EECF244321}">
-                <p14:modId xmlns:p14="http://schemas.microsoft.com/office/powerpoint/2010/main" val="1091837964"/>
+                <p14:modId xmlns:p14="http://schemas.microsoft.com/office/powerpoint/2010/main" val="836210354"/>
               </p:ext>
             </p:extLst>
           </p:nvPr>
         </p:nvGraphicFramePr>
         <p:xfrm>
           <a:off x="8295630" y="9546649"/>
-          <a:ext cx="10584789" cy="8570618"/>
+          <a:ext cx="10584789" cy="8601952"/>
         </p:xfrm>
         <a:graphic>
           <a:graphicData uri="http://schemas.openxmlformats.org/drawingml/2006/table">
@@ -4238,11 +4238,11 @@
                 <a:tableStyleId>{D7AC3CCA-C797-4891-BE02-D94E43425B78}</a:tableStyleId>
               </a:tblPr>
               <a:tblGrid>
-                <a:gridCol w="3528263"/>
-                <a:gridCol w="3528263"/>
+                <a:gridCol w="4800298"/>
+                <a:gridCol w="2256228"/>
                 <a:gridCol w="3528263"/>
               </a:tblGrid>
-              <a:tr h="600229">
+              <a:tr h="800500">
                 <a:tc>
                   <a:txBody>
                     <a:bodyPr/>
@@ -4289,7 +4289,7 @@
                   <a:tcPr/>
                 </a:tc>
               </a:tr>
-              <a:tr h="952115">
+              <a:tr h="1037685">
                 <a:tc>
                   <a:txBody>
                     <a:bodyPr/>
@@ -4340,7 +4340,7 @@
                   <a:tcPr/>
                 </a:tc>
               </a:tr>
-              <a:tr h="1387368">
+              <a:tr h="1512056">
                 <a:tc>
                   <a:txBody>
                     <a:bodyPr/>
@@ -4399,7 +4399,7 @@
                   <a:tcPr/>
                 </a:tc>
               </a:tr>
-              <a:tr h="952115">
+              <a:tr h="1037685">
                 <a:tc>
                   <a:txBody>
                     <a:bodyPr/>
@@ -4425,6 +4425,10 @@
                     <a:lstStyle/>
                     <a:p>
                       <a:pPr algn="ctr"/>
+                      <a:r>
+                        <a:rPr lang="en-US" sz="3200" dirty="0" smtClean="0"/>
+                        <a:t>0.6279</a:t>
+                      </a:r>
                       <a:endParaRPr lang="en-US" sz="3200" dirty="0"/>
                     </a:p>
                   </a:txBody>
@@ -4436,13 +4440,17 @@
                     <a:lstStyle/>
                     <a:p>
                       <a:pPr algn="ctr"/>
-                      <a:endParaRPr lang="en-US" sz="3200"/>
+                      <a:r>
+                        <a:rPr lang="en-US" sz="3200" dirty="0" smtClean="0"/>
+                        <a:t>0.5425</a:t>
+                      </a:r>
+                      <a:endParaRPr lang="en-US" sz="3200" dirty="0"/>
                     </a:p>
                   </a:txBody>
                   <a:tcPr/>
                 </a:tc>
               </a:tr>
-              <a:tr h="952115">
+              <a:tr h="1037685">
                 <a:tc>
                   <a:txBody>
                     <a:bodyPr/>
@@ -4497,7 +4505,7 @@
                   <a:tcPr/>
                 </a:tc>
               </a:tr>
-              <a:tr h="1387368">
+              <a:tr h="1512056">
                 <a:tc>
                   <a:txBody>
                     <a:bodyPr/>
@@ -4560,13 +4568,25 @@
                   <a:tcPr/>
                 </a:tc>
               </a:tr>
-              <a:tr h="719149">
+              <a:tr h="1496074">
                 <a:tc>
                   <a:txBody>
                     <a:bodyPr/>
                     <a:lstStyle/>
                     <a:p>
-                      <a:pPr algn="ctr"/>
+                      <a:pPr algn="l"/>
+                      <a:r>
+                        <a:rPr lang="en-US" sz="3200" dirty="0" smtClean="0"/>
+                        <a:t>RNN w/ word vector </a:t>
+                      </a:r>
+                      <a:r>
+                        <a:rPr lang="en-US" sz="3200" dirty="0" err="1" smtClean="0"/>
+                        <a:t>backprop</a:t>
+                      </a:r>
+                      <a:r>
+                        <a:rPr lang="en-US" sz="3200" dirty="0" smtClean="0"/>
+                        <a:t>, negative sampling</a:t>
+                      </a:r>
                       <a:endParaRPr lang="en-US" sz="3200" dirty="0"/>
                     </a:p>
                   </a:txBody>
@@ -4578,6 +4598,10 @@
                     <a:lstStyle/>
                     <a:p>
                       <a:pPr algn="ctr"/>
+                      <a:r>
+                        <a:rPr lang="en-US" sz="3200" dirty="0" smtClean="0"/>
+                        <a:t>0.9711</a:t>
+                      </a:r>
                       <a:endParaRPr lang="en-US" sz="3200" dirty="0"/>
                     </a:p>
                   </a:txBody>
@@ -4589,41 +4613,10 @@
                     <a:lstStyle/>
                     <a:p>
                       <a:pPr algn="ctr"/>
-                      <a:endParaRPr lang="en-US" sz="3200"/>
-                    </a:p>
-                  </a:txBody>
-                  <a:tcPr/>
-                </a:tc>
-              </a:tr>
-              <a:tr h="719149">
-                <a:tc>
-                  <a:txBody>
-                    <a:bodyPr/>
-                    <a:lstStyle/>
-                    <a:p>
-                      <a:pPr algn="ctr"/>
-                      <a:endParaRPr lang="en-US" sz="3200"/>
-                    </a:p>
-                  </a:txBody>
-                  <a:tcPr/>
-                </a:tc>
-                <a:tc>
-                  <a:txBody>
-                    <a:bodyPr/>
-                    <a:lstStyle/>
-                    <a:p>
-                      <a:pPr algn="ctr"/>
-                      <a:endParaRPr lang="en-US" sz="3200" dirty="0"/>
-                    </a:p>
-                  </a:txBody>
-                  <a:tcPr/>
-                </a:tc>
-                <a:tc>
-                  <a:txBody>
-                    <a:bodyPr/>
-                    <a:lstStyle/>
-                    <a:p>
-                      <a:pPr algn="ctr"/>
+                      <a:r>
+                        <a:rPr lang="en-US" sz="3200" dirty="0" smtClean="0"/>
+                        <a:t>0.9721</a:t>
+                      </a:r>
                       <a:endParaRPr lang="en-US" sz="3200" dirty="0"/>
                     </a:p>
                   </a:txBody>
@@ -4634,6 +4627,36 @@
           </a:graphicData>
         </a:graphic>
       </p:graphicFrame>
+      <p:sp>
+        <p:nvSpPr>
+          <p:cNvPr id="10" name="TextBox 9"/>
+          <p:cNvSpPr txBox="1"/>
+          <p:nvPr/>
+        </p:nvSpPr>
+        <p:spPr>
+          <a:xfrm>
+            <a:off x="167187" y="5133155"/>
+            <a:ext cx="7494467" cy="877163"/>
+          </a:xfrm>
+          <a:prstGeom prst="rect">
+            <a:avLst/>
+          </a:prstGeom>
+          <a:noFill/>
+        </p:spPr>
+        <p:txBody>
+          <a:bodyPr wrap="square" rtlCol="0">
+            <a:spAutoFit/>
+          </a:bodyPr>
+          <a:lstStyle/>
+          <a:p>
+            <a:r>
+              <a:rPr lang="en-US" dirty="0" smtClean="0"/>
+              <a:t>Our goal is to generate </a:t>
+            </a:r>
+            <a:endParaRPr lang="en-US" dirty="0"/>
+          </a:p>
+        </p:txBody>
+      </p:sp>
     </p:spTree>
     <p:extLst>
       <p:ext uri="{BB962C8B-B14F-4D97-AF65-F5344CB8AC3E}">

--- a/poster.pptx
+++ b/poster.pptx
@@ -5,10 +5,11 @@
     <p:sldMasterId id="2147483648" r:id="rId1"/>
   </p:sldMasterIdLst>
   <p:notesMasterIdLst>
-    <p:notesMasterId r:id="rId3"/>
+    <p:notesMasterId r:id="rId4"/>
   </p:notesMasterIdLst>
   <p:sldIdLst>
     <p:sldId id="257" r:id="rId2"/>
+    <p:sldId id="258" r:id="rId3"/>
   </p:sldIdLst>
   <p:sldSz cx="27432000" cy="18288000"/>
   <p:notesSz cx="6858000" cy="9144000"/>
@@ -534,6 +535,98 @@
             <a:fld id="{5C00BD9C-4602-454B-AC7C-9BDD37EF7833}" type="slidenum">
               <a:rPr lang="en-US" smtClean="0"/>
               <a:t>1</a:t>
+            </a:fld>
+            <a:endParaRPr lang="en-US"/>
+          </a:p>
+        </p:txBody>
+      </p:sp>
+    </p:spTree>
+    <p:extLst>
+      <p:ext uri="{BB962C8B-B14F-4D97-AF65-F5344CB8AC3E}">
+        <p14:creationId xmlns:p14="http://schemas.microsoft.com/office/powerpoint/2010/main" val="649869560"/>
+      </p:ext>
+    </p:extLst>
+  </p:cSld>
+  <p:clrMapOvr>
+    <a:masterClrMapping/>
+  </p:clrMapOvr>
+</p:notes>
+</file>
+
+<file path=ppt/notesSlides/notesSlide2.xml><?xml version="1.0" encoding="utf-8"?>
+<p:notes xmlns:a="http://schemas.openxmlformats.org/drawingml/2006/main" xmlns:r="http://schemas.openxmlformats.org/officeDocument/2006/relationships" xmlns:p="http://schemas.openxmlformats.org/presentationml/2006/main">
+  <p:cSld>
+    <p:spTree>
+      <p:nvGrpSpPr>
+        <p:cNvPr id="1" name=""/>
+        <p:cNvGrpSpPr/>
+        <p:nvPr/>
+      </p:nvGrpSpPr>
+      <p:grpSpPr>
+        <a:xfrm>
+          <a:off x="0" y="0"/>
+          <a:ext cx="0" cy="0"/>
+          <a:chOff x="0" y="0"/>
+          <a:chExt cx="0" cy="0"/>
+        </a:xfrm>
+      </p:grpSpPr>
+      <p:sp>
+        <p:nvSpPr>
+          <p:cNvPr id="2" name="Slide Image Placeholder 1"/>
+          <p:cNvSpPr>
+            <a:spLocks noGrp="1" noRot="1" noChangeAspect="1"/>
+          </p:cNvSpPr>
+          <p:nvPr>
+            <p:ph type="sldImg"/>
+          </p:nvPr>
+        </p:nvSpPr>
+        <p:spPr/>
+      </p:sp>
+      <p:sp>
+        <p:nvSpPr>
+          <p:cNvPr id="3" name="Notes Placeholder 2"/>
+          <p:cNvSpPr>
+            <a:spLocks noGrp="1"/>
+          </p:cNvSpPr>
+          <p:nvPr>
+            <p:ph type="body" idx="1"/>
+          </p:nvPr>
+        </p:nvSpPr>
+        <p:spPr/>
+        <p:txBody>
+          <a:bodyPr/>
+          <a:lstStyle/>
+          <a:p>
+            <a:r>
+              <a:rPr lang="en-US" dirty="0" smtClean="0"/>
+              <a:t>Include challenges in </a:t>
+            </a:r>
+            <a:r>
+              <a:rPr lang="en-US" smtClean="0"/>
+              <a:t>the conclusion</a:t>
+            </a:r>
+            <a:endParaRPr lang="en-US"/>
+          </a:p>
+        </p:txBody>
+      </p:sp>
+      <p:sp>
+        <p:nvSpPr>
+          <p:cNvPr id="4" name="Slide Number Placeholder 3"/>
+          <p:cNvSpPr>
+            <a:spLocks noGrp="1"/>
+          </p:cNvSpPr>
+          <p:nvPr>
+            <p:ph type="sldNum" sz="quarter" idx="10"/>
+          </p:nvPr>
+        </p:nvSpPr>
+        <p:spPr/>
+        <p:txBody>
+          <a:bodyPr/>
+          <a:lstStyle/>
+          <a:p>
+            <a:fld id="{5C00BD9C-4602-454B-AC7C-9BDD37EF7833}" type="slidenum">
+              <a:rPr lang="en-US" smtClean="0"/>
+              <a:t>2</a:t>
             </a:fld>
             <a:endParaRPr lang="en-US"/>
           </a:p>
@@ -3604,13 +3697,7 @@
               <a:rPr lang="en-US" sz="5200" dirty="0" smtClean="0">
                 <a:ea typeface="ＭＳ Ｐゴシック" charset="0"/>
               </a:rPr>
-              <a:t>Reginald </a:t>
-            </a:r>
-            <a:r>
-              <a:rPr lang="en-US" sz="5200" dirty="0" smtClean="0">
-                <a:ea typeface="ＭＳ Ｐゴシック" charset="0"/>
-              </a:rPr>
-              <a:t>Long</a:t>
+              <a:t>Reginald Long</a:t>
             </a:r>
             <a:r>
               <a:rPr lang="en-US" sz="5200" dirty="0">
@@ -3782,7 +3869,7 @@
         </p:nvSpPr>
         <p:spPr>
           <a:xfrm>
-            <a:off x="167187" y="6773791"/>
+            <a:off x="167187" y="6437363"/>
             <a:ext cx="4964201" cy="754053"/>
           </a:xfrm>
           <a:prstGeom prst="rect">
@@ -3818,7 +3905,7 @@
         </p:nvSpPr>
         <p:spPr>
           <a:xfrm>
-            <a:off x="167187" y="13246626"/>
+            <a:off x="275078" y="11219680"/>
             <a:ext cx="4749605" cy="754053"/>
           </a:xfrm>
           <a:prstGeom prst="rect">
@@ -4222,14 +4309,14 @@
           <p:nvPr>
             <p:extLst>
               <p:ext uri="{D42A27DB-BD31-4B8C-83A1-F6EECF244321}">
-                <p14:modId xmlns:p14="http://schemas.microsoft.com/office/powerpoint/2010/main" val="836210354"/>
+                <p14:modId xmlns:p14="http://schemas.microsoft.com/office/powerpoint/2010/main" val="432505387"/>
               </p:ext>
             </p:extLst>
           </p:nvPr>
         </p:nvGraphicFramePr>
         <p:xfrm>
           <a:off x="8295630" y="9546649"/>
-          <a:ext cx="10584789" cy="8601952"/>
+          <a:ext cx="10584789" cy="8686800"/>
         </p:xfrm>
         <a:graphic>
           <a:graphicData uri="http://schemas.openxmlformats.org/drawingml/2006/table">
@@ -4302,7 +4389,7 @@
                       </a:r>
                       <a:r>
                         <a:rPr lang="en-US" sz="3200" baseline="0" dirty="0" smtClean="0"/>
-                        <a:t> on functions)</a:t>
+                        <a:t> on functions) 16k iterations</a:t>
                       </a:r>
                       <a:endParaRPr lang="en-US" sz="3200" dirty="0"/>
                     </a:p>
@@ -4361,7 +4448,7 @@
                       </a:r>
                       <a:r>
                         <a:rPr lang="en-US" sz="3200" baseline="0" dirty="0" smtClean="0"/>
-                        <a:t>). 95k features</a:t>
+                        <a:t>). 40k iterations.</a:t>
                       </a:r>
                       <a:endParaRPr lang="en-US" sz="3200" dirty="0"/>
                     </a:p>
@@ -4412,7 +4499,7 @@
                       </a:r>
                       <a:r>
                         <a:rPr lang="en-US" sz="3200" baseline="0" dirty="0" smtClean="0"/>
-                        <a:t> Vectors w/ negative sample</a:t>
+                        <a:t> Vectors w/ negative sample. 1 million iterations</a:t>
                       </a:r>
                       <a:endParaRPr lang="en-US" sz="3200" dirty="0"/>
                     </a:p>
@@ -4469,6 +4556,10 @@
                         <a:rPr lang="en-US" sz="3200" baseline="0" dirty="0" err="1" smtClean="0"/>
                         <a:t>backprop</a:t>
                       </a:r>
+                      <a:r>
+                        <a:rPr lang="en-US" sz="3200" baseline="0" dirty="0" smtClean="0"/>
+                        <a:t>. 100k iterations</a:t>
+                      </a:r>
                       <a:endParaRPr lang="en-US" sz="3200" dirty="0"/>
                     </a:p>
                   </a:txBody>
@@ -4532,6 +4623,10 @@
                         <a:rPr lang="en-US" sz="3200" baseline="0" dirty="0" err="1" smtClean="0"/>
                         <a:t>backprop</a:t>
                       </a:r>
+                      <a:r>
+                        <a:rPr lang="en-US" sz="3200" baseline="0" dirty="0" smtClean="0"/>
+                        <a:t>. 100k iterations</a:t>
+                      </a:r>
                       <a:endParaRPr lang="en-US" sz="3200" dirty="0"/>
                     </a:p>
                   </a:txBody>
@@ -4585,7 +4680,7 @@
                       </a:r>
                       <a:r>
                         <a:rPr lang="en-US" sz="3200" dirty="0" smtClean="0"/>
-                        <a:t>, negative sampling</a:t>
+                        <a:t>, negative sampling. 10k iterations.</a:t>
                       </a:r>
                       <a:endParaRPr lang="en-US" sz="3200" dirty="0"/>
                     </a:p>
@@ -4635,8 +4730,8 @@
         </p:nvSpPr>
         <p:spPr>
           <a:xfrm>
-            <a:off x="167187" y="5133155"/>
-            <a:ext cx="7494467" cy="877163"/>
+            <a:off x="167187" y="4577469"/>
+            <a:ext cx="7494467" cy="1754327"/>
           </a:xfrm>
           <a:prstGeom prst="rect">
             <a:avLst/>
@@ -4650,10 +4745,78 @@
           <a:lstStyle/>
           <a:p>
             <a:r>
-              <a:rPr lang="en-US" dirty="0" smtClean="0"/>
-              <a:t>Our goal is to generate </a:t>
-            </a:r>
-            <a:endParaRPr lang="en-US" dirty="0"/>
+              <a:rPr lang="en-US" sz="3600" dirty="0" smtClean="0"/>
+              <a:t>Our goal is to generate programs based off of a natural language utterance (i.e. English)</a:t>
+            </a:r>
+            <a:endParaRPr lang="en-US" sz="3600" dirty="0"/>
+          </a:p>
+        </p:txBody>
+      </p:sp>
+      <p:sp>
+        <p:nvSpPr>
+          <p:cNvPr id="13" name="TextBox 12"/>
+          <p:cNvSpPr txBox="1"/>
+          <p:nvPr/>
+        </p:nvSpPr>
+        <p:spPr>
+          <a:xfrm>
+            <a:off x="167187" y="7259367"/>
+            <a:ext cx="7572375" cy="3970318"/>
+          </a:xfrm>
+          <a:prstGeom prst="rect">
+            <a:avLst/>
+          </a:prstGeom>
+          <a:noFill/>
+        </p:spPr>
+        <p:txBody>
+          <a:bodyPr wrap="square" rtlCol="0">
+            <a:spAutoFit/>
+          </a:bodyPr>
+          <a:lstStyle/>
+          <a:p>
+            <a:r>
+              <a:rPr lang="en-US" sz="3600" dirty="0" smtClean="0"/>
+              <a:t>The popularity of simple, but powerful tools for data manipulation like Excel (vs. direct CSV manipulation) show how we can bring computation to the masses. We attempt to take this idea one step further by allowing the user to specify programs in English.</a:t>
+            </a:r>
+            <a:endParaRPr lang="en-US" sz="3600" dirty="0"/>
+          </a:p>
+        </p:txBody>
+      </p:sp>
+      <p:sp>
+        <p:nvSpPr>
+          <p:cNvPr id="18" name="TextBox 17"/>
+          <p:cNvSpPr txBox="1"/>
+          <p:nvPr/>
+        </p:nvSpPr>
+        <p:spPr>
+          <a:xfrm>
+            <a:off x="8297337" y="4043581"/>
+            <a:ext cx="10400127" cy="3970318"/>
+          </a:xfrm>
+          <a:prstGeom prst="rect">
+            <a:avLst/>
+          </a:prstGeom>
+          <a:noFill/>
+        </p:spPr>
+        <p:txBody>
+          <a:bodyPr wrap="square" rtlCol="0">
+            <a:spAutoFit/>
+          </a:bodyPr>
+          <a:lstStyle/>
+          <a:p>
+            <a:r>
+              <a:rPr lang="en-US" sz="3600" dirty="0" smtClean="0"/>
+              <a:t>We use SEMPRE’s built-in semantic parser to over generate potential candidate parses from an English command. The parser has a set of features defined (See Baseline results), which give a score for each potential parse. We take those parses, and then apply a neural network model to generate a new set of scores, which we use to </a:t>
+            </a:r>
+            <a:r>
+              <a:rPr lang="en-US" sz="3600" dirty="0" err="1" smtClean="0"/>
+              <a:t>rerank</a:t>
+            </a:r>
+            <a:r>
+              <a:rPr lang="en-US" sz="3600" dirty="0" smtClean="0"/>
+              <a:t> the parses.</a:t>
+            </a:r>
+            <a:endParaRPr lang="en-US" sz="3600" dirty="0"/>
           </a:p>
         </p:txBody>
       </p:sp>
@@ -4661,6 +4824,1230 @@
     <p:extLst>
       <p:ext uri="{BB962C8B-B14F-4D97-AF65-F5344CB8AC3E}">
         <p14:creationId xmlns:p14="http://schemas.microsoft.com/office/powerpoint/2010/main" val="1708746957"/>
+      </p:ext>
+    </p:extLst>
+  </p:cSld>
+  <p:clrMapOvr>
+    <a:masterClrMapping/>
+  </p:clrMapOvr>
+  <p:timing>
+    <p:tnLst>
+      <p:par>
+        <p:cTn xmlns:p14="http://schemas.microsoft.com/office/powerpoint/2010/main" id="1" dur="indefinite" restart="never" nodeType="tmRoot"/>
+      </p:par>
+    </p:tnLst>
+  </p:timing>
+</p:sld>
+</file>
+
+<file path=ppt/slides/slide2.xml><?xml version="1.0" encoding="utf-8"?>
+<p:sld xmlns:a="http://schemas.openxmlformats.org/drawingml/2006/main" xmlns:r="http://schemas.openxmlformats.org/officeDocument/2006/relationships" xmlns:p="http://schemas.openxmlformats.org/presentationml/2006/main">
+  <p:cSld>
+    <p:spTree>
+      <p:nvGrpSpPr>
+        <p:cNvPr id="1" name=""/>
+        <p:cNvGrpSpPr/>
+        <p:nvPr/>
+      </p:nvGrpSpPr>
+      <p:grpSpPr>
+        <a:xfrm>
+          <a:off x="0" y="0"/>
+          <a:ext cx="0" cy="0"/>
+          <a:chOff x="0" y="0"/>
+          <a:chExt cx="0" cy="0"/>
+        </a:xfrm>
+      </p:grpSpPr>
+      <p:sp>
+        <p:nvSpPr>
+          <p:cNvPr id="2" name="TextBox 1"/>
+          <p:cNvSpPr txBox="1"/>
+          <p:nvPr/>
+        </p:nvSpPr>
+        <p:spPr>
+          <a:xfrm>
+            <a:off x="2900231" y="238676"/>
+            <a:ext cx="24231057" cy="1400383"/>
+          </a:xfrm>
+          <a:prstGeom prst="rect">
+            <a:avLst/>
+          </a:prstGeom>
+          <a:noFill/>
+        </p:spPr>
+        <p:txBody>
+          <a:bodyPr wrap="none" rtlCol="0">
+            <a:spAutoFit/>
+          </a:bodyPr>
+          <a:lstStyle/>
+          <a:p>
+            <a:r>
+              <a:rPr lang="en-US" sz="8500" b="1" dirty="0" smtClean="0">
+                <a:latin typeface="Arial"/>
+                <a:cs typeface="Arial"/>
+              </a:rPr>
+              <a:t>Deep Learning for Simple Program Generation</a:t>
+            </a:r>
+            <a:endParaRPr lang="en-US" sz="8500" b="1" dirty="0">
+              <a:latin typeface="Arial"/>
+              <a:cs typeface="Arial"/>
+            </a:endParaRPr>
+          </a:p>
+        </p:txBody>
+      </p:sp>
+      <p:sp>
+        <p:nvSpPr>
+          <p:cNvPr id="3" name="Rectangle 2"/>
+          <p:cNvSpPr/>
+          <p:nvPr/>
+        </p:nvSpPr>
+        <p:spPr>
+          <a:xfrm>
+            <a:off x="6858000" y="1614406"/>
+            <a:ext cx="13716000" cy="923330"/>
+          </a:xfrm>
+          <a:prstGeom prst="rect">
+            <a:avLst/>
+          </a:prstGeom>
+        </p:spPr>
+        <p:txBody>
+          <a:bodyPr>
+            <a:spAutoFit/>
+          </a:bodyPr>
+          <a:lstStyle/>
+          <a:p>
+            <a:pPr algn="ctr">
+              <a:defRPr/>
+            </a:pPr>
+            <a:r>
+              <a:rPr lang="en-US" sz="5200" dirty="0" smtClean="0">
+                <a:ea typeface="ＭＳ Ｐゴシック" charset="0"/>
+              </a:rPr>
+              <a:t>Reginald Long</a:t>
+            </a:r>
+            <a:r>
+              <a:rPr lang="en-US" sz="5200" dirty="0">
+                <a:ea typeface="ＭＳ Ｐゴシック" charset="0"/>
+              </a:rPr>
+              <a:t> </a:t>
+            </a:r>
+            <a:r>
+              <a:rPr lang="en-US" sz="5200" dirty="0" smtClean="0">
+                <a:ea typeface="ＭＳ Ｐゴシック" charset="0"/>
+              </a:rPr>
+              <a:t>and Colin Wei</a:t>
+            </a:r>
+            <a:endParaRPr lang="en-US" sz="5200" dirty="0">
+              <a:ea typeface="ＭＳ Ｐゴシック" charset="0"/>
+            </a:endParaRPr>
+          </a:p>
+        </p:txBody>
+      </p:sp>
+      <p:pic>
+        <p:nvPicPr>
+          <p:cNvPr id="21" name="Picture 20" descr="SU_seal_red.png"/>
+          <p:cNvPicPr>
+            <a:picLocks noChangeAspect="1"/>
+          </p:cNvPicPr>
+          <p:nvPr/>
+        </p:nvPicPr>
+        <p:blipFill>
+          <a:blip r:embed="rId3">
+            <a:extLst>
+              <a:ext uri="{28A0092B-C50C-407E-A947-70E740481C1C}">
+                <a14:useLocalDpi xmlns:a14="http://schemas.microsoft.com/office/drawing/2010/main" val="0"/>
+              </a:ext>
+            </a:extLst>
+          </a:blip>
+          <a:stretch>
+            <a:fillRect/>
+          </a:stretch>
+        </p:blipFill>
+        <p:spPr>
+          <a:xfrm>
+            <a:off x="549646" y="58323"/>
+            <a:ext cx="2479413" cy="2479413"/>
+          </a:xfrm>
+          <a:prstGeom prst="rect">
+            <a:avLst/>
+          </a:prstGeom>
+        </p:spPr>
+      </p:pic>
+      <p:sp>
+        <p:nvSpPr>
+          <p:cNvPr id="27" name="TextBox 26"/>
+          <p:cNvSpPr txBox="1"/>
+          <p:nvPr/>
+        </p:nvSpPr>
+        <p:spPr>
+          <a:xfrm>
+            <a:off x="14163633" y="3979002"/>
+            <a:ext cx="4718493" cy="677108"/>
+          </a:xfrm>
+          <a:prstGeom prst="rect">
+            <a:avLst/>
+          </a:prstGeom>
+          <a:noFill/>
+        </p:spPr>
+        <p:txBody>
+          <a:bodyPr wrap="square" rtlCol="0">
+            <a:spAutoFit/>
+          </a:bodyPr>
+          <a:lstStyle/>
+          <a:p>
+            <a:endParaRPr lang="en-US" sz="3800" dirty="0">
+              <a:latin typeface="Times New Roman"/>
+              <a:cs typeface="Times New Roman"/>
+            </a:endParaRPr>
+          </a:p>
+        </p:txBody>
+      </p:sp>
+      <p:sp>
+        <p:nvSpPr>
+          <p:cNvPr id="38" name="Rectangle 37"/>
+          <p:cNvSpPr/>
+          <p:nvPr/>
+        </p:nvSpPr>
+        <p:spPr>
+          <a:xfrm>
+            <a:off x="8297335" y="3981479"/>
+            <a:ext cx="184666" cy="738664"/>
+          </a:xfrm>
+          <a:prstGeom prst="rect">
+            <a:avLst/>
+          </a:prstGeom>
+        </p:spPr>
+        <p:txBody>
+          <a:bodyPr wrap="none">
+            <a:spAutoFit/>
+          </a:bodyPr>
+          <a:lstStyle/>
+          <a:p>
+            <a:endParaRPr lang="en-US" sz="4200" dirty="0" smtClean="0">
+              <a:latin typeface="Times New Roman"/>
+              <a:cs typeface="Times New Roman"/>
+            </a:endParaRPr>
+          </a:p>
+        </p:txBody>
+      </p:sp>
+      <p:sp>
+        <p:nvSpPr>
+          <p:cNvPr id="41" name="Rectangle 40"/>
+          <p:cNvSpPr/>
+          <p:nvPr/>
+        </p:nvSpPr>
+        <p:spPr>
+          <a:xfrm>
+            <a:off x="14068954" y="5481254"/>
+            <a:ext cx="5071755" cy="677108"/>
+          </a:xfrm>
+          <a:prstGeom prst="rect">
+            <a:avLst/>
+          </a:prstGeom>
+        </p:spPr>
+        <p:txBody>
+          <a:bodyPr wrap="square">
+            <a:spAutoFit/>
+          </a:bodyPr>
+          <a:lstStyle/>
+          <a:p>
+            <a:endParaRPr lang="en-US" sz="3800" dirty="0">
+              <a:latin typeface="Times New Roman"/>
+              <a:cs typeface="Times New Roman"/>
+            </a:endParaRPr>
+          </a:p>
+        </p:txBody>
+      </p:sp>
+      <p:sp>
+        <p:nvSpPr>
+          <p:cNvPr id="61" name="TextBox 60"/>
+          <p:cNvSpPr txBox="1"/>
+          <p:nvPr/>
+        </p:nvSpPr>
+        <p:spPr>
+          <a:xfrm>
+            <a:off x="15168859" y="9819296"/>
+            <a:ext cx="4976982" cy="646331"/>
+          </a:xfrm>
+          <a:prstGeom prst="rect">
+            <a:avLst/>
+          </a:prstGeom>
+          <a:noFill/>
+        </p:spPr>
+        <p:txBody>
+          <a:bodyPr wrap="square" rtlCol="0">
+            <a:spAutoFit/>
+          </a:bodyPr>
+          <a:lstStyle/>
+          <a:p>
+            <a:endParaRPr lang="en-US" sz="3600" dirty="0">
+              <a:latin typeface="Times New Roman"/>
+              <a:cs typeface="Times New Roman"/>
+            </a:endParaRPr>
+          </a:p>
+        </p:txBody>
+      </p:sp>
+      <p:sp>
+        <p:nvSpPr>
+          <p:cNvPr id="76" name="TextBox 75"/>
+          <p:cNvSpPr txBox="1"/>
+          <p:nvPr/>
+        </p:nvSpPr>
+        <p:spPr>
+          <a:xfrm>
+            <a:off x="167187" y="6437363"/>
+            <a:ext cx="4964201" cy="754053"/>
+          </a:xfrm>
+          <a:prstGeom prst="rect">
+            <a:avLst/>
+          </a:prstGeom>
+          <a:noFill/>
+        </p:spPr>
+        <p:txBody>
+          <a:bodyPr wrap="none" rtlCol="0">
+            <a:spAutoFit/>
+          </a:bodyPr>
+          <a:lstStyle/>
+          <a:p>
+            <a:r>
+              <a:rPr lang="en-US" sz="4300" b="1" dirty="0" smtClean="0">
+                <a:latin typeface="Arial"/>
+                <a:cs typeface="Arial"/>
+              </a:rPr>
+              <a:t>Project Motivation</a:t>
+            </a:r>
+            <a:endParaRPr lang="en-US" sz="4300" b="1" dirty="0">
+              <a:latin typeface="Arial"/>
+              <a:cs typeface="Arial"/>
+            </a:endParaRPr>
+          </a:p>
+        </p:txBody>
+      </p:sp>
+      <p:sp>
+        <p:nvSpPr>
+          <p:cNvPr id="77" name="TextBox 76"/>
+          <p:cNvSpPr txBox="1"/>
+          <p:nvPr/>
+        </p:nvSpPr>
+        <p:spPr>
+          <a:xfrm>
+            <a:off x="275078" y="11219680"/>
+            <a:ext cx="4749605" cy="754053"/>
+          </a:xfrm>
+          <a:prstGeom prst="rect">
+            <a:avLst/>
+          </a:prstGeom>
+          <a:noFill/>
+        </p:spPr>
+        <p:txBody>
+          <a:bodyPr wrap="none" rtlCol="0">
+            <a:spAutoFit/>
+          </a:bodyPr>
+          <a:lstStyle/>
+          <a:p>
+            <a:r>
+              <a:rPr lang="en-US" sz="4300" b="1" dirty="0" smtClean="0">
+                <a:latin typeface="Arial"/>
+                <a:cs typeface="Arial"/>
+              </a:rPr>
+              <a:t>Project Definition</a:t>
+            </a:r>
+            <a:endParaRPr lang="en-US" sz="4300" b="1" dirty="0">
+              <a:latin typeface="Arial"/>
+              <a:cs typeface="Arial"/>
+            </a:endParaRPr>
+          </a:p>
+        </p:txBody>
+      </p:sp>
+      <p:sp>
+        <p:nvSpPr>
+          <p:cNvPr id="80" name="Rectangle 79"/>
+          <p:cNvSpPr/>
+          <p:nvPr/>
+        </p:nvSpPr>
+        <p:spPr>
+          <a:xfrm>
+            <a:off x="22586292" y="5133155"/>
+            <a:ext cx="2547204" cy="877163"/>
+          </a:xfrm>
+          <a:prstGeom prst="rect">
+            <a:avLst/>
+          </a:prstGeom>
+        </p:spPr>
+        <p:txBody>
+          <a:bodyPr wrap="none">
+            <a:spAutoFit/>
+          </a:bodyPr>
+          <a:lstStyle/>
+          <a:p>
+            <a:r>
+              <a:rPr lang="en-US" b="1" dirty="0" smtClean="0">
+                <a:solidFill>
+                  <a:srgbClr val="FFFFFF"/>
+                </a:solidFill>
+                <a:latin typeface="Arial" charset="0"/>
+              </a:rPr>
+              <a:t>Results</a:t>
+            </a:r>
+            <a:endParaRPr lang="en-US" b="1" dirty="0">
+              <a:latin typeface="Arial" charset="0"/>
+            </a:endParaRPr>
+          </a:p>
+        </p:txBody>
+      </p:sp>
+      <p:sp>
+        <p:nvSpPr>
+          <p:cNvPr id="81" name="Rectangle 12"/>
+          <p:cNvSpPr>
+            <a:spLocks noChangeArrowheads="1"/>
+          </p:cNvSpPr>
+          <p:nvPr/>
+        </p:nvSpPr>
+        <p:spPr bwMode="auto">
+          <a:xfrm>
+            <a:off x="8295630" y="8657216"/>
+            <a:ext cx="10586496" cy="889433"/>
+          </a:xfrm>
+          <a:prstGeom prst="rect">
+            <a:avLst/>
+          </a:prstGeom>
+          <a:solidFill>
+            <a:srgbClr val="8B1336"/>
+          </a:solidFill>
+          <a:ln>
+            <a:noFill/>
+          </a:ln>
+          <a:extLst>
+            <a:ext uri="{91240B29-F687-4f45-9708-019B960494DF}">
+              <a14:hiddenLine xmlns:a14="http://schemas.microsoft.com/office/drawing/2010/main" w="9525">
+                <a:solidFill>
+                  <a:srgbClr val="000000"/>
+                </a:solidFill>
+                <a:miter lim="800000"/>
+                <a:headEnd/>
+                <a:tailEnd/>
+              </a14:hiddenLine>
+            </a:ext>
+          </a:extLst>
+        </p:spPr>
+        <p:txBody>
+          <a:bodyPr/>
+          <a:lstStyle/>
+          <a:p>
+            <a:pPr algn="ctr"/>
+            <a:r>
+              <a:rPr lang="en-US" b="1" dirty="0" smtClean="0">
+                <a:solidFill>
+                  <a:srgbClr val="FFFFFF"/>
+                </a:solidFill>
+                <a:latin typeface="Arial" charset="0"/>
+              </a:rPr>
+              <a:t>Results</a:t>
+            </a:r>
+            <a:endParaRPr lang="en-US" b="1" dirty="0">
+              <a:latin typeface="Arial" charset="0"/>
+            </a:endParaRPr>
+          </a:p>
+        </p:txBody>
+      </p:sp>
+      <p:sp>
+        <p:nvSpPr>
+          <p:cNvPr id="82" name="Rectangle 12"/>
+          <p:cNvSpPr>
+            <a:spLocks noChangeArrowheads="1"/>
+          </p:cNvSpPr>
+          <p:nvPr/>
+        </p:nvSpPr>
+        <p:spPr bwMode="auto">
+          <a:xfrm>
+            <a:off x="19337460" y="2721767"/>
+            <a:ext cx="7742956" cy="966317"/>
+          </a:xfrm>
+          <a:prstGeom prst="rect">
+            <a:avLst/>
+          </a:prstGeom>
+          <a:solidFill>
+            <a:srgbClr val="8B1336"/>
+          </a:solidFill>
+          <a:ln>
+            <a:noFill/>
+          </a:ln>
+          <a:extLst>
+            <a:ext uri="{91240B29-F687-4f45-9708-019B960494DF}">
+              <a14:hiddenLine xmlns:a14="http://schemas.microsoft.com/office/drawing/2010/main" w="9525">
+                <a:solidFill>
+                  <a:srgbClr val="000000"/>
+                </a:solidFill>
+                <a:miter lim="800000"/>
+                <a:headEnd/>
+                <a:tailEnd/>
+              </a14:hiddenLine>
+            </a:ext>
+          </a:extLst>
+        </p:spPr>
+        <p:txBody>
+          <a:bodyPr/>
+          <a:lstStyle/>
+          <a:p>
+            <a:pPr algn="ctr"/>
+            <a:r>
+              <a:rPr lang="en-US" b="1" dirty="0" smtClean="0">
+                <a:solidFill>
+                  <a:srgbClr val="FFFFFF"/>
+                </a:solidFill>
+                <a:latin typeface="Arial" charset="0"/>
+              </a:rPr>
+              <a:t>Analysis</a:t>
+            </a:r>
+            <a:endParaRPr lang="en-US" b="1" dirty="0">
+              <a:latin typeface="Arial" charset="0"/>
+            </a:endParaRPr>
+          </a:p>
+        </p:txBody>
+      </p:sp>
+      <p:sp>
+        <p:nvSpPr>
+          <p:cNvPr id="83" name="Rectangle 12"/>
+          <p:cNvSpPr>
+            <a:spLocks noChangeArrowheads="1"/>
+          </p:cNvSpPr>
+          <p:nvPr/>
+        </p:nvSpPr>
+        <p:spPr bwMode="auto">
+          <a:xfrm>
+            <a:off x="8297337" y="2726663"/>
+            <a:ext cx="10584791" cy="961421"/>
+          </a:xfrm>
+          <a:prstGeom prst="rect">
+            <a:avLst/>
+          </a:prstGeom>
+          <a:solidFill>
+            <a:srgbClr val="8B1336"/>
+          </a:solidFill>
+          <a:ln w="9525">
+            <a:noFill/>
+            <a:miter lim="800000"/>
+            <a:headEnd/>
+            <a:tailEnd/>
+          </a:ln>
+        </p:spPr>
+        <p:txBody>
+          <a:bodyPr/>
+          <a:lstStyle/>
+          <a:p>
+            <a:pPr algn="ctr"/>
+            <a:r>
+              <a:rPr lang="en-US" b="1" dirty="0" smtClean="0">
+                <a:solidFill>
+                  <a:schemeClr val="bg1"/>
+                </a:solidFill>
+                <a:latin typeface="Arial" charset="0"/>
+              </a:rPr>
+              <a:t>Our Approach</a:t>
+            </a:r>
+            <a:endParaRPr lang="en-US" b="1" dirty="0">
+              <a:solidFill>
+                <a:schemeClr val="bg1"/>
+              </a:solidFill>
+              <a:latin typeface="Arial" charset="0"/>
+            </a:endParaRPr>
+          </a:p>
+        </p:txBody>
+      </p:sp>
+      <p:sp>
+        <p:nvSpPr>
+          <p:cNvPr id="84" name="Rectangle 12"/>
+          <p:cNvSpPr>
+            <a:spLocks noChangeArrowheads="1"/>
+          </p:cNvSpPr>
+          <p:nvPr/>
+        </p:nvSpPr>
+        <p:spPr bwMode="auto">
+          <a:xfrm>
+            <a:off x="168649" y="2715079"/>
+            <a:ext cx="7493005" cy="973005"/>
+          </a:xfrm>
+          <a:prstGeom prst="rect">
+            <a:avLst/>
+          </a:prstGeom>
+          <a:solidFill>
+            <a:srgbClr val="8B1336"/>
+          </a:solidFill>
+          <a:ln>
+            <a:noFill/>
+          </a:ln>
+          <a:extLst>
+            <a:ext uri="{91240B29-F687-4f45-9708-019B960494DF}">
+              <a14:hiddenLine xmlns:a14="http://schemas.microsoft.com/office/drawing/2010/main" w="9525">
+                <a:solidFill>
+                  <a:srgbClr val="000000"/>
+                </a:solidFill>
+                <a:miter lim="800000"/>
+                <a:headEnd/>
+                <a:tailEnd/>
+              </a14:hiddenLine>
+            </a:ext>
+          </a:extLst>
+        </p:spPr>
+        <p:txBody>
+          <a:bodyPr/>
+          <a:lstStyle/>
+          <a:p>
+            <a:pPr algn="ctr"/>
+            <a:r>
+              <a:rPr lang="en-US" b="1" dirty="0" smtClean="0">
+                <a:solidFill>
+                  <a:srgbClr val="FFFFFF"/>
+                </a:solidFill>
+                <a:latin typeface="Arial" charset="0"/>
+              </a:rPr>
+              <a:t>Introduction</a:t>
+            </a:r>
+            <a:endParaRPr lang="en-US" b="1" dirty="0">
+              <a:latin typeface="Arial" charset="0"/>
+            </a:endParaRPr>
+          </a:p>
+        </p:txBody>
+      </p:sp>
+      <p:sp>
+        <p:nvSpPr>
+          <p:cNvPr id="137" name="Rectangle 12"/>
+          <p:cNvSpPr>
+            <a:spLocks noChangeArrowheads="1"/>
+          </p:cNvSpPr>
+          <p:nvPr/>
+        </p:nvSpPr>
+        <p:spPr bwMode="auto">
+          <a:xfrm>
+            <a:off x="19225376" y="13789386"/>
+            <a:ext cx="7905912" cy="966317"/>
+          </a:xfrm>
+          <a:prstGeom prst="rect">
+            <a:avLst/>
+          </a:prstGeom>
+          <a:solidFill>
+            <a:srgbClr val="8B1336"/>
+          </a:solidFill>
+          <a:ln>
+            <a:noFill/>
+          </a:ln>
+          <a:extLst>
+            <a:ext uri="{91240B29-F687-4f45-9708-019B960494DF}">
+              <a14:hiddenLine xmlns:a14="http://schemas.microsoft.com/office/drawing/2010/main" w="9525">
+                <a:solidFill>
+                  <a:srgbClr val="000000"/>
+                </a:solidFill>
+                <a:miter lim="800000"/>
+                <a:headEnd/>
+                <a:tailEnd/>
+              </a14:hiddenLine>
+            </a:ext>
+          </a:extLst>
+        </p:spPr>
+        <p:txBody>
+          <a:bodyPr/>
+          <a:lstStyle/>
+          <a:p>
+            <a:pPr algn="ctr"/>
+            <a:r>
+              <a:rPr lang="en-US" b="1" dirty="0" smtClean="0">
+                <a:solidFill>
+                  <a:srgbClr val="FFFFFF"/>
+                </a:solidFill>
+                <a:latin typeface="Arial" charset="0"/>
+              </a:rPr>
+              <a:t>Challenges</a:t>
+            </a:r>
+            <a:endParaRPr lang="en-US" b="1" dirty="0">
+              <a:latin typeface="Arial" charset="0"/>
+            </a:endParaRPr>
+          </a:p>
+        </p:txBody>
+      </p:sp>
+      <p:sp>
+        <p:nvSpPr>
+          <p:cNvPr id="138" name="TextBox 137"/>
+          <p:cNvSpPr txBox="1"/>
+          <p:nvPr/>
+        </p:nvSpPr>
+        <p:spPr>
+          <a:xfrm>
+            <a:off x="167187" y="3881101"/>
+            <a:ext cx="3432951" cy="754053"/>
+          </a:xfrm>
+          <a:prstGeom prst="rect">
+            <a:avLst/>
+          </a:prstGeom>
+          <a:noFill/>
+        </p:spPr>
+        <p:txBody>
+          <a:bodyPr wrap="none" rtlCol="0">
+            <a:spAutoFit/>
+          </a:bodyPr>
+          <a:lstStyle/>
+          <a:p>
+            <a:r>
+              <a:rPr lang="en-US" sz="4300" b="1" dirty="0" smtClean="0">
+                <a:latin typeface="Arial"/>
+                <a:cs typeface="Arial"/>
+              </a:rPr>
+              <a:t>Project Goal</a:t>
+            </a:r>
+            <a:endParaRPr lang="en-US" sz="4300" b="1" dirty="0">
+              <a:latin typeface="Arial"/>
+              <a:cs typeface="Arial"/>
+            </a:endParaRPr>
+          </a:p>
+        </p:txBody>
+      </p:sp>
+      <p:sp>
+        <p:nvSpPr>
+          <p:cNvPr id="147" name="TextBox 146"/>
+          <p:cNvSpPr txBox="1"/>
+          <p:nvPr/>
+        </p:nvSpPr>
+        <p:spPr>
+          <a:xfrm>
+            <a:off x="30734000" y="13038667"/>
+            <a:ext cx="184666" cy="877163"/>
+          </a:xfrm>
+          <a:prstGeom prst="rect">
+            <a:avLst/>
+          </a:prstGeom>
+          <a:noFill/>
+        </p:spPr>
+        <p:txBody>
+          <a:bodyPr wrap="none" rtlCol="0">
+            <a:spAutoFit/>
+          </a:bodyPr>
+          <a:lstStyle/>
+          <a:p>
+            <a:endParaRPr lang="en-US" dirty="0"/>
+          </a:p>
+        </p:txBody>
+      </p:sp>
+      <p:graphicFrame>
+        <p:nvGraphicFramePr>
+          <p:cNvPr id="8" name="Table 7"/>
+          <p:cNvGraphicFramePr>
+            <a:graphicFrameLocks noGrp="1"/>
+          </p:cNvGraphicFramePr>
+          <p:nvPr>
+            <p:extLst>
+              <p:ext uri="{D42A27DB-BD31-4B8C-83A1-F6EECF244321}">
+                <p14:modId xmlns:p14="http://schemas.microsoft.com/office/powerpoint/2010/main" val="1677752338"/>
+              </p:ext>
+            </p:extLst>
+          </p:nvPr>
+        </p:nvGraphicFramePr>
+        <p:xfrm>
+          <a:off x="8295630" y="9546649"/>
+          <a:ext cx="10584789" cy="8686800"/>
+        </p:xfrm>
+        <a:graphic>
+          <a:graphicData uri="http://schemas.openxmlformats.org/drawingml/2006/table">
+            <a:tbl>
+              <a:tblPr firstRow="1" bandRow="1">
+                <a:tableStyleId>{D7AC3CCA-C797-4891-BE02-D94E43425B78}</a:tableStyleId>
+              </a:tblPr>
+              <a:tblGrid>
+                <a:gridCol w="4800298"/>
+                <a:gridCol w="2256228"/>
+                <a:gridCol w="3528263"/>
+              </a:tblGrid>
+              <a:tr h="800500">
+                <a:tc>
+                  <a:txBody>
+                    <a:bodyPr/>
+                    <a:lstStyle/>
+                    <a:p>
+                      <a:pPr algn="ctr"/>
+                      <a:r>
+                        <a:rPr lang="en-US" sz="4800" dirty="0" smtClean="0"/>
+                        <a:t>Type</a:t>
+                      </a:r>
+                      <a:endParaRPr lang="en-US" sz="4800" dirty="0"/>
+                    </a:p>
+                  </a:txBody>
+                  <a:tcPr/>
+                </a:tc>
+                <a:tc>
+                  <a:txBody>
+                    <a:bodyPr/>
+                    <a:lstStyle/>
+                    <a:p>
+                      <a:pPr algn="ctr"/>
+                      <a:r>
+                        <a:rPr lang="en-US" sz="4800" dirty="0" smtClean="0"/>
+                        <a:t>Train</a:t>
+                      </a:r>
+                      <a:endParaRPr lang="en-US" sz="4800" dirty="0"/>
+                    </a:p>
+                  </a:txBody>
+                  <a:tcPr/>
+                </a:tc>
+                <a:tc>
+                  <a:txBody>
+                    <a:bodyPr/>
+                    <a:lstStyle/>
+                    <a:p>
+                      <a:pPr algn="ctr"/>
+                      <a:r>
+                        <a:rPr lang="en-US" sz="4800" dirty="0" err="1" smtClean="0"/>
+                        <a:t>Dev</a:t>
+                      </a:r>
+                      <a:endParaRPr lang="en-US" sz="4800" dirty="0"/>
+                    </a:p>
+                  </a:txBody>
+                  <a:tcPr/>
+                </a:tc>
+              </a:tr>
+              <a:tr h="1037685">
+                <a:tc>
+                  <a:txBody>
+                    <a:bodyPr/>
+                    <a:lstStyle/>
+                    <a:p>
+                      <a:pPr algn="l"/>
+                      <a:r>
+                        <a:rPr lang="en-US" sz="3200" dirty="0" smtClean="0"/>
+                        <a:t>Baseline (1-gram</a:t>
+                      </a:r>
+                      <a:r>
+                        <a:rPr lang="en-US" sz="3200" baseline="0" dirty="0" smtClean="0"/>
+                        <a:t> on functions) 16k iterations</a:t>
+                      </a:r>
+                      <a:endParaRPr lang="en-US" sz="3200" dirty="0"/>
+                    </a:p>
+                  </a:txBody>
+                  <a:tcPr/>
+                </a:tc>
+                <a:tc>
+                  <a:txBody>
+                    <a:bodyPr/>
+                    <a:lstStyle/>
+                    <a:p>
+                      <a:pPr algn="ctr"/>
+                      <a:r>
+                        <a:rPr lang="en-US" sz="3200" dirty="0" smtClean="0"/>
+                        <a:t>0.3232</a:t>
+                      </a:r>
+                      <a:endParaRPr lang="en-US" sz="3200" dirty="0"/>
+                    </a:p>
+                  </a:txBody>
+                  <a:tcPr/>
+                </a:tc>
+                <a:tc>
+                  <a:txBody>
+                    <a:bodyPr/>
+                    <a:lstStyle/>
+                    <a:p>
+                      <a:pPr algn="ctr"/>
+                      <a:r>
+                        <a:rPr lang="en-US" sz="3200" dirty="0" smtClean="0"/>
+                        <a:t>0.3246</a:t>
+                      </a:r>
+                      <a:endParaRPr lang="en-US" sz="3200" dirty="0"/>
+                    </a:p>
+                  </a:txBody>
+                  <a:tcPr/>
+                </a:tc>
+              </a:tr>
+              <a:tr h="1512056">
+                <a:tc>
+                  <a:txBody>
+                    <a:bodyPr/>
+                    <a:lstStyle/>
+                    <a:p>
+                      <a:pPr algn="l"/>
+                      <a:r>
+                        <a:rPr lang="en-US" sz="3200" dirty="0" smtClean="0"/>
+                        <a:t>Baseline (1-4 grams,</a:t>
+                      </a:r>
+                      <a:r>
+                        <a:rPr lang="en-US" sz="3200" baseline="0" dirty="0" smtClean="0"/>
+                        <a:t> function </a:t>
+                      </a:r>
+                      <a:r>
+                        <a:rPr lang="en-US" sz="3200" baseline="0" dirty="0" err="1" smtClean="0"/>
+                        <a:t>args</a:t>
+                      </a:r>
+                      <a:r>
+                        <a:rPr lang="en-US" sz="3200" baseline="0" dirty="0" smtClean="0"/>
+                        <a:t>). 40k iterations.</a:t>
+                      </a:r>
+                      <a:endParaRPr lang="en-US" sz="3200" dirty="0"/>
+                    </a:p>
+                  </a:txBody>
+                  <a:tcPr/>
+                </a:tc>
+                <a:tc>
+                  <a:txBody>
+                    <a:bodyPr/>
+                    <a:lstStyle/>
+                    <a:p>
+                      <a:pPr algn="ctr"/>
+                      <a:r>
+                        <a:rPr lang="en-US" sz="3200" dirty="0" smtClean="0"/>
+                        <a:t>0.6371</a:t>
+                      </a:r>
+                      <a:endParaRPr lang="en-US" sz="3200" dirty="0"/>
+                    </a:p>
+                  </a:txBody>
+                  <a:tcPr/>
+                </a:tc>
+                <a:tc>
+                  <a:txBody>
+                    <a:bodyPr/>
+                    <a:lstStyle/>
+                    <a:p>
+                      <a:pPr algn="ctr"/>
+                      <a:r>
+                        <a:rPr lang="en-US" sz="3200" dirty="0" smtClean="0"/>
+                        <a:t>0.6272</a:t>
+                      </a:r>
+                      <a:endParaRPr lang="en-US" sz="3200" dirty="0"/>
+                    </a:p>
+                  </a:txBody>
+                  <a:tcPr/>
+                </a:tc>
+              </a:tr>
+              <a:tr h="1037685">
+                <a:tc>
+                  <a:txBody>
+                    <a:bodyPr/>
+                    <a:lstStyle/>
+                    <a:p>
+                      <a:pPr algn="l"/>
+                      <a:r>
+                        <a:rPr lang="en-US" sz="3200" dirty="0" smtClean="0"/>
+                        <a:t>Word</a:t>
+                      </a:r>
+                      <a:r>
+                        <a:rPr lang="en-US" sz="3200" baseline="0" dirty="0" smtClean="0"/>
+                        <a:t> Vectors w/ negative sample. 1 million iterations</a:t>
+                      </a:r>
+                      <a:endParaRPr lang="en-US" sz="3200" dirty="0"/>
+                    </a:p>
+                  </a:txBody>
+                  <a:tcPr/>
+                </a:tc>
+                <a:tc>
+                  <a:txBody>
+                    <a:bodyPr/>
+                    <a:lstStyle/>
+                    <a:p>
+                      <a:pPr algn="ctr"/>
+                      <a:r>
+                        <a:rPr lang="en-US" sz="3200" dirty="0" smtClean="0"/>
+                        <a:t>0.6279</a:t>
+                      </a:r>
+                      <a:endParaRPr lang="en-US" sz="3200" dirty="0"/>
+                    </a:p>
+                  </a:txBody>
+                  <a:tcPr/>
+                </a:tc>
+                <a:tc>
+                  <a:txBody>
+                    <a:bodyPr/>
+                    <a:lstStyle/>
+                    <a:p>
+                      <a:pPr algn="ctr"/>
+                      <a:r>
+                        <a:rPr lang="en-US" sz="3200" dirty="0" smtClean="0"/>
+                        <a:t>0.5425</a:t>
+                      </a:r>
+                      <a:endParaRPr lang="en-US" sz="3200" dirty="0"/>
+                    </a:p>
+                  </a:txBody>
+                  <a:tcPr/>
+                </a:tc>
+              </a:tr>
+              <a:tr h="1037685">
+                <a:tc>
+                  <a:txBody>
+                    <a:bodyPr/>
+                    <a:lstStyle/>
+                    <a:p>
+                      <a:pPr algn="l"/>
+                      <a:r>
+                        <a:rPr lang="en-US" sz="3200" dirty="0" smtClean="0"/>
+                        <a:t>Siamese</a:t>
+                      </a:r>
+                      <a:r>
+                        <a:rPr lang="en-US" sz="3200" baseline="0" dirty="0" smtClean="0"/>
+                        <a:t> w/ word vector </a:t>
+                      </a:r>
+                      <a:r>
+                        <a:rPr lang="en-US" sz="3200" baseline="0" dirty="0" err="1" smtClean="0"/>
+                        <a:t>backprop</a:t>
+                      </a:r>
+                      <a:r>
+                        <a:rPr lang="en-US" sz="3200" baseline="0" dirty="0" smtClean="0"/>
+                        <a:t>. 100k iterations</a:t>
+                      </a:r>
+                      <a:endParaRPr lang="en-US" sz="3200" dirty="0"/>
+                    </a:p>
+                  </a:txBody>
+                  <a:tcPr/>
+                </a:tc>
+                <a:tc>
+                  <a:txBody>
+                    <a:bodyPr/>
+                    <a:lstStyle/>
+                    <a:p>
+                      <a:pPr algn="ctr"/>
+                      <a:r>
+                        <a:rPr lang="en-US" sz="3200" dirty="0" smtClean="0"/>
+                        <a:t>0.6442</a:t>
+                      </a:r>
+                      <a:endParaRPr lang="en-US" sz="3200" dirty="0"/>
+                    </a:p>
+                  </a:txBody>
+                  <a:tcPr/>
+                </a:tc>
+                <a:tc>
+                  <a:txBody>
+                    <a:bodyPr/>
+                    <a:lstStyle/>
+                    <a:p>
+                      <a:pPr algn="ctr"/>
+                      <a:r>
+                        <a:rPr lang="en-US" sz="3200" dirty="0" smtClean="0"/>
+                        <a:t>0.6378</a:t>
+                      </a:r>
+                      <a:endParaRPr lang="en-US" sz="3200" dirty="0"/>
+                    </a:p>
+                  </a:txBody>
+                  <a:tcPr/>
+                </a:tc>
+              </a:tr>
+              <a:tr h="1512056">
+                <a:tc>
+                  <a:txBody>
+                    <a:bodyPr/>
+                    <a:lstStyle/>
+                    <a:p>
+                      <a:pPr algn="l"/>
+                      <a:r>
+                        <a:rPr lang="en-US" sz="3200" dirty="0" smtClean="0"/>
+                        <a:t>Siamese w/</a:t>
+                      </a:r>
+                      <a:r>
+                        <a:rPr lang="en-US" sz="3200" baseline="0" dirty="0" smtClean="0"/>
+                        <a:t> </a:t>
+                      </a:r>
+                      <a:r>
+                        <a:rPr lang="en-US" sz="3200" baseline="0" dirty="0" err="1" smtClean="0"/>
+                        <a:t>neg</a:t>
+                      </a:r>
+                      <a:r>
+                        <a:rPr lang="en-US" sz="3200" baseline="0" dirty="0" smtClean="0"/>
+                        <a:t> sample, w/o word vector </a:t>
+                      </a:r>
+                      <a:r>
+                        <a:rPr lang="en-US" sz="3200" baseline="0" dirty="0" err="1" smtClean="0"/>
+                        <a:t>backprop</a:t>
+                      </a:r>
+                      <a:r>
+                        <a:rPr lang="en-US" sz="3200" baseline="0" dirty="0" smtClean="0"/>
+                        <a:t>. 100k iterations</a:t>
+                      </a:r>
+                      <a:endParaRPr lang="en-US" sz="3200" dirty="0"/>
+                    </a:p>
+                  </a:txBody>
+                  <a:tcPr/>
+                </a:tc>
+                <a:tc>
+                  <a:txBody>
+                    <a:bodyPr/>
+                    <a:lstStyle/>
+                    <a:p>
+                      <a:pPr algn="ctr"/>
+                      <a:r>
+                        <a:rPr lang="en-US" sz="3200" dirty="0" smtClean="0"/>
+                        <a:t>0.8278</a:t>
+                      </a:r>
+                      <a:endParaRPr lang="en-US" sz="3200" dirty="0"/>
+                    </a:p>
+                  </a:txBody>
+                  <a:tcPr/>
+                </a:tc>
+                <a:tc>
+                  <a:txBody>
+                    <a:bodyPr/>
+                    <a:lstStyle/>
+                    <a:p>
+                      <a:pPr algn="ctr"/>
+                      <a:r>
+                        <a:rPr lang="en-US" sz="3200" dirty="0" smtClean="0"/>
+                        <a:t>0.8105</a:t>
+                      </a:r>
+                      <a:endParaRPr lang="en-US" sz="3200" dirty="0"/>
+                    </a:p>
+                  </a:txBody>
+                  <a:tcPr/>
+                </a:tc>
+              </a:tr>
+              <a:tr h="1496074">
+                <a:tc>
+                  <a:txBody>
+                    <a:bodyPr/>
+                    <a:lstStyle/>
+                    <a:p>
+                      <a:pPr algn="l"/>
+                      <a:r>
+                        <a:rPr lang="en-US" sz="3200" dirty="0" smtClean="0"/>
+                        <a:t>RNN w/ word vector </a:t>
+                      </a:r>
+                      <a:r>
+                        <a:rPr lang="en-US" sz="3200" dirty="0" err="1" smtClean="0"/>
+                        <a:t>backprop</a:t>
+                      </a:r>
+                      <a:r>
+                        <a:rPr lang="en-US" sz="3200" dirty="0" smtClean="0"/>
+                        <a:t>, negative sampling. 10k iterations.</a:t>
+                      </a:r>
+                      <a:endParaRPr lang="en-US" sz="3200" dirty="0"/>
+                    </a:p>
+                  </a:txBody>
+                  <a:tcPr/>
+                </a:tc>
+                <a:tc>
+                  <a:txBody>
+                    <a:bodyPr/>
+                    <a:lstStyle/>
+                    <a:p>
+                      <a:pPr algn="ctr"/>
+                      <a:r>
+                        <a:rPr lang="en-US" sz="3200" dirty="0" smtClean="0"/>
+                        <a:t>0.9711</a:t>
+                      </a:r>
+                      <a:endParaRPr lang="en-US" sz="3200" dirty="0"/>
+                    </a:p>
+                  </a:txBody>
+                  <a:tcPr/>
+                </a:tc>
+                <a:tc>
+                  <a:txBody>
+                    <a:bodyPr/>
+                    <a:lstStyle/>
+                    <a:p>
+                      <a:pPr algn="ctr"/>
+                      <a:r>
+                        <a:rPr lang="en-US" sz="3200" dirty="0" smtClean="0"/>
+                        <a:t>0.9721</a:t>
+                      </a:r>
+                      <a:endParaRPr lang="en-US" sz="3200" dirty="0"/>
+                    </a:p>
+                  </a:txBody>
+                  <a:tcPr/>
+                </a:tc>
+              </a:tr>
+            </a:tbl>
+          </a:graphicData>
+        </a:graphic>
+      </p:graphicFrame>
+      <p:sp>
+        <p:nvSpPr>
+          <p:cNvPr id="10" name="TextBox 9"/>
+          <p:cNvSpPr txBox="1"/>
+          <p:nvPr/>
+        </p:nvSpPr>
+        <p:spPr>
+          <a:xfrm>
+            <a:off x="167187" y="4577469"/>
+            <a:ext cx="7494467" cy="1754327"/>
+          </a:xfrm>
+          <a:prstGeom prst="rect">
+            <a:avLst/>
+          </a:prstGeom>
+          <a:noFill/>
+        </p:spPr>
+        <p:txBody>
+          <a:bodyPr wrap="square" rtlCol="0">
+            <a:spAutoFit/>
+          </a:bodyPr>
+          <a:lstStyle/>
+          <a:p>
+            <a:r>
+              <a:rPr lang="en-US" sz="3600" dirty="0" smtClean="0"/>
+              <a:t>Our goal is to generate programs based off of a natural language utterance (i.e. English)</a:t>
+            </a:r>
+            <a:endParaRPr lang="en-US" sz="3600" dirty="0"/>
+          </a:p>
+        </p:txBody>
+      </p:sp>
+      <p:sp>
+        <p:nvSpPr>
+          <p:cNvPr id="13" name="TextBox 12"/>
+          <p:cNvSpPr txBox="1"/>
+          <p:nvPr/>
+        </p:nvSpPr>
+        <p:spPr>
+          <a:xfrm>
+            <a:off x="167187" y="7259367"/>
+            <a:ext cx="7572375" cy="3970318"/>
+          </a:xfrm>
+          <a:prstGeom prst="rect">
+            <a:avLst/>
+          </a:prstGeom>
+          <a:noFill/>
+        </p:spPr>
+        <p:txBody>
+          <a:bodyPr wrap="square" rtlCol="0">
+            <a:spAutoFit/>
+          </a:bodyPr>
+          <a:lstStyle/>
+          <a:p>
+            <a:r>
+              <a:rPr lang="en-US" sz="3600" dirty="0" smtClean="0"/>
+              <a:t>The popularity of simple, but powerful tools for data manipulation like Excel (vs. direct CSV manipulation) show how we can bring computation to the masses. We attempt to take this idea one step further by allowing the user to specify programs in English.</a:t>
+            </a:r>
+            <a:endParaRPr lang="en-US" sz="3600" dirty="0"/>
+          </a:p>
+        </p:txBody>
+      </p:sp>
+      <p:sp>
+        <p:nvSpPr>
+          <p:cNvPr id="18" name="TextBox 17"/>
+          <p:cNvSpPr txBox="1"/>
+          <p:nvPr/>
+        </p:nvSpPr>
+        <p:spPr>
+          <a:xfrm>
+            <a:off x="8297337" y="4043581"/>
+            <a:ext cx="10400127" cy="3970318"/>
+          </a:xfrm>
+          <a:prstGeom prst="rect">
+            <a:avLst/>
+          </a:prstGeom>
+          <a:noFill/>
+        </p:spPr>
+        <p:txBody>
+          <a:bodyPr wrap="square" rtlCol="0">
+            <a:spAutoFit/>
+          </a:bodyPr>
+          <a:lstStyle/>
+          <a:p>
+            <a:r>
+              <a:rPr lang="en-US" sz="3600" dirty="0" smtClean="0"/>
+              <a:t>We use SEMPRE’s built-in semantic parser to over generate potential candidate parses from an English command. The parser has a set of features defined (See Baseline results), which give a score for each potential parse. We take those parses, and then apply a neural network model to generate a new set of scores, which we use to </a:t>
+            </a:r>
+            <a:r>
+              <a:rPr lang="en-US" sz="3600" dirty="0" err="1" smtClean="0"/>
+              <a:t>rerank</a:t>
+            </a:r>
+            <a:r>
+              <a:rPr lang="en-US" sz="3600" dirty="0" smtClean="0"/>
+              <a:t> the parses.</a:t>
+            </a:r>
+            <a:endParaRPr lang="en-US" sz="3600" dirty="0"/>
+          </a:p>
+        </p:txBody>
+      </p:sp>
+    </p:spTree>
+    <p:extLst>
+      <p:ext uri="{BB962C8B-B14F-4D97-AF65-F5344CB8AC3E}">
+        <p14:creationId xmlns:p14="http://schemas.microsoft.com/office/powerpoint/2010/main" val="2336419845"/>
       </p:ext>
     </p:extLst>
   </p:cSld>

--- a/poster.pptx
+++ b/poster.pptx
@@ -5,11 +5,10 @@
     <p:sldMasterId id="2147483648" r:id="rId1"/>
   </p:sldMasterIdLst>
   <p:notesMasterIdLst>
-    <p:notesMasterId r:id="rId4"/>
+    <p:notesMasterId r:id="rId3"/>
   </p:notesMasterIdLst>
   <p:sldIdLst>
     <p:sldId id="257" r:id="rId2"/>
-    <p:sldId id="258" r:id="rId3"/>
   </p:sldIdLst>
   <p:sldSz cx="27432000" cy="18288000"/>
   <p:notesSz cx="6858000" cy="9144000"/>
@@ -535,98 +534,6 @@
             <a:fld id="{5C00BD9C-4602-454B-AC7C-9BDD37EF7833}" type="slidenum">
               <a:rPr lang="en-US" smtClean="0"/>
               <a:t>1</a:t>
-            </a:fld>
-            <a:endParaRPr lang="en-US"/>
-          </a:p>
-        </p:txBody>
-      </p:sp>
-    </p:spTree>
-    <p:extLst>
-      <p:ext uri="{BB962C8B-B14F-4D97-AF65-F5344CB8AC3E}">
-        <p14:creationId xmlns:p14="http://schemas.microsoft.com/office/powerpoint/2010/main" val="649869560"/>
-      </p:ext>
-    </p:extLst>
-  </p:cSld>
-  <p:clrMapOvr>
-    <a:masterClrMapping/>
-  </p:clrMapOvr>
-</p:notes>
-</file>
-
-<file path=ppt/notesSlides/notesSlide2.xml><?xml version="1.0" encoding="utf-8"?>
-<p:notes xmlns:a="http://schemas.openxmlformats.org/drawingml/2006/main" xmlns:r="http://schemas.openxmlformats.org/officeDocument/2006/relationships" xmlns:p="http://schemas.openxmlformats.org/presentationml/2006/main">
-  <p:cSld>
-    <p:spTree>
-      <p:nvGrpSpPr>
-        <p:cNvPr id="1" name=""/>
-        <p:cNvGrpSpPr/>
-        <p:nvPr/>
-      </p:nvGrpSpPr>
-      <p:grpSpPr>
-        <a:xfrm>
-          <a:off x="0" y="0"/>
-          <a:ext cx="0" cy="0"/>
-          <a:chOff x="0" y="0"/>
-          <a:chExt cx="0" cy="0"/>
-        </a:xfrm>
-      </p:grpSpPr>
-      <p:sp>
-        <p:nvSpPr>
-          <p:cNvPr id="2" name="Slide Image Placeholder 1"/>
-          <p:cNvSpPr>
-            <a:spLocks noGrp="1" noRot="1" noChangeAspect="1"/>
-          </p:cNvSpPr>
-          <p:nvPr>
-            <p:ph type="sldImg"/>
-          </p:nvPr>
-        </p:nvSpPr>
-        <p:spPr/>
-      </p:sp>
-      <p:sp>
-        <p:nvSpPr>
-          <p:cNvPr id="3" name="Notes Placeholder 2"/>
-          <p:cNvSpPr>
-            <a:spLocks noGrp="1"/>
-          </p:cNvSpPr>
-          <p:nvPr>
-            <p:ph type="body" idx="1"/>
-          </p:nvPr>
-        </p:nvSpPr>
-        <p:spPr/>
-        <p:txBody>
-          <a:bodyPr/>
-          <a:lstStyle/>
-          <a:p>
-            <a:r>
-              <a:rPr lang="en-US" dirty="0" smtClean="0"/>
-              <a:t>Include challenges in </a:t>
-            </a:r>
-            <a:r>
-              <a:rPr lang="en-US" smtClean="0"/>
-              <a:t>the conclusion</a:t>
-            </a:r>
-            <a:endParaRPr lang="en-US"/>
-          </a:p>
-        </p:txBody>
-      </p:sp>
-      <p:sp>
-        <p:nvSpPr>
-          <p:cNvPr id="4" name="Slide Number Placeholder 3"/>
-          <p:cNvSpPr>
-            <a:spLocks noGrp="1"/>
-          </p:cNvSpPr>
-          <p:nvPr>
-            <p:ph type="sldNum" sz="quarter" idx="10"/>
-          </p:nvPr>
-        </p:nvSpPr>
-        <p:spPr/>
-        <p:txBody>
-          <a:bodyPr/>
-          <a:lstStyle/>
-          <a:p>
-            <a:fld id="{5C00BD9C-4602-454B-AC7C-9BDD37EF7833}" type="slidenum">
-              <a:rPr lang="en-US" smtClean="0"/>
-              <a:t>2</a:t>
             </a:fld>
             <a:endParaRPr lang="en-US"/>
           </a:p>
@@ -4193,7 +4100,7 @@
         </p:nvSpPr>
         <p:spPr bwMode="auto">
           <a:xfrm>
-            <a:off x="19225376" y="13789386"/>
+            <a:off x="19140709" y="8621154"/>
             <a:ext cx="7905912" cy="966317"/>
           </a:xfrm>
           <a:prstGeom prst="rect">
@@ -4224,7 +4131,7 @@
           <a:p>
             <a:pPr algn="ctr"/>
             <a:r>
-              <a:rPr lang="en-US" b="1" dirty="0" smtClean="0">
+              <a:rPr lang="en-US" b="1" smtClean="0">
                 <a:solidFill>
                   <a:srgbClr val="FFFFFF"/>
                 </a:solidFill>
@@ -4790,8 +4697,8 @@
         </p:nvSpPr>
         <p:spPr>
           <a:xfrm>
-            <a:off x="8297337" y="4043581"/>
-            <a:ext cx="10400127" cy="3970318"/>
+            <a:off x="8297337" y="3688084"/>
+            <a:ext cx="10584791" cy="5078314"/>
           </a:xfrm>
           <a:prstGeom prst="rect">
             <a:avLst/>
@@ -4806,15 +4713,31 @@
           <a:p>
             <a:r>
               <a:rPr lang="en-US" sz="3600" dirty="0" smtClean="0"/>
-              <a:t>We use SEMPRE’s built-in semantic parser to over generate potential candidate parses from an English command. The parser has a set of features defined (See Baseline results), which give a score for each potential parse. We take those parses, and then apply a neural network model to generate a new set of scores, which we use to </a:t>
-            </a:r>
-            <a:r>
-              <a:rPr lang="en-US" sz="3600" dirty="0" err="1" smtClean="0"/>
-              <a:t>rerank</a:t>
+              <a:t>We use SEMPRE’s built-in semantic parser to </a:t>
             </a:r>
             <a:r>
               <a:rPr lang="en-US" sz="3600" dirty="0" smtClean="0"/>
-              <a:t> the parses.</a:t>
+              <a:t>generate </a:t>
+            </a:r>
+            <a:r>
+              <a:rPr lang="en-US" sz="3600" dirty="0" smtClean="0"/>
+              <a:t>potential candidate parses </a:t>
+            </a:r>
+            <a:r>
+              <a:rPr lang="en-US" sz="3600" dirty="0" smtClean="0"/>
+              <a:t>of an utterance. </a:t>
+            </a:r>
+            <a:r>
+              <a:rPr lang="en-US" sz="3600" dirty="0" smtClean="0"/>
+              <a:t>We take those parses, and then apply a neural network model to generate a </a:t>
+            </a:r>
+            <a:r>
+              <a:rPr lang="en-US" sz="3600" dirty="0" smtClean="0"/>
+              <a:t>ranking. Our evaluation metric is accuracy, that is, how many parses can we generate correctly compared to the oracle parser. </a:t>
+            </a:r>
+            <a:r>
+              <a:rPr lang="en-US" sz="3600" dirty="0" smtClean="0"/>
+              <a:t>We consider an utterance correctly parsed by the oracle if there exists a generated program that returns the annotated desired result.</a:t>
             </a:r>
             <a:endParaRPr lang="en-US" sz="3600" dirty="0"/>
           </a:p>
@@ -4824,1230 +4747,6 @@
     <p:extLst>
       <p:ext uri="{BB962C8B-B14F-4D97-AF65-F5344CB8AC3E}">
         <p14:creationId xmlns:p14="http://schemas.microsoft.com/office/powerpoint/2010/main" val="1708746957"/>
-      </p:ext>
-    </p:extLst>
-  </p:cSld>
-  <p:clrMapOvr>
-    <a:masterClrMapping/>
-  </p:clrMapOvr>
-  <p:timing>
-    <p:tnLst>
-      <p:par>
-        <p:cTn xmlns:p14="http://schemas.microsoft.com/office/powerpoint/2010/main" id="1" dur="indefinite" restart="never" nodeType="tmRoot"/>
-      </p:par>
-    </p:tnLst>
-  </p:timing>
-</p:sld>
-</file>
-
-<file path=ppt/slides/slide2.xml><?xml version="1.0" encoding="utf-8"?>
-<p:sld xmlns:a="http://schemas.openxmlformats.org/drawingml/2006/main" xmlns:r="http://schemas.openxmlformats.org/officeDocument/2006/relationships" xmlns:p="http://schemas.openxmlformats.org/presentationml/2006/main">
-  <p:cSld>
-    <p:spTree>
-      <p:nvGrpSpPr>
-        <p:cNvPr id="1" name=""/>
-        <p:cNvGrpSpPr/>
-        <p:nvPr/>
-      </p:nvGrpSpPr>
-      <p:grpSpPr>
-        <a:xfrm>
-          <a:off x="0" y="0"/>
-          <a:ext cx="0" cy="0"/>
-          <a:chOff x="0" y="0"/>
-          <a:chExt cx="0" cy="0"/>
-        </a:xfrm>
-      </p:grpSpPr>
-      <p:sp>
-        <p:nvSpPr>
-          <p:cNvPr id="2" name="TextBox 1"/>
-          <p:cNvSpPr txBox="1"/>
-          <p:nvPr/>
-        </p:nvSpPr>
-        <p:spPr>
-          <a:xfrm>
-            <a:off x="2900231" y="238676"/>
-            <a:ext cx="24231057" cy="1400383"/>
-          </a:xfrm>
-          <a:prstGeom prst="rect">
-            <a:avLst/>
-          </a:prstGeom>
-          <a:noFill/>
-        </p:spPr>
-        <p:txBody>
-          <a:bodyPr wrap="none" rtlCol="0">
-            <a:spAutoFit/>
-          </a:bodyPr>
-          <a:lstStyle/>
-          <a:p>
-            <a:r>
-              <a:rPr lang="en-US" sz="8500" b="1" dirty="0" smtClean="0">
-                <a:latin typeface="Arial"/>
-                <a:cs typeface="Arial"/>
-              </a:rPr>
-              <a:t>Deep Learning for Simple Program Generation</a:t>
-            </a:r>
-            <a:endParaRPr lang="en-US" sz="8500" b="1" dirty="0">
-              <a:latin typeface="Arial"/>
-              <a:cs typeface="Arial"/>
-            </a:endParaRPr>
-          </a:p>
-        </p:txBody>
-      </p:sp>
-      <p:sp>
-        <p:nvSpPr>
-          <p:cNvPr id="3" name="Rectangle 2"/>
-          <p:cNvSpPr/>
-          <p:nvPr/>
-        </p:nvSpPr>
-        <p:spPr>
-          <a:xfrm>
-            <a:off x="6858000" y="1614406"/>
-            <a:ext cx="13716000" cy="923330"/>
-          </a:xfrm>
-          <a:prstGeom prst="rect">
-            <a:avLst/>
-          </a:prstGeom>
-        </p:spPr>
-        <p:txBody>
-          <a:bodyPr>
-            <a:spAutoFit/>
-          </a:bodyPr>
-          <a:lstStyle/>
-          <a:p>
-            <a:pPr algn="ctr">
-              <a:defRPr/>
-            </a:pPr>
-            <a:r>
-              <a:rPr lang="en-US" sz="5200" dirty="0" smtClean="0">
-                <a:ea typeface="ＭＳ Ｐゴシック" charset="0"/>
-              </a:rPr>
-              <a:t>Reginald Long</a:t>
-            </a:r>
-            <a:r>
-              <a:rPr lang="en-US" sz="5200" dirty="0">
-                <a:ea typeface="ＭＳ Ｐゴシック" charset="0"/>
-              </a:rPr>
-              <a:t> </a:t>
-            </a:r>
-            <a:r>
-              <a:rPr lang="en-US" sz="5200" dirty="0" smtClean="0">
-                <a:ea typeface="ＭＳ Ｐゴシック" charset="0"/>
-              </a:rPr>
-              <a:t>and Colin Wei</a:t>
-            </a:r>
-            <a:endParaRPr lang="en-US" sz="5200" dirty="0">
-              <a:ea typeface="ＭＳ Ｐゴシック" charset="0"/>
-            </a:endParaRPr>
-          </a:p>
-        </p:txBody>
-      </p:sp>
-      <p:pic>
-        <p:nvPicPr>
-          <p:cNvPr id="21" name="Picture 20" descr="SU_seal_red.png"/>
-          <p:cNvPicPr>
-            <a:picLocks noChangeAspect="1"/>
-          </p:cNvPicPr>
-          <p:nvPr/>
-        </p:nvPicPr>
-        <p:blipFill>
-          <a:blip r:embed="rId3">
-            <a:extLst>
-              <a:ext uri="{28A0092B-C50C-407E-A947-70E740481C1C}">
-                <a14:useLocalDpi xmlns:a14="http://schemas.microsoft.com/office/drawing/2010/main" val="0"/>
-              </a:ext>
-            </a:extLst>
-          </a:blip>
-          <a:stretch>
-            <a:fillRect/>
-          </a:stretch>
-        </p:blipFill>
-        <p:spPr>
-          <a:xfrm>
-            <a:off x="549646" y="58323"/>
-            <a:ext cx="2479413" cy="2479413"/>
-          </a:xfrm>
-          <a:prstGeom prst="rect">
-            <a:avLst/>
-          </a:prstGeom>
-        </p:spPr>
-      </p:pic>
-      <p:sp>
-        <p:nvSpPr>
-          <p:cNvPr id="27" name="TextBox 26"/>
-          <p:cNvSpPr txBox="1"/>
-          <p:nvPr/>
-        </p:nvSpPr>
-        <p:spPr>
-          <a:xfrm>
-            <a:off x="14163633" y="3979002"/>
-            <a:ext cx="4718493" cy="677108"/>
-          </a:xfrm>
-          <a:prstGeom prst="rect">
-            <a:avLst/>
-          </a:prstGeom>
-          <a:noFill/>
-        </p:spPr>
-        <p:txBody>
-          <a:bodyPr wrap="square" rtlCol="0">
-            <a:spAutoFit/>
-          </a:bodyPr>
-          <a:lstStyle/>
-          <a:p>
-            <a:endParaRPr lang="en-US" sz="3800" dirty="0">
-              <a:latin typeface="Times New Roman"/>
-              <a:cs typeface="Times New Roman"/>
-            </a:endParaRPr>
-          </a:p>
-        </p:txBody>
-      </p:sp>
-      <p:sp>
-        <p:nvSpPr>
-          <p:cNvPr id="38" name="Rectangle 37"/>
-          <p:cNvSpPr/>
-          <p:nvPr/>
-        </p:nvSpPr>
-        <p:spPr>
-          <a:xfrm>
-            <a:off x="8297335" y="3981479"/>
-            <a:ext cx="184666" cy="738664"/>
-          </a:xfrm>
-          <a:prstGeom prst="rect">
-            <a:avLst/>
-          </a:prstGeom>
-        </p:spPr>
-        <p:txBody>
-          <a:bodyPr wrap="none">
-            <a:spAutoFit/>
-          </a:bodyPr>
-          <a:lstStyle/>
-          <a:p>
-            <a:endParaRPr lang="en-US" sz="4200" dirty="0" smtClean="0">
-              <a:latin typeface="Times New Roman"/>
-              <a:cs typeface="Times New Roman"/>
-            </a:endParaRPr>
-          </a:p>
-        </p:txBody>
-      </p:sp>
-      <p:sp>
-        <p:nvSpPr>
-          <p:cNvPr id="41" name="Rectangle 40"/>
-          <p:cNvSpPr/>
-          <p:nvPr/>
-        </p:nvSpPr>
-        <p:spPr>
-          <a:xfrm>
-            <a:off x="14068954" y="5481254"/>
-            <a:ext cx="5071755" cy="677108"/>
-          </a:xfrm>
-          <a:prstGeom prst="rect">
-            <a:avLst/>
-          </a:prstGeom>
-        </p:spPr>
-        <p:txBody>
-          <a:bodyPr wrap="square">
-            <a:spAutoFit/>
-          </a:bodyPr>
-          <a:lstStyle/>
-          <a:p>
-            <a:endParaRPr lang="en-US" sz="3800" dirty="0">
-              <a:latin typeface="Times New Roman"/>
-              <a:cs typeface="Times New Roman"/>
-            </a:endParaRPr>
-          </a:p>
-        </p:txBody>
-      </p:sp>
-      <p:sp>
-        <p:nvSpPr>
-          <p:cNvPr id="61" name="TextBox 60"/>
-          <p:cNvSpPr txBox="1"/>
-          <p:nvPr/>
-        </p:nvSpPr>
-        <p:spPr>
-          <a:xfrm>
-            <a:off x="15168859" y="9819296"/>
-            <a:ext cx="4976982" cy="646331"/>
-          </a:xfrm>
-          <a:prstGeom prst="rect">
-            <a:avLst/>
-          </a:prstGeom>
-          <a:noFill/>
-        </p:spPr>
-        <p:txBody>
-          <a:bodyPr wrap="square" rtlCol="0">
-            <a:spAutoFit/>
-          </a:bodyPr>
-          <a:lstStyle/>
-          <a:p>
-            <a:endParaRPr lang="en-US" sz="3600" dirty="0">
-              <a:latin typeface="Times New Roman"/>
-              <a:cs typeface="Times New Roman"/>
-            </a:endParaRPr>
-          </a:p>
-        </p:txBody>
-      </p:sp>
-      <p:sp>
-        <p:nvSpPr>
-          <p:cNvPr id="76" name="TextBox 75"/>
-          <p:cNvSpPr txBox="1"/>
-          <p:nvPr/>
-        </p:nvSpPr>
-        <p:spPr>
-          <a:xfrm>
-            <a:off x="167187" y="6437363"/>
-            <a:ext cx="4964201" cy="754053"/>
-          </a:xfrm>
-          <a:prstGeom prst="rect">
-            <a:avLst/>
-          </a:prstGeom>
-          <a:noFill/>
-        </p:spPr>
-        <p:txBody>
-          <a:bodyPr wrap="none" rtlCol="0">
-            <a:spAutoFit/>
-          </a:bodyPr>
-          <a:lstStyle/>
-          <a:p>
-            <a:r>
-              <a:rPr lang="en-US" sz="4300" b="1" dirty="0" smtClean="0">
-                <a:latin typeface="Arial"/>
-                <a:cs typeface="Arial"/>
-              </a:rPr>
-              <a:t>Project Motivation</a:t>
-            </a:r>
-            <a:endParaRPr lang="en-US" sz="4300" b="1" dirty="0">
-              <a:latin typeface="Arial"/>
-              <a:cs typeface="Arial"/>
-            </a:endParaRPr>
-          </a:p>
-        </p:txBody>
-      </p:sp>
-      <p:sp>
-        <p:nvSpPr>
-          <p:cNvPr id="77" name="TextBox 76"/>
-          <p:cNvSpPr txBox="1"/>
-          <p:nvPr/>
-        </p:nvSpPr>
-        <p:spPr>
-          <a:xfrm>
-            <a:off x="275078" y="11219680"/>
-            <a:ext cx="4749605" cy="754053"/>
-          </a:xfrm>
-          <a:prstGeom prst="rect">
-            <a:avLst/>
-          </a:prstGeom>
-          <a:noFill/>
-        </p:spPr>
-        <p:txBody>
-          <a:bodyPr wrap="none" rtlCol="0">
-            <a:spAutoFit/>
-          </a:bodyPr>
-          <a:lstStyle/>
-          <a:p>
-            <a:r>
-              <a:rPr lang="en-US" sz="4300" b="1" dirty="0" smtClean="0">
-                <a:latin typeface="Arial"/>
-                <a:cs typeface="Arial"/>
-              </a:rPr>
-              <a:t>Project Definition</a:t>
-            </a:r>
-            <a:endParaRPr lang="en-US" sz="4300" b="1" dirty="0">
-              <a:latin typeface="Arial"/>
-              <a:cs typeface="Arial"/>
-            </a:endParaRPr>
-          </a:p>
-        </p:txBody>
-      </p:sp>
-      <p:sp>
-        <p:nvSpPr>
-          <p:cNvPr id="80" name="Rectangle 79"/>
-          <p:cNvSpPr/>
-          <p:nvPr/>
-        </p:nvSpPr>
-        <p:spPr>
-          <a:xfrm>
-            <a:off x="22586292" y="5133155"/>
-            <a:ext cx="2547204" cy="877163"/>
-          </a:xfrm>
-          <a:prstGeom prst="rect">
-            <a:avLst/>
-          </a:prstGeom>
-        </p:spPr>
-        <p:txBody>
-          <a:bodyPr wrap="none">
-            <a:spAutoFit/>
-          </a:bodyPr>
-          <a:lstStyle/>
-          <a:p>
-            <a:r>
-              <a:rPr lang="en-US" b="1" dirty="0" smtClean="0">
-                <a:solidFill>
-                  <a:srgbClr val="FFFFFF"/>
-                </a:solidFill>
-                <a:latin typeface="Arial" charset="0"/>
-              </a:rPr>
-              <a:t>Results</a:t>
-            </a:r>
-            <a:endParaRPr lang="en-US" b="1" dirty="0">
-              <a:latin typeface="Arial" charset="0"/>
-            </a:endParaRPr>
-          </a:p>
-        </p:txBody>
-      </p:sp>
-      <p:sp>
-        <p:nvSpPr>
-          <p:cNvPr id="81" name="Rectangle 12"/>
-          <p:cNvSpPr>
-            <a:spLocks noChangeArrowheads="1"/>
-          </p:cNvSpPr>
-          <p:nvPr/>
-        </p:nvSpPr>
-        <p:spPr bwMode="auto">
-          <a:xfrm>
-            <a:off x="8295630" y="8657216"/>
-            <a:ext cx="10586496" cy="889433"/>
-          </a:xfrm>
-          <a:prstGeom prst="rect">
-            <a:avLst/>
-          </a:prstGeom>
-          <a:solidFill>
-            <a:srgbClr val="8B1336"/>
-          </a:solidFill>
-          <a:ln>
-            <a:noFill/>
-          </a:ln>
-          <a:extLst>
-            <a:ext uri="{91240B29-F687-4f45-9708-019B960494DF}">
-              <a14:hiddenLine xmlns:a14="http://schemas.microsoft.com/office/drawing/2010/main" w="9525">
-                <a:solidFill>
-                  <a:srgbClr val="000000"/>
-                </a:solidFill>
-                <a:miter lim="800000"/>
-                <a:headEnd/>
-                <a:tailEnd/>
-              </a14:hiddenLine>
-            </a:ext>
-          </a:extLst>
-        </p:spPr>
-        <p:txBody>
-          <a:bodyPr/>
-          <a:lstStyle/>
-          <a:p>
-            <a:pPr algn="ctr"/>
-            <a:r>
-              <a:rPr lang="en-US" b="1" dirty="0" smtClean="0">
-                <a:solidFill>
-                  <a:srgbClr val="FFFFFF"/>
-                </a:solidFill>
-                <a:latin typeface="Arial" charset="0"/>
-              </a:rPr>
-              <a:t>Results</a:t>
-            </a:r>
-            <a:endParaRPr lang="en-US" b="1" dirty="0">
-              <a:latin typeface="Arial" charset="0"/>
-            </a:endParaRPr>
-          </a:p>
-        </p:txBody>
-      </p:sp>
-      <p:sp>
-        <p:nvSpPr>
-          <p:cNvPr id="82" name="Rectangle 12"/>
-          <p:cNvSpPr>
-            <a:spLocks noChangeArrowheads="1"/>
-          </p:cNvSpPr>
-          <p:nvPr/>
-        </p:nvSpPr>
-        <p:spPr bwMode="auto">
-          <a:xfrm>
-            <a:off x="19337460" y="2721767"/>
-            <a:ext cx="7742956" cy="966317"/>
-          </a:xfrm>
-          <a:prstGeom prst="rect">
-            <a:avLst/>
-          </a:prstGeom>
-          <a:solidFill>
-            <a:srgbClr val="8B1336"/>
-          </a:solidFill>
-          <a:ln>
-            <a:noFill/>
-          </a:ln>
-          <a:extLst>
-            <a:ext uri="{91240B29-F687-4f45-9708-019B960494DF}">
-              <a14:hiddenLine xmlns:a14="http://schemas.microsoft.com/office/drawing/2010/main" w="9525">
-                <a:solidFill>
-                  <a:srgbClr val="000000"/>
-                </a:solidFill>
-                <a:miter lim="800000"/>
-                <a:headEnd/>
-                <a:tailEnd/>
-              </a14:hiddenLine>
-            </a:ext>
-          </a:extLst>
-        </p:spPr>
-        <p:txBody>
-          <a:bodyPr/>
-          <a:lstStyle/>
-          <a:p>
-            <a:pPr algn="ctr"/>
-            <a:r>
-              <a:rPr lang="en-US" b="1" dirty="0" smtClean="0">
-                <a:solidFill>
-                  <a:srgbClr val="FFFFFF"/>
-                </a:solidFill>
-                <a:latin typeface="Arial" charset="0"/>
-              </a:rPr>
-              <a:t>Analysis</a:t>
-            </a:r>
-            <a:endParaRPr lang="en-US" b="1" dirty="0">
-              <a:latin typeface="Arial" charset="0"/>
-            </a:endParaRPr>
-          </a:p>
-        </p:txBody>
-      </p:sp>
-      <p:sp>
-        <p:nvSpPr>
-          <p:cNvPr id="83" name="Rectangle 12"/>
-          <p:cNvSpPr>
-            <a:spLocks noChangeArrowheads="1"/>
-          </p:cNvSpPr>
-          <p:nvPr/>
-        </p:nvSpPr>
-        <p:spPr bwMode="auto">
-          <a:xfrm>
-            <a:off x="8297337" y="2726663"/>
-            <a:ext cx="10584791" cy="961421"/>
-          </a:xfrm>
-          <a:prstGeom prst="rect">
-            <a:avLst/>
-          </a:prstGeom>
-          <a:solidFill>
-            <a:srgbClr val="8B1336"/>
-          </a:solidFill>
-          <a:ln w="9525">
-            <a:noFill/>
-            <a:miter lim="800000"/>
-            <a:headEnd/>
-            <a:tailEnd/>
-          </a:ln>
-        </p:spPr>
-        <p:txBody>
-          <a:bodyPr/>
-          <a:lstStyle/>
-          <a:p>
-            <a:pPr algn="ctr"/>
-            <a:r>
-              <a:rPr lang="en-US" b="1" dirty="0" smtClean="0">
-                <a:solidFill>
-                  <a:schemeClr val="bg1"/>
-                </a:solidFill>
-                <a:latin typeface="Arial" charset="0"/>
-              </a:rPr>
-              <a:t>Our Approach</a:t>
-            </a:r>
-            <a:endParaRPr lang="en-US" b="1" dirty="0">
-              <a:solidFill>
-                <a:schemeClr val="bg1"/>
-              </a:solidFill>
-              <a:latin typeface="Arial" charset="0"/>
-            </a:endParaRPr>
-          </a:p>
-        </p:txBody>
-      </p:sp>
-      <p:sp>
-        <p:nvSpPr>
-          <p:cNvPr id="84" name="Rectangle 12"/>
-          <p:cNvSpPr>
-            <a:spLocks noChangeArrowheads="1"/>
-          </p:cNvSpPr>
-          <p:nvPr/>
-        </p:nvSpPr>
-        <p:spPr bwMode="auto">
-          <a:xfrm>
-            <a:off x="168649" y="2715079"/>
-            <a:ext cx="7493005" cy="973005"/>
-          </a:xfrm>
-          <a:prstGeom prst="rect">
-            <a:avLst/>
-          </a:prstGeom>
-          <a:solidFill>
-            <a:srgbClr val="8B1336"/>
-          </a:solidFill>
-          <a:ln>
-            <a:noFill/>
-          </a:ln>
-          <a:extLst>
-            <a:ext uri="{91240B29-F687-4f45-9708-019B960494DF}">
-              <a14:hiddenLine xmlns:a14="http://schemas.microsoft.com/office/drawing/2010/main" w="9525">
-                <a:solidFill>
-                  <a:srgbClr val="000000"/>
-                </a:solidFill>
-                <a:miter lim="800000"/>
-                <a:headEnd/>
-                <a:tailEnd/>
-              </a14:hiddenLine>
-            </a:ext>
-          </a:extLst>
-        </p:spPr>
-        <p:txBody>
-          <a:bodyPr/>
-          <a:lstStyle/>
-          <a:p>
-            <a:pPr algn="ctr"/>
-            <a:r>
-              <a:rPr lang="en-US" b="1" dirty="0" smtClean="0">
-                <a:solidFill>
-                  <a:srgbClr val="FFFFFF"/>
-                </a:solidFill>
-                <a:latin typeface="Arial" charset="0"/>
-              </a:rPr>
-              <a:t>Introduction</a:t>
-            </a:r>
-            <a:endParaRPr lang="en-US" b="1" dirty="0">
-              <a:latin typeface="Arial" charset="0"/>
-            </a:endParaRPr>
-          </a:p>
-        </p:txBody>
-      </p:sp>
-      <p:sp>
-        <p:nvSpPr>
-          <p:cNvPr id="137" name="Rectangle 12"/>
-          <p:cNvSpPr>
-            <a:spLocks noChangeArrowheads="1"/>
-          </p:cNvSpPr>
-          <p:nvPr/>
-        </p:nvSpPr>
-        <p:spPr bwMode="auto">
-          <a:xfrm>
-            <a:off x="19225376" y="13789386"/>
-            <a:ext cx="7905912" cy="966317"/>
-          </a:xfrm>
-          <a:prstGeom prst="rect">
-            <a:avLst/>
-          </a:prstGeom>
-          <a:solidFill>
-            <a:srgbClr val="8B1336"/>
-          </a:solidFill>
-          <a:ln>
-            <a:noFill/>
-          </a:ln>
-          <a:extLst>
-            <a:ext uri="{91240B29-F687-4f45-9708-019B960494DF}">
-              <a14:hiddenLine xmlns:a14="http://schemas.microsoft.com/office/drawing/2010/main" w="9525">
-                <a:solidFill>
-                  <a:srgbClr val="000000"/>
-                </a:solidFill>
-                <a:miter lim="800000"/>
-                <a:headEnd/>
-                <a:tailEnd/>
-              </a14:hiddenLine>
-            </a:ext>
-          </a:extLst>
-        </p:spPr>
-        <p:txBody>
-          <a:bodyPr/>
-          <a:lstStyle/>
-          <a:p>
-            <a:pPr algn="ctr"/>
-            <a:r>
-              <a:rPr lang="en-US" b="1" dirty="0" smtClean="0">
-                <a:solidFill>
-                  <a:srgbClr val="FFFFFF"/>
-                </a:solidFill>
-                <a:latin typeface="Arial" charset="0"/>
-              </a:rPr>
-              <a:t>Challenges</a:t>
-            </a:r>
-            <a:endParaRPr lang="en-US" b="1" dirty="0">
-              <a:latin typeface="Arial" charset="0"/>
-            </a:endParaRPr>
-          </a:p>
-        </p:txBody>
-      </p:sp>
-      <p:sp>
-        <p:nvSpPr>
-          <p:cNvPr id="138" name="TextBox 137"/>
-          <p:cNvSpPr txBox="1"/>
-          <p:nvPr/>
-        </p:nvSpPr>
-        <p:spPr>
-          <a:xfrm>
-            <a:off x="167187" y="3881101"/>
-            <a:ext cx="3432951" cy="754053"/>
-          </a:xfrm>
-          <a:prstGeom prst="rect">
-            <a:avLst/>
-          </a:prstGeom>
-          <a:noFill/>
-        </p:spPr>
-        <p:txBody>
-          <a:bodyPr wrap="none" rtlCol="0">
-            <a:spAutoFit/>
-          </a:bodyPr>
-          <a:lstStyle/>
-          <a:p>
-            <a:r>
-              <a:rPr lang="en-US" sz="4300" b="1" dirty="0" smtClean="0">
-                <a:latin typeface="Arial"/>
-                <a:cs typeface="Arial"/>
-              </a:rPr>
-              <a:t>Project Goal</a:t>
-            </a:r>
-            <a:endParaRPr lang="en-US" sz="4300" b="1" dirty="0">
-              <a:latin typeface="Arial"/>
-              <a:cs typeface="Arial"/>
-            </a:endParaRPr>
-          </a:p>
-        </p:txBody>
-      </p:sp>
-      <p:sp>
-        <p:nvSpPr>
-          <p:cNvPr id="147" name="TextBox 146"/>
-          <p:cNvSpPr txBox="1"/>
-          <p:nvPr/>
-        </p:nvSpPr>
-        <p:spPr>
-          <a:xfrm>
-            <a:off x="30734000" y="13038667"/>
-            <a:ext cx="184666" cy="877163"/>
-          </a:xfrm>
-          <a:prstGeom prst="rect">
-            <a:avLst/>
-          </a:prstGeom>
-          <a:noFill/>
-        </p:spPr>
-        <p:txBody>
-          <a:bodyPr wrap="none" rtlCol="0">
-            <a:spAutoFit/>
-          </a:bodyPr>
-          <a:lstStyle/>
-          <a:p>
-            <a:endParaRPr lang="en-US" dirty="0"/>
-          </a:p>
-        </p:txBody>
-      </p:sp>
-      <p:graphicFrame>
-        <p:nvGraphicFramePr>
-          <p:cNvPr id="8" name="Table 7"/>
-          <p:cNvGraphicFramePr>
-            <a:graphicFrameLocks noGrp="1"/>
-          </p:cNvGraphicFramePr>
-          <p:nvPr>
-            <p:extLst>
-              <p:ext uri="{D42A27DB-BD31-4B8C-83A1-F6EECF244321}">
-                <p14:modId xmlns:p14="http://schemas.microsoft.com/office/powerpoint/2010/main" val="1677752338"/>
-              </p:ext>
-            </p:extLst>
-          </p:nvPr>
-        </p:nvGraphicFramePr>
-        <p:xfrm>
-          <a:off x="8295630" y="9546649"/>
-          <a:ext cx="10584789" cy="8686800"/>
-        </p:xfrm>
-        <a:graphic>
-          <a:graphicData uri="http://schemas.openxmlformats.org/drawingml/2006/table">
-            <a:tbl>
-              <a:tblPr firstRow="1" bandRow="1">
-                <a:tableStyleId>{D7AC3CCA-C797-4891-BE02-D94E43425B78}</a:tableStyleId>
-              </a:tblPr>
-              <a:tblGrid>
-                <a:gridCol w="4800298"/>
-                <a:gridCol w="2256228"/>
-                <a:gridCol w="3528263"/>
-              </a:tblGrid>
-              <a:tr h="800500">
-                <a:tc>
-                  <a:txBody>
-                    <a:bodyPr/>
-                    <a:lstStyle/>
-                    <a:p>
-                      <a:pPr algn="ctr"/>
-                      <a:r>
-                        <a:rPr lang="en-US" sz="4800" dirty="0" smtClean="0"/>
-                        <a:t>Type</a:t>
-                      </a:r>
-                      <a:endParaRPr lang="en-US" sz="4800" dirty="0"/>
-                    </a:p>
-                  </a:txBody>
-                  <a:tcPr/>
-                </a:tc>
-                <a:tc>
-                  <a:txBody>
-                    <a:bodyPr/>
-                    <a:lstStyle/>
-                    <a:p>
-                      <a:pPr algn="ctr"/>
-                      <a:r>
-                        <a:rPr lang="en-US" sz="4800" dirty="0" smtClean="0"/>
-                        <a:t>Train</a:t>
-                      </a:r>
-                      <a:endParaRPr lang="en-US" sz="4800" dirty="0"/>
-                    </a:p>
-                  </a:txBody>
-                  <a:tcPr/>
-                </a:tc>
-                <a:tc>
-                  <a:txBody>
-                    <a:bodyPr/>
-                    <a:lstStyle/>
-                    <a:p>
-                      <a:pPr algn="ctr"/>
-                      <a:r>
-                        <a:rPr lang="en-US" sz="4800" dirty="0" err="1" smtClean="0"/>
-                        <a:t>Dev</a:t>
-                      </a:r>
-                      <a:endParaRPr lang="en-US" sz="4800" dirty="0"/>
-                    </a:p>
-                  </a:txBody>
-                  <a:tcPr/>
-                </a:tc>
-              </a:tr>
-              <a:tr h="1037685">
-                <a:tc>
-                  <a:txBody>
-                    <a:bodyPr/>
-                    <a:lstStyle/>
-                    <a:p>
-                      <a:pPr algn="l"/>
-                      <a:r>
-                        <a:rPr lang="en-US" sz="3200" dirty="0" smtClean="0"/>
-                        <a:t>Baseline (1-gram</a:t>
-                      </a:r>
-                      <a:r>
-                        <a:rPr lang="en-US" sz="3200" baseline="0" dirty="0" smtClean="0"/>
-                        <a:t> on functions) 16k iterations</a:t>
-                      </a:r>
-                      <a:endParaRPr lang="en-US" sz="3200" dirty="0"/>
-                    </a:p>
-                  </a:txBody>
-                  <a:tcPr/>
-                </a:tc>
-                <a:tc>
-                  <a:txBody>
-                    <a:bodyPr/>
-                    <a:lstStyle/>
-                    <a:p>
-                      <a:pPr algn="ctr"/>
-                      <a:r>
-                        <a:rPr lang="en-US" sz="3200" dirty="0" smtClean="0"/>
-                        <a:t>0.3232</a:t>
-                      </a:r>
-                      <a:endParaRPr lang="en-US" sz="3200" dirty="0"/>
-                    </a:p>
-                  </a:txBody>
-                  <a:tcPr/>
-                </a:tc>
-                <a:tc>
-                  <a:txBody>
-                    <a:bodyPr/>
-                    <a:lstStyle/>
-                    <a:p>
-                      <a:pPr algn="ctr"/>
-                      <a:r>
-                        <a:rPr lang="en-US" sz="3200" dirty="0" smtClean="0"/>
-                        <a:t>0.3246</a:t>
-                      </a:r>
-                      <a:endParaRPr lang="en-US" sz="3200" dirty="0"/>
-                    </a:p>
-                  </a:txBody>
-                  <a:tcPr/>
-                </a:tc>
-              </a:tr>
-              <a:tr h="1512056">
-                <a:tc>
-                  <a:txBody>
-                    <a:bodyPr/>
-                    <a:lstStyle/>
-                    <a:p>
-                      <a:pPr algn="l"/>
-                      <a:r>
-                        <a:rPr lang="en-US" sz="3200" dirty="0" smtClean="0"/>
-                        <a:t>Baseline (1-4 grams,</a:t>
-                      </a:r>
-                      <a:r>
-                        <a:rPr lang="en-US" sz="3200" baseline="0" dirty="0" smtClean="0"/>
-                        <a:t> function </a:t>
-                      </a:r>
-                      <a:r>
-                        <a:rPr lang="en-US" sz="3200" baseline="0" dirty="0" err="1" smtClean="0"/>
-                        <a:t>args</a:t>
-                      </a:r>
-                      <a:r>
-                        <a:rPr lang="en-US" sz="3200" baseline="0" dirty="0" smtClean="0"/>
-                        <a:t>). 40k iterations.</a:t>
-                      </a:r>
-                      <a:endParaRPr lang="en-US" sz="3200" dirty="0"/>
-                    </a:p>
-                  </a:txBody>
-                  <a:tcPr/>
-                </a:tc>
-                <a:tc>
-                  <a:txBody>
-                    <a:bodyPr/>
-                    <a:lstStyle/>
-                    <a:p>
-                      <a:pPr algn="ctr"/>
-                      <a:r>
-                        <a:rPr lang="en-US" sz="3200" dirty="0" smtClean="0"/>
-                        <a:t>0.6371</a:t>
-                      </a:r>
-                      <a:endParaRPr lang="en-US" sz="3200" dirty="0"/>
-                    </a:p>
-                  </a:txBody>
-                  <a:tcPr/>
-                </a:tc>
-                <a:tc>
-                  <a:txBody>
-                    <a:bodyPr/>
-                    <a:lstStyle/>
-                    <a:p>
-                      <a:pPr algn="ctr"/>
-                      <a:r>
-                        <a:rPr lang="en-US" sz="3200" dirty="0" smtClean="0"/>
-                        <a:t>0.6272</a:t>
-                      </a:r>
-                      <a:endParaRPr lang="en-US" sz="3200" dirty="0"/>
-                    </a:p>
-                  </a:txBody>
-                  <a:tcPr/>
-                </a:tc>
-              </a:tr>
-              <a:tr h="1037685">
-                <a:tc>
-                  <a:txBody>
-                    <a:bodyPr/>
-                    <a:lstStyle/>
-                    <a:p>
-                      <a:pPr algn="l"/>
-                      <a:r>
-                        <a:rPr lang="en-US" sz="3200" dirty="0" smtClean="0"/>
-                        <a:t>Word</a:t>
-                      </a:r>
-                      <a:r>
-                        <a:rPr lang="en-US" sz="3200" baseline="0" dirty="0" smtClean="0"/>
-                        <a:t> Vectors w/ negative sample. 1 million iterations</a:t>
-                      </a:r>
-                      <a:endParaRPr lang="en-US" sz="3200" dirty="0"/>
-                    </a:p>
-                  </a:txBody>
-                  <a:tcPr/>
-                </a:tc>
-                <a:tc>
-                  <a:txBody>
-                    <a:bodyPr/>
-                    <a:lstStyle/>
-                    <a:p>
-                      <a:pPr algn="ctr"/>
-                      <a:r>
-                        <a:rPr lang="en-US" sz="3200" dirty="0" smtClean="0"/>
-                        <a:t>0.6279</a:t>
-                      </a:r>
-                      <a:endParaRPr lang="en-US" sz="3200" dirty="0"/>
-                    </a:p>
-                  </a:txBody>
-                  <a:tcPr/>
-                </a:tc>
-                <a:tc>
-                  <a:txBody>
-                    <a:bodyPr/>
-                    <a:lstStyle/>
-                    <a:p>
-                      <a:pPr algn="ctr"/>
-                      <a:r>
-                        <a:rPr lang="en-US" sz="3200" dirty="0" smtClean="0"/>
-                        <a:t>0.5425</a:t>
-                      </a:r>
-                      <a:endParaRPr lang="en-US" sz="3200" dirty="0"/>
-                    </a:p>
-                  </a:txBody>
-                  <a:tcPr/>
-                </a:tc>
-              </a:tr>
-              <a:tr h="1037685">
-                <a:tc>
-                  <a:txBody>
-                    <a:bodyPr/>
-                    <a:lstStyle/>
-                    <a:p>
-                      <a:pPr algn="l"/>
-                      <a:r>
-                        <a:rPr lang="en-US" sz="3200" dirty="0" smtClean="0"/>
-                        <a:t>Siamese</a:t>
-                      </a:r>
-                      <a:r>
-                        <a:rPr lang="en-US" sz="3200" baseline="0" dirty="0" smtClean="0"/>
-                        <a:t> w/ word vector </a:t>
-                      </a:r>
-                      <a:r>
-                        <a:rPr lang="en-US" sz="3200" baseline="0" dirty="0" err="1" smtClean="0"/>
-                        <a:t>backprop</a:t>
-                      </a:r>
-                      <a:r>
-                        <a:rPr lang="en-US" sz="3200" baseline="0" dirty="0" smtClean="0"/>
-                        <a:t>. 100k iterations</a:t>
-                      </a:r>
-                      <a:endParaRPr lang="en-US" sz="3200" dirty="0"/>
-                    </a:p>
-                  </a:txBody>
-                  <a:tcPr/>
-                </a:tc>
-                <a:tc>
-                  <a:txBody>
-                    <a:bodyPr/>
-                    <a:lstStyle/>
-                    <a:p>
-                      <a:pPr algn="ctr"/>
-                      <a:r>
-                        <a:rPr lang="en-US" sz="3200" dirty="0" smtClean="0"/>
-                        <a:t>0.6442</a:t>
-                      </a:r>
-                      <a:endParaRPr lang="en-US" sz="3200" dirty="0"/>
-                    </a:p>
-                  </a:txBody>
-                  <a:tcPr/>
-                </a:tc>
-                <a:tc>
-                  <a:txBody>
-                    <a:bodyPr/>
-                    <a:lstStyle/>
-                    <a:p>
-                      <a:pPr algn="ctr"/>
-                      <a:r>
-                        <a:rPr lang="en-US" sz="3200" dirty="0" smtClean="0"/>
-                        <a:t>0.6378</a:t>
-                      </a:r>
-                      <a:endParaRPr lang="en-US" sz="3200" dirty="0"/>
-                    </a:p>
-                  </a:txBody>
-                  <a:tcPr/>
-                </a:tc>
-              </a:tr>
-              <a:tr h="1512056">
-                <a:tc>
-                  <a:txBody>
-                    <a:bodyPr/>
-                    <a:lstStyle/>
-                    <a:p>
-                      <a:pPr algn="l"/>
-                      <a:r>
-                        <a:rPr lang="en-US" sz="3200" dirty="0" smtClean="0"/>
-                        <a:t>Siamese w/</a:t>
-                      </a:r>
-                      <a:r>
-                        <a:rPr lang="en-US" sz="3200" baseline="0" dirty="0" smtClean="0"/>
-                        <a:t> </a:t>
-                      </a:r>
-                      <a:r>
-                        <a:rPr lang="en-US" sz="3200" baseline="0" dirty="0" err="1" smtClean="0"/>
-                        <a:t>neg</a:t>
-                      </a:r>
-                      <a:r>
-                        <a:rPr lang="en-US" sz="3200" baseline="0" dirty="0" smtClean="0"/>
-                        <a:t> sample, w/o word vector </a:t>
-                      </a:r>
-                      <a:r>
-                        <a:rPr lang="en-US" sz="3200" baseline="0" dirty="0" err="1" smtClean="0"/>
-                        <a:t>backprop</a:t>
-                      </a:r>
-                      <a:r>
-                        <a:rPr lang="en-US" sz="3200" baseline="0" dirty="0" smtClean="0"/>
-                        <a:t>. 100k iterations</a:t>
-                      </a:r>
-                      <a:endParaRPr lang="en-US" sz="3200" dirty="0"/>
-                    </a:p>
-                  </a:txBody>
-                  <a:tcPr/>
-                </a:tc>
-                <a:tc>
-                  <a:txBody>
-                    <a:bodyPr/>
-                    <a:lstStyle/>
-                    <a:p>
-                      <a:pPr algn="ctr"/>
-                      <a:r>
-                        <a:rPr lang="en-US" sz="3200" dirty="0" smtClean="0"/>
-                        <a:t>0.8278</a:t>
-                      </a:r>
-                      <a:endParaRPr lang="en-US" sz="3200" dirty="0"/>
-                    </a:p>
-                  </a:txBody>
-                  <a:tcPr/>
-                </a:tc>
-                <a:tc>
-                  <a:txBody>
-                    <a:bodyPr/>
-                    <a:lstStyle/>
-                    <a:p>
-                      <a:pPr algn="ctr"/>
-                      <a:r>
-                        <a:rPr lang="en-US" sz="3200" dirty="0" smtClean="0"/>
-                        <a:t>0.8105</a:t>
-                      </a:r>
-                      <a:endParaRPr lang="en-US" sz="3200" dirty="0"/>
-                    </a:p>
-                  </a:txBody>
-                  <a:tcPr/>
-                </a:tc>
-              </a:tr>
-              <a:tr h="1496074">
-                <a:tc>
-                  <a:txBody>
-                    <a:bodyPr/>
-                    <a:lstStyle/>
-                    <a:p>
-                      <a:pPr algn="l"/>
-                      <a:r>
-                        <a:rPr lang="en-US" sz="3200" dirty="0" smtClean="0"/>
-                        <a:t>RNN w/ word vector </a:t>
-                      </a:r>
-                      <a:r>
-                        <a:rPr lang="en-US" sz="3200" dirty="0" err="1" smtClean="0"/>
-                        <a:t>backprop</a:t>
-                      </a:r>
-                      <a:r>
-                        <a:rPr lang="en-US" sz="3200" dirty="0" smtClean="0"/>
-                        <a:t>, negative sampling. 10k iterations.</a:t>
-                      </a:r>
-                      <a:endParaRPr lang="en-US" sz="3200" dirty="0"/>
-                    </a:p>
-                  </a:txBody>
-                  <a:tcPr/>
-                </a:tc>
-                <a:tc>
-                  <a:txBody>
-                    <a:bodyPr/>
-                    <a:lstStyle/>
-                    <a:p>
-                      <a:pPr algn="ctr"/>
-                      <a:r>
-                        <a:rPr lang="en-US" sz="3200" dirty="0" smtClean="0"/>
-                        <a:t>0.9711</a:t>
-                      </a:r>
-                      <a:endParaRPr lang="en-US" sz="3200" dirty="0"/>
-                    </a:p>
-                  </a:txBody>
-                  <a:tcPr/>
-                </a:tc>
-                <a:tc>
-                  <a:txBody>
-                    <a:bodyPr/>
-                    <a:lstStyle/>
-                    <a:p>
-                      <a:pPr algn="ctr"/>
-                      <a:r>
-                        <a:rPr lang="en-US" sz="3200" dirty="0" smtClean="0"/>
-                        <a:t>0.9721</a:t>
-                      </a:r>
-                      <a:endParaRPr lang="en-US" sz="3200" dirty="0"/>
-                    </a:p>
-                  </a:txBody>
-                  <a:tcPr/>
-                </a:tc>
-              </a:tr>
-            </a:tbl>
-          </a:graphicData>
-        </a:graphic>
-      </p:graphicFrame>
-      <p:sp>
-        <p:nvSpPr>
-          <p:cNvPr id="10" name="TextBox 9"/>
-          <p:cNvSpPr txBox="1"/>
-          <p:nvPr/>
-        </p:nvSpPr>
-        <p:spPr>
-          <a:xfrm>
-            <a:off x="167187" y="4577469"/>
-            <a:ext cx="7494467" cy="1754327"/>
-          </a:xfrm>
-          <a:prstGeom prst="rect">
-            <a:avLst/>
-          </a:prstGeom>
-          <a:noFill/>
-        </p:spPr>
-        <p:txBody>
-          <a:bodyPr wrap="square" rtlCol="0">
-            <a:spAutoFit/>
-          </a:bodyPr>
-          <a:lstStyle/>
-          <a:p>
-            <a:r>
-              <a:rPr lang="en-US" sz="3600" dirty="0" smtClean="0"/>
-              <a:t>Our goal is to generate programs based off of a natural language utterance (i.e. English)</a:t>
-            </a:r>
-            <a:endParaRPr lang="en-US" sz="3600" dirty="0"/>
-          </a:p>
-        </p:txBody>
-      </p:sp>
-      <p:sp>
-        <p:nvSpPr>
-          <p:cNvPr id="13" name="TextBox 12"/>
-          <p:cNvSpPr txBox="1"/>
-          <p:nvPr/>
-        </p:nvSpPr>
-        <p:spPr>
-          <a:xfrm>
-            <a:off x="167187" y="7259367"/>
-            <a:ext cx="7572375" cy="3970318"/>
-          </a:xfrm>
-          <a:prstGeom prst="rect">
-            <a:avLst/>
-          </a:prstGeom>
-          <a:noFill/>
-        </p:spPr>
-        <p:txBody>
-          <a:bodyPr wrap="square" rtlCol="0">
-            <a:spAutoFit/>
-          </a:bodyPr>
-          <a:lstStyle/>
-          <a:p>
-            <a:r>
-              <a:rPr lang="en-US" sz="3600" dirty="0" smtClean="0"/>
-              <a:t>The popularity of simple, but powerful tools for data manipulation like Excel (vs. direct CSV manipulation) show how we can bring computation to the masses. We attempt to take this idea one step further by allowing the user to specify programs in English.</a:t>
-            </a:r>
-            <a:endParaRPr lang="en-US" sz="3600" dirty="0"/>
-          </a:p>
-        </p:txBody>
-      </p:sp>
-      <p:sp>
-        <p:nvSpPr>
-          <p:cNvPr id="18" name="TextBox 17"/>
-          <p:cNvSpPr txBox="1"/>
-          <p:nvPr/>
-        </p:nvSpPr>
-        <p:spPr>
-          <a:xfrm>
-            <a:off x="8297337" y="4043581"/>
-            <a:ext cx="10400127" cy="3970318"/>
-          </a:xfrm>
-          <a:prstGeom prst="rect">
-            <a:avLst/>
-          </a:prstGeom>
-          <a:noFill/>
-        </p:spPr>
-        <p:txBody>
-          <a:bodyPr wrap="square" rtlCol="0">
-            <a:spAutoFit/>
-          </a:bodyPr>
-          <a:lstStyle/>
-          <a:p>
-            <a:r>
-              <a:rPr lang="en-US" sz="3600" dirty="0" smtClean="0"/>
-              <a:t>We use SEMPRE’s built-in semantic parser to over generate potential candidate parses from an English command. The parser has a set of features defined (See Baseline results), which give a score for each potential parse. We take those parses, and then apply a neural network model to generate a new set of scores, which we use to </a:t>
-            </a:r>
-            <a:r>
-              <a:rPr lang="en-US" sz="3600" dirty="0" err="1" smtClean="0"/>
-              <a:t>rerank</a:t>
-            </a:r>
-            <a:r>
-              <a:rPr lang="en-US" sz="3600" dirty="0" smtClean="0"/>
-              <a:t> the parses.</a:t>
-            </a:r>
-            <a:endParaRPr lang="en-US" sz="3600" dirty="0"/>
-          </a:p>
-        </p:txBody>
-      </p:sp>
-    </p:spTree>
-    <p:extLst>
-      <p:ext uri="{BB962C8B-B14F-4D97-AF65-F5344CB8AC3E}">
-        <p14:creationId xmlns:p14="http://schemas.microsoft.com/office/powerpoint/2010/main" val="2336419845"/>
       </p:ext>
     </p:extLst>
   </p:cSld>

--- a/poster.pptx
+++ b/poster.pptx
@@ -4713,36 +4713,36 @@
           <a:p>
             <a:r>
               <a:rPr lang="en-US" sz="3600" dirty="0" smtClean="0"/>
-              <a:t>We use SEMPRE’s built-in semantic parser to </a:t>
-            </a:r>
-            <a:r>
-              <a:rPr lang="en-US" sz="3600" dirty="0" smtClean="0"/>
-              <a:t>generate </a:t>
-            </a:r>
-            <a:r>
-              <a:rPr lang="en-US" sz="3600" dirty="0" smtClean="0"/>
-              <a:t>potential candidate parses </a:t>
-            </a:r>
-            <a:r>
-              <a:rPr lang="en-US" sz="3600" dirty="0" smtClean="0"/>
-              <a:t>of an utterance. </a:t>
-            </a:r>
-            <a:r>
-              <a:rPr lang="en-US" sz="3600" dirty="0" smtClean="0"/>
-              <a:t>We take those parses, and then apply a neural network model to generate a </a:t>
-            </a:r>
-            <a:r>
-              <a:rPr lang="en-US" sz="3600" dirty="0" smtClean="0"/>
-              <a:t>ranking. Our evaluation metric is accuracy, that is, how many parses can we generate correctly compared to the oracle parser. </a:t>
-            </a:r>
-            <a:r>
-              <a:rPr lang="en-US" sz="3600" dirty="0" smtClean="0"/>
-              <a:t>We consider an utterance correctly parsed by the oracle if there exists a generated program that returns the annotated desired result.</a:t>
+              <a:t>We use SEMPRE’s built-in semantic parser to generate potential candidate parses of an utterance. We take those parses, and then apply a neural network model to generate a ranking. Our evaluation metric is accuracy, that is, how many parses can we generate correctly compared to the oracle parser. We consider an utterance correctly parsed by the oracle if there exists a generated program that returns the annotated desired result.</a:t>
             </a:r>
             <a:endParaRPr lang="en-US" sz="3600" dirty="0"/>
           </a:p>
         </p:txBody>
       </p:sp>
+      <p:pic>
+        <p:nvPicPr>
+          <p:cNvPr id="4" name="Picture 3"/>
+          <p:cNvPicPr>
+            <a:picLocks noChangeAspect="1"/>
+          </p:cNvPicPr>
+          <p:nvPr/>
+        </p:nvPicPr>
+        <p:blipFill>
+          <a:blip r:embed="rId4"/>
+          <a:stretch>
+            <a:fillRect/>
+          </a:stretch>
+        </p:blipFill>
+        <p:spPr>
+          <a:xfrm>
+            <a:off x="18882128" y="9839050"/>
+            <a:ext cx="8442317" cy="7150796"/>
+          </a:xfrm>
+          <a:prstGeom prst="rect">
+            <a:avLst/>
+          </a:prstGeom>
+        </p:spPr>
+      </p:pic>
     </p:spTree>
     <p:extLst>
       <p:ext uri="{BB962C8B-B14F-4D97-AF65-F5344CB8AC3E}">

--- a/poster.pptx
+++ b/poster.pptx
@@ -192,7 +192,7 @@
           <a:p>
             <a:fld id="{CA652966-300D-BE4F-8AE8-729AB38D7BA8}" type="datetimeFigureOut">
               <a:rPr lang="en-US" smtClean="0"/>
-              <a:t>6/1/15</a:t>
+              <a:t>6/2/15</a:t>
             </a:fld>
             <a:endParaRPr lang="en-US"/>
           </a:p>
@@ -733,7 +733,7 @@
           <a:p>
             <a:fld id="{955E33B5-6111-9346-951D-3F595DE51257}" type="datetimeFigureOut">
               <a:rPr lang="en-US" smtClean="0"/>
-              <a:t>6/1/15</a:t>
+              <a:t>6/2/15</a:t>
             </a:fld>
             <a:endParaRPr lang="en-US"/>
           </a:p>
@@ -903,7 +903,7 @@
           <a:p>
             <a:fld id="{955E33B5-6111-9346-951D-3F595DE51257}" type="datetimeFigureOut">
               <a:rPr lang="en-US" smtClean="0"/>
-              <a:t>6/1/15</a:t>
+              <a:t>6/2/15</a:t>
             </a:fld>
             <a:endParaRPr lang="en-US"/>
           </a:p>
@@ -1083,7 +1083,7 @@
           <a:p>
             <a:fld id="{955E33B5-6111-9346-951D-3F595DE51257}" type="datetimeFigureOut">
               <a:rPr lang="en-US" smtClean="0"/>
-              <a:t>6/1/15</a:t>
+              <a:t>6/2/15</a:t>
             </a:fld>
             <a:endParaRPr lang="en-US"/>
           </a:p>
@@ -1253,7 +1253,7 @@
           <a:p>
             <a:fld id="{955E33B5-6111-9346-951D-3F595DE51257}" type="datetimeFigureOut">
               <a:rPr lang="en-US" smtClean="0"/>
-              <a:t>6/1/15</a:t>
+              <a:t>6/2/15</a:t>
             </a:fld>
             <a:endParaRPr lang="en-US"/>
           </a:p>
@@ -1499,7 +1499,7 @@
           <a:p>
             <a:fld id="{955E33B5-6111-9346-951D-3F595DE51257}" type="datetimeFigureOut">
               <a:rPr lang="en-US" smtClean="0"/>
-              <a:t>6/1/15</a:t>
+              <a:t>6/2/15</a:t>
             </a:fld>
             <a:endParaRPr lang="en-US"/>
           </a:p>
@@ -1787,7 +1787,7 @@
           <a:p>
             <a:fld id="{955E33B5-6111-9346-951D-3F595DE51257}" type="datetimeFigureOut">
               <a:rPr lang="en-US" smtClean="0"/>
-              <a:t>6/1/15</a:t>
+              <a:t>6/2/15</a:t>
             </a:fld>
             <a:endParaRPr lang="en-US"/>
           </a:p>
@@ -2209,7 +2209,7 @@
           <a:p>
             <a:fld id="{955E33B5-6111-9346-951D-3F595DE51257}" type="datetimeFigureOut">
               <a:rPr lang="en-US" smtClean="0"/>
-              <a:t>6/1/15</a:t>
+              <a:t>6/2/15</a:t>
             </a:fld>
             <a:endParaRPr lang="en-US"/>
           </a:p>
@@ -2327,7 +2327,7 @@
           <a:p>
             <a:fld id="{955E33B5-6111-9346-951D-3F595DE51257}" type="datetimeFigureOut">
               <a:rPr lang="en-US" smtClean="0"/>
-              <a:t>6/1/15</a:t>
+              <a:t>6/2/15</a:t>
             </a:fld>
             <a:endParaRPr lang="en-US"/>
           </a:p>
@@ -2422,7 +2422,7 @@
           <a:p>
             <a:fld id="{955E33B5-6111-9346-951D-3F595DE51257}" type="datetimeFigureOut">
               <a:rPr lang="en-US" smtClean="0"/>
-              <a:t>6/1/15</a:t>
+              <a:t>6/2/15</a:t>
             </a:fld>
             <a:endParaRPr lang="en-US"/>
           </a:p>
@@ -2699,7 +2699,7 @@
           <a:p>
             <a:fld id="{955E33B5-6111-9346-951D-3F595DE51257}" type="datetimeFigureOut">
               <a:rPr lang="en-US" smtClean="0"/>
-              <a:t>6/1/15</a:t>
+              <a:t>6/2/15</a:t>
             </a:fld>
             <a:endParaRPr lang="en-US"/>
           </a:p>
@@ -2952,7 +2952,7 @@
           <a:p>
             <a:fld id="{955E33B5-6111-9346-951D-3F595DE51257}" type="datetimeFigureOut">
               <a:rPr lang="en-US" smtClean="0"/>
-              <a:t>6/1/15</a:t>
+              <a:t>6/2/15</a:t>
             </a:fld>
             <a:endParaRPr lang="en-US"/>
           </a:p>
@@ -3165,7 +3165,7 @@
           <a:p>
             <a:fld id="{955E33B5-6111-9346-951D-3F595DE51257}" type="datetimeFigureOut">
               <a:rPr lang="en-US" smtClean="0"/>
-              <a:t>6/1/15</a:t>
+              <a:t>6/2/15</a:t>
             </a:fld>
             <a:endParaRPr lang="en-US"/>
           </a:p>
@@ -4216,14 +4216,14 @@
           <p:nvPr>
             <p:extLst>
               <p:ext uri="{D42A27DB-BD31-4B8C-83A1-F6EECF244321}">
-                <p14:modId xmlns:p14="http://schemas.microsoft.com/office/powerpoint/2010/main" val="432505387"/>
+                <p14:modId xmlns:p14="http://schemas.microsoft.com/office/powerpoint/2010/main" val="1949040351"/>
               </p:ext>
             </p:extLst>
           </p:nvPr>
         </p:nvGraphicFramePr>
         <p:xfrm>
           <a:off x="8295630" y="9546649"/>
-          <a:ext cx="10584789" cy="8686800"/>
+          <a:ext cx="10586497" cy="8686800"/>
         </p:xfrm>
         <a:graphic>
           <a:graphicData uri="http://schemas.openxmlformats.org/drawingml/2006/table">
@@ -4232,9 +4232,9 @@
                 <a:tableStyleId>{D7AC3CCA-C797-4891-BE02-D94E43425B78}</a:tableStyleId>
               </a:tblPr>
               <a:tblGrid>
-                <a:gridCol w="4800298"/>
-                <a:gridCol w="2256228"/>
-                <a:gridCol w="3528263"/>
+                <a:gridCol w="4801073"/>
+                <a:gridCol w="2256592"/>
+                <a:gridCol w="3528832"/>
               </a:tblGrid>
               <a:tr h="800500">
                 <a:tc>
@@ -4637,7 +4637,7 @@
         </p:nvSpPr>
         <p:spPr>
           <a:xfrm>
-            <a:off x="167187" y="4577469"/>
+            <a:off x="167187" y="4604090"/>
             <a:ext cx="7494467" cy="1754327"/>
           </a:xfrm>
           <a:prstGeom prst="rect">
@@ -4653,7 +4653,15 @@
           <a:p>
             <a:r>
               <a:rPr lang="en-US" sz="3600" dirty="0" smtClean="0"/>
-              <a:t>Our goal is to generate programs based off of a natural language utterance (i.e. English)</a:t>
+              <a:t>Our goal is to generate </a:t>
+            </a:r>
+            <a:r>
+              <a:rPr lang="en-US" sz="3600" dirty="0" smtClean="0"/>
+              <a:t>simple Java programs </a:t>
+            </a:r>
+            <a:r>
+              <a:rPr lang="en-US" sz="3600" dirty="0" smtClean="0"/>
+              <a:t>based off of a natural language utterance (i.e. English)</a:t>
             </a:r>
             <a:endParaRPr lang="en-US" sz="3600" dirty="0"/>
           </a:p>

--- a/poster.pptx
+++ b/poster.pptx
@@ -4100,7 +4100,7 @@
         </p:nvSpPr>
         <p:spPr bwMode="auto">
           <a:xfrm>
-            <a:off x="19140709" y="8621154"/>
+            <a:off x="19174504" y="10253363"/>
             <a:ext cx="7905912" cy="966317"/>
           </a:xfrm>
           <a:prstGeom prst="rect">
@@ -4131,7 +4131,7 @@
           <a:p>
             <a:pPr algn="ctr"/>
             <a:r>
-              <a:rPr lang="en-US" b="1" smtClean="0">
+              <a:rPr lang="en-US" b="1" dirty="0" smtClean="0">
                 <a:solidFill>
                   <a:srgbClr val="FFFFFF"/>
                 </a:solidFill>
@@ -4653,15 +4653,7 @@
           <a:p>
             <a:r>
               <a:rPr lang="en-US" sz="3600" dirty="0" smtClean="0"/>
-              <a:t>Our goal is to generate </a:t>
-            </a:r>
-            <a:r>
-              <a:rPr lang="en-US" sz="3600" dirty="0" smtClean="0"/>
-              <a:t>simple Java programs </a:t>
-            </a:r>
-            <a:r>
-              <a:rPr lang="en-US" sz="3600" dirty="0" smtClean="0"/>
-              <a:t>based off of a natural language utterance (i.e. English)</a:t>
+              <a:t>Our goal is to generate simple Java programs based off of a natural language utterance (i.e. English)</a:t>
             </a:r>
             <a:endParaRPr lang="en-US" sz="3600" dirty="0"/>
           </a:p>
@@ -4743,7 +4735,7 @@
         </p:blipFill>
         <p:spPr>
           <a:xfrm>
-            <a:off x="18882128" y="9839050"/>
+            <a:off x="18983728" y="11082653"/>
             <a:ext cx="8442317" cy="7150796"/>
           </a:xfrm>
           <a:prstGeom prst="rect">
@@ -4751,6 +4743,138 @@
           </a:prstGeom>
         </p:spPr>
       </p:pic>
+      <p:sp>
+        <p:nvSpPr>
+          <p:cNvPr id="5" name="TextBox 4"/>
+          <p:cNvSpPr txBox="1"/>
+          <p:nvPr/>
+        </p:nvSpPr>
+        <p:spPr>
+          <a:xfrm>
+            <a:off x="332337" y="12192000"/>
+            <a:ext cx="7112008" cy="5139868"/>
+          </a:xfrm>
+          <a:prstGeom prst="rect">
+            <a:avLst/>
+          </a:prstGeom>
+          <a:noFill/>
+        </p:spPr>
+        <p:txBody>
+          <a:bodyPr wrap="square" rtlCol="0">
+            <a:spAutoFit/>
+          </a:bodyPr>
+          <a:lstStyle/>
+          <a:p>
+            <a:r>
+              <a:rPr lang="en-US" sz="3600" dirty="0" smtClean="0"/>
+              <a:t>We train on utterances for the following string operations: </a:t>
+            </a:r>
+          </a:p>
+          <a:p>
+            <a:pPr marL="742950" indent="-742950">
+              <a:buAutoNum type="arabicPeriod"/>
+            </a:pPr>
+            <a:r>
+              <a:rPr lang="en-US" sz="3200" dirty="0" smtClean="0"/>
+              <a:t>Prepending characters </a:t>
+            </a:r>
+          </a:p>
+          <a:p>
+            <a:pPr marL="742950" indent="-742950">
+              <a:buAutoNum type="arabicPeriod"/>
+            </a:pPr>
+            <a:r>
+              <a:rPr lang="en-US" sz="3200" dirty="0" smtClean="0"/>
+              <a:t>Appending characters</a:t>
+            </a:r>
+          </a:p>
+          <a:p>
+            <a:pPr marL="742950" indent="-742950">
+              <a:buAutoNum type="arabicPeriod"/>
+            </a:pPr>
+            <a:r>
+              <a:rPr lang="en-US" sz="3200" dirty="0" smtClean="0"/>
+              <a:t>Removing characters from the front</a:t>
+            </a:r>
+          </a:p>
+          <a:p>
+            <a:pPr marL="742950" indent="-742950">
+              <a:buAutoNum type="arabicPeriod"/>
+            </a:pPr>
+            <a:r>
+              <a:rPr lang="en-US" sz="3200" dirty="0" smtClean="0"/>
+              <a:t>Removing characters from the end</a:t>
+            </a:r>
+          </a:p>
+          <a:p>
+            <a:pPr marL="742950" indent="-742950">
+              <a:buAutoNum type="arabicPeriod"/>
+            </a:pPr>
+            <a:r>
+              <a:rPr lang="en-US" sz="3200" dirty="0" smtClean="0"/>
+              <a:t>Reversing a string</a:t>
+            </a:r>
+          </a:p>
+          <a:p>
+            <a:pPr marL="742950" indent="-742950">
+              <a:buAutoNum type="arabicPeriod"/>
+            </a:pPr>
+            <a:r>
+              <a:rPr lang="en-US" sz="3200" dirty="0" smtClean="0"/>
+              <a:t>Swapping two strings </a:t>
+            </a:r>
+          </a:p>
+          <a:p>
+            <a:pPr marL="742950" indent="-742950">
+              <a:buAutoNum type="arabicPeriod"/>
+            </a:pPr>
+            <a:r>
+              <a:rPr lang="en-US" sz="3200" dirty="0" smtClean="0"/>
+              <a:t>Doubling a string</a:t>
+            </a:r>
+          </a:p>
+          <a:p>
+            <a:pPr marL="742950" indent="-742950">
+              <a:buAutoNum type="arabicPeriod"/>
+            </a:pPr>
+            <a:r>
+              <a:rPr lang="en-US" sz="3200" dirty="0" smtClean="0"/>
+              <a:t>No action</a:t>
+            </a:r>
+            <a:endParaRPr lang="en-US" sz="3200" dirty="0"/>
+          </a:p>
+        </p:txBody>
+      </p:sp>
+      <p:sp>
+        <p:nvSpPr>
+          <p:cNvPr id="6" name="TextBox 5"/>
+          <p:cNvSpPr txBox="1"/>
+          <p:nvPr/>
+        </p:nvSpPr>
+        <p:spPr>
+          <a:xfrm>
+            <a:off x="19337459" y="3688084"/>
+            <a:ext cx="7709161" cy="5632312"/>
+          </a:xfrm>
+          <a:prstGeom prst="rect">
+            <a:avLst/>
+          </a:prstGeom>
+          <a:noFill/>
+        </p:spPr>
+        <p:txBody>
+          <a:bodyPr wrap="square" rtlCol="0">
+            <a:spAutoFit/>
+          </a:bodyPr>
+          <a:lstStyle/>
+          <a:p>
+            <a:r>
+              <a:rPr lang="en-US" sz="3600" dirty="0" smtClean="0"/>
+              <a:t>As expected, the recurrent neural network was our best model. The biggest difference we found between the RNN and other models was that it was able to capture semantic meaning for word order – for the other models where we simply add word vectors, the “swap” command gets parsed inaccurately as either input order suffices.</a:t>
+            </a:r>
+            <a:endParaRPr lang="en-US" sz="3600" dirty="0"/>
+          </a:p>
+        </p:txBody>
+      </p:sp>
     </p:spTree>
     <p:extLst>
       <p:ext uri="{BB962C8B-B14F-4D97-AF65-F5344CB8AC3E}">

--- a/poster.pptx
+++ b/poster.pptx
@@ -3776,7 +3776,7 @@
         </p:nvSpPr>
         <p:spPr>
           <a:xfrm>
-            <a:off x="167187" y="6437363"/>
+            <a:off x="167187" y="5781335"/>
             <a:ext cx="4964201" cy="754053"/>
           </a:xfrm>
           <a:prstGeom prst="rect">
@@ -3812,7 +3812,7 @@
         </p:nvSpPr>
         <p:spPr>
           <a:xfrm>
-            <a:off x="275078" y="11219680"/>
+            <a:off x="167187" y="10842653"/>
             <a:ext cx="4749605" cy="754053"/>
           </a:xfrm>
           <a:prstGeom prst="rect">
@@ -3886,7 +3886,7 @@
         </p:nvSpPr>
         <p:spPr bwMode="auto">
           <a:xfrm>
-            <a:off x="8295630" y="8657216"/>
+            <a:off x="8297337" y="8386607"/>
             <a:ext cx="10586496" cy="889433"/>
           </a:xfrm>
           <a:prstGeom prst="rect">
@@ -4137,7 +4137,7 @@
                 </a:solidFill>
                 <a:latin typeface="Arial" charset="0"/>
               </a:rPr>
-              <a:t>Challenges</a:t>
+              <a:t>Word Vectors</a:t>
             </a:r>
             <a:endParaRPr lang="en-US" b="1" dirty="0">
               <a:latin typeface="Arial" charset="0"/>
@@ -4153,7 +4153,7 @@
         </p:nvSpPr>
         <p:spPr>
           <a:xfrm>
-            <a:off x="167187" y="3881101"/>
+            <a:off x="167187" y="3601975"/>
             <a:ext cx="3432951" cy="754053"/>
           </a:xfrm>
           <a:prstGeom prst="rect">
@@ -4216,13 +4216,13 @@
           <p:nvPr>
             <p:extLst>
               <p:ext uri="{D42A27DB-BD31-4B8C-83A1-F6EECF244321}">
-                <p14:modId xmlns:p14="http://schemas.microsoft.com/office/powerpoint/2010/main" val="1949040351"/>
+                <p14:modId xmlns:p14="http://schemas.microsoft.com/office/powerpoint/2010/main" val="462989242"/>
               </p:ext>
             </p:extLst>
           </p:nvPr>
         </p:nvGraphicFramePr>
         <p:xfrm>
-          <a:off x="8295630" y="9546649"/>
+          <a:off x="8295630" y="9276040"/>
           <a:ext cx="10586497" cy="8686800"/>
         </p:xfrm>
         <a:graphic>
@@ -4260,7 +4260,7 @@
                       <a:pPr algn="ctr"/>
                       <a:r>
                         <a:rPr lang="en-US" sz="4800" dirty="0" smtClean="0"/>
-                        <a:t>Train</a:t>
+                        <a:t>Train </a:t>
                       </a:r>
                       <a:endParaRPr lang="en-US" sz="4800" dirty="0"/>
                     </a:p>
@@ -4343,7 +4343,23 @@
                       <a:pPr algn="l"/>
                       <a:r>
                         <a:rPr lang="en-US" sz="3200" dirty="0" smtClean="0"/>
-                        <a:t>Baseline (1-4 grams,</a:t>
+                        <a:t>Baseline (</a:t>
+                      </a:r>
+                      <a:r>
+                        <a:rPr lang="en-US" sz="3200" dirty="0" smtClean="0"/>
+                        <a:t>1</a:t>
+                      </a:r>
+                      <a:r>
+                        <a:rPr lang="en-US" sz="3200" baseline="0" dirty="0" smtClean="0"/>
+                        <a:t> through </a:t>
+                      </a:r>
+                      <a:r>
+                        <a:rPr lang="en-US" sz="3200" dirty="0" smtClean="0"/>
+                        <a:t>4 </a:t>
+                      </a:r>
+                      <a:r>
+                        <a:rPr lang="en-US" sz="3200" dirty="0" smtClean="0"/>
+                        <a:t>grams,</a:t>
                       </a:r>
                       <a:r>
                         <a:rPr lang="en-US" sz="3200" baseline="0" dirty="0" smtClean="0"/>
@@ -4637,8 +4653,8 @@
         </p:nvSpPr>
         <p:spPr>
           <a:xfrm>
-            <a:off x="167187" y="4604090"/>
-            <a:ext cx="7494467" cy="1754327"/>
+            <a:off x="167187" y="4348325"/>
+            <a:ext cx="7494467" cy="1569660"/>
           </a:xfrm>
           <a:prstGeom prst="rect">
             <a:avLst/>
@@ -4652,10 +4668,10 @@
           <a:lstStyle/>
           <a:p>
             <a:r>
-              <a:rPr lang="en-US" sz="3600" dirty="0" smtClean="0"/>
+              <a:rPr lang="en-US" sz="3200" dirty="0" smtClean="0"/>
               <a:t>Our goal is to generate simple Java programs based off of a natural language utterance (i.e. English)</a:t>
             </a:r>
-            <a:endParaRPr lang="en-US" sz="3600" dirty="0"/>
+            <a:endParaRPr lang="en-US" sz="3200" dirty="0"/>
           </a:p>
         </p:txBody>
       </p:sp>
@@ -4667,8 +4683,8 @@
         </p:nvSpPr>
         <p:spPr>
           <a:xfrm>
-            <a:off x="167187" y="7259367"/>
-            <a:ext cx="7572375" cy="3970318"/>
+            <a:off x="168649" y="6535388"/>
+            <a:ext cx="7572375" cy="4031873"/>
           </a:xfrm>
           <a:prstGeom prst="rect">
             <a:avLst/>
@@ -4682,10 +4698,46 @@
           <a:lstStyle/>
           <a:p>
             <a:r>
-              <a:rPr lang="en-US" sz="3600" dirty="0" smtClean="0"/>
-              <a:t>The popularity of simple, but powerful tools for data manipulation like Excel (vs. direct CSV manipulation) show how we can bring computation to the masses. We attempt to take this idea one step further by allowing the user to specify programs in English.</a:t>
-            </a:r>
-            <a:endParaRPr lang="en-US" sz="3600" dirty="0"/>
+              <a:rPr lang="en-US" sz="3200" dirty="0" smtClean="0"/>
+              <a:t>The popularity of simple, but powerful tools for data manipulation like Excel (vs. </a:t>
+            </a:r>
+            <a:r>
+              <a:rPr lang="en-US" sz="3200" dirty="0" smtClean="0"/>
+              <a:t>CSV manipulation using a programming language) </a:t>
+            </a:r>
+            <a:r>
+              <a:rPr lang="en-US" sz="3200" dirty="0" smtClean="0"/>
+              <a:t>show </a:t>
+            </a:r>
+            <a:r>
+              <a:rPr lang="en-US" sz="3200" dirty="0" smtClean="0"/>
+              <a:t>how the average person can reap the benefits of computation without knowing how to program. </a:t>
+            </a:r>
+            <a:r>
+              <a:rPr lang="en-US" sz="3200" dirty="0" smtClean="0"/>
+              <a:t>We attempt to take this idea one step </a:t>
+            </a:r>
+            <a:r>
+              <a:rPr lang="en-US" sz="3200" dirty="0" err="1" smtClean="0"/>
+              <a:t>furter</a:t>
+            </a:r>
+            <a:r>
+              <a:rPr lang="en-US" sz="3200" dirty="0" smtClean="0"/>
+              <a:t> </a:t>
+            </a:r>
+            <a:r>
+              <a:rPr lang="en-US" sz="3200" dirty="0" smtClean="0"/>
+              <a:t>by allowing the user to specify </a:t>
+            </a:r>
+            <a:r>
+              <a:rPr lang="en-US" sz="3200" dirty="0" smtClean="0"/>
+              <a:t>generic programs </a:t>
+            </a:r>
+            <a:r>
+              <a:rPr lang="en-US" sz="3200" dirty="0" smtClean="0"/>
+              <a:t>in English.</a:t>
+            </a:r>
+            <a:endParaRPr lang="en-US" sz="3200" dirty="0"/>
           </a:p>
         </p:txBody>
       </p:sp>
@@ -4698,7 +4750,7 @@
         <p:spPr>
           <a:xfrm>
             <a:off x="8297337" y="3688084"/>
-            <a:ext cx="10584791" cy="5078314"/>
+            <a:ext cx="10584791" cy="4524316"/>
           </a:xfrm>
           <a:prstGeom prst="rect">
             <a:avLst/>
@@ -4713,7 +4765,15 @@
           <a:p>
             <a:r>
               <a:rPr lang="en-US" sz="3600" dirty="0" smtClean="0"/>
-              <a:t>We use SEMPRE’s built-in semantic parser to generate potential candidate parses of an utterance. We take those parses, and then apply a neural network model to generate a ranking. Our evaluation metric is accuracy, that is, how many parses can we generate correctly compared to the oracle parser. We consider an utterance correctly parsed by the oracle if there exists a generated program that returns the annotated desired result.</a:t>
+              <a:t>We use SEMPRE’s built-in semantic parser to generate potential candidate parses of an utterance. We take those parses, and then apply a neural network model to generate a ranking. Our evaluation metric is </a:t>
+            </a:r>
+            <a:r>
+              <a:rPr lang="en-US" sz="3600" dirty="0" smtClean="0"/>
+              <a:t>accuracy; a parse is correct if it is exactly the same as the oracle parse. </a:t>
+            </a:r>
+            <a:r>
+              <a:rPr lang="en-US" sz="3600" dirty="0" smtClean="0"/>
+              <a:t>We consider an utterance correctly parsed by the oracle if there exists a generated program that returns the annotated desired result.</a:t>
             </a:r>
             <a:endParaRPr lang="en-US" sz="3600" dirty="0"/>
           </a:p>
@@ -4751,8 +4811,8 @@
         </p:nvSpPr>
         <p:spPr>
           <a:xfrm>
-            <a:off x="332337" y="12192000"/>
-            <a:ext cx="7112008" cy="5139868"/>
+            <a:off x="167187" y="11596706"/>
+            <a:ext cx="7277158" cy="6494085"/>
           </a:xfrm>
           <a:prstGeom prst="rect">
             <a:avLst/>
@@ -4766,8 +4826,20 @@
           <a:lstStyle/>
           <a:p>
             <a:r>
-              <a:rPr lang="en-US" sz="3600" dirty="0" smtClean="0"/>
-              <a:t>We train on utterances for the following string operations: </a:t>
+              <a:rPr lang="en-US" sz="3200" dirty="0" smtClean="0"/>
+              <a:t>Each program consists of an input and a command in English. Our training set has 6127 examples, and our </a:t>
+            </a:r>
+            <a:r>
+              <a:rPr lang="en-US" sz="3200" dirty="0" err="1" smtClean="0"/>
+              <a:t>dev</a:t>
+            </a:r>
+            <a:r>
+              <a:rPr lang="en-US" sz="3200" dirty="0" smtClean="0"/>
+              <a:t> has 681 examples. We </a:t>
+            </a:r>
+            <a:r>
+              <a:rPr lang="en-US" sz="3200" dirty="0" smtClean="0"/>
+              <a:t>train on utterances for the following string operations: </a:t>
             </a:r>
           </a:p>
           <a:p>
@@ -4854,7 +4926,7 @@
         <p:spPr>
           <a:xfrm>
             <a:off x="19337459" y="3688084"/>
-            <a:ext cx="7709161" cy="5632312"/>
+            <a:ext cx="7709161" cy="6186310"/>
           </a:xfrm>
           <a:prstGeom prst="rect">
             <a:avLst/>
@@ -4869,7 +4941,15 @@
           <a:p>
             <a:r>
               <a:rPr lang="en-US" sz="3600" dirty="0" smtClean="0"/>
-              <a:t>As expected, the recurrent neural network was our best model. The biggest difference we found between the RNN and other models was that it was able to capture semantic meaning for word order – for the other models where we simply add word vectors, the “swap” command gets parsed inaccurately as either input order suffices.</a:t>
+              <a:t>As expected, the recurrent neural network was our best </a:t>
+            </a:r>
+            <a:r>
+              <a:rPr lang="en-US" sz="3600" dirty="0" smtClean="0"/>
+              <a:t>model; however, every neural network model outperformed the baseline. </a:t>
+            </a:r>
+            <a:r>
+              <a:rPr lang="en-US" sz="3600" dirty="0" smtClean="0"/>
+              <a:t>The biggest difference we found between the RNN and other models was that it was able to capture semantic meaning for word order – for the other models where we simply add word vectors, the “swap” command gets parsed inaccurately as either input order suffices.</a:t>
             </a:r>
             <a:endParaRPr lang="en-US" sz="3600" dirty="0"/>
           </a:p>

--- a/poster.pptx
+++ b/poster.pptx
@@ -3812,7 +3812,7 @@
         </p:nvSpPr>
         <p:spPr>
           <a:xfrm>
-            <a:off x="167187" y="10842653"/>
+            <a:off x="167187" y="10465626"/>
             <a:ext cx="4749605" cy="754053"/>
           </a:xfrm>
           <a:prstGeom prst="rect">
@@ -4343,11 +4343,7 @@
                       <a:pPr algn="l"/>
                       <a:r>
                         <a:rPr lang="en-US" sz="3200" dirty="0" smtClean="0"/>
-                        <a:t>Baseline (</a:t>
-                      </a:r>
-                      <a:r>
-                        <a:rPr lang="en-US" sz="3200" dirty="0" smtClean="0"/>
-                        <a:t>1</a:t>
+                        <a:t>Baseline (1</a:t>
                       </a:r>
                       <a:r>
                         <a:rPr lang="en-US" sz="3200" baseline="0" dirty="0" smtClean="0"/>
@@ -4355,11 +4351,7 @@
                       </a:r>
                       <a:r>
                         <a:rPr lang="en-US" sz="3200" dirty="0" smtClean="0"/>
-                        <a:t>4 </a:t>
-                      </a:r>
-                      <a:r>
-                        <a:rPr lang="en-US" sz="3200" dirty="0" smtClean="0"/>
-                        <a:t>grams,</a:t>
+                        <a:t>4 grams,</a:t>
                       </a:r>
                       <a:r>
                         <a:rPr lang="en-US" sz="3200" baseline="0" dirty="0" smtClean="0"/>
@@ -4699,23 +4691,7 @@
           <a:p>
             <a:r>
               <a:rPr lang="en-US" sz="3200" dirty="0" smtClean="0"/>
-              <a:t>The popularity of simple, but powerful tools for data manipulation like Excel (vs. </a:t>
-            </a:r>
-            <a:r>
-              <a:rPr lang="en-US" sz="3200" dirty="0" smtClean="0"/>
-              <a:t>CSV manipulation using a programming language) </a:t>
-            </a:r>
-            <a:r>
-              <a:rPr lang="en-US" sz="3200" dirty="0" smtClean="0"/>
-              <a:t>show </a:t>
-            </a:r>
-            <a:r>
-              <a:rPr lang="en-US" sz="3200" dirty="0" smtClean="0"/>
-              <a:t>how the average person can reap the benefits of computation without knowing how to program. </a:t>
-            </a:r>
-            <a:r>
-              <a:rPr lang="en-US" sz="3200" dirty="0" smtClean="0"/>
-              <a:t>We attempt to take this idea one step </a:t>
+              <a:t>The popularity of simple, but powerful tools for data manipulation like Excel (vs. CSV manipulation using a programming language) show how the average person can reap the benefits of computation without knowing how to program. We attempt to take this idea one step </a:t>
             </a:r>
             <a:r>
               <a:rPr lang="en-US" sz="3200" dirty="0" err="1" smtClean="0"/>
@@ -4723,19 +4699,7 @@
             </a:r>
             <a:r>
               <a:rPr lang="en-US" sz="3200" dirty="0" smtClean="0"/>
-              <a:t> </a:t>
-            </a:r>
-            <a:r>
-              <a:rPr lang="en-US" sz="3200" dirty="0" smtClean="0"/>
-              <a:t>by allowing the user to specify </a:t>
-            </a:r>
-            <a:r>
-              <a:rPr lang="en-US" sz="3200" dirty="0" smtClean="0"/>
-              <a:t>generic programs </a:t>
-            </a:r>
-            <a:r>
-              <a:rPr lang="en-US" sz="3200" dirty="0" smtClean="0"/>
-              <a:t>in English.</a:t>
+              <a:t> by allowing the user to specify generic programs in English.</a:t>
             </a:r>
             <a:endParaRPr lang="en-US" sz="3200" dirty="0"/>
           </a:p>
@@ -4765,15 +4729,7 @@
           <a:p>
             <a:r>
               <a:rPr lang="en-US" sz="3600" dirty="0" smtClean="0"/>
-              <a:t>We use SEMPRE’s built-in semantic parser to generate potential candidate parses of an utterance. We take those parses, and then apply a neural network model to generate a ranking. Our evaluation metric is </a:t>
-            </a:r>
-            <a:r>
-              <a:rPr lang="en-US" sz="3600" dirty="0" smtClean="0"/>
-              <a:t>accuracy; a parse is correct if it is exactly the same as the oracle parse. </a:t>
-            </a:r>
-            <a:r>
-              <a:rPr lang="en-US" sz="3600" dirty="0" smtClean="0"/>
-              <a:t>We consider an utterance correctly parsed by the oracle if there exists a generated program that returns the annotated desired result.</a:t>
+              <a:t>We use SEMPRE’s built-in semantic parser to generate potential candidate parses of an utterance. We take those parses, and then apply a neural network model to generate a ranking. Our evaluation metric is accuracy; a parse is correct if it is exactly the same as the oracle parse. We consider an utterance correctly parsed by the oracle if there exists a generated program that returns the annotated desired result.</a:t>
             </a:r>
             <a:endParaRPr lang="en-US" sz="3600" dirty="0"/>
           </a:p>
@@ -4811,8 +4767,8 @@
         </p:nvSpPr>
         <p:spPr>
           <a:xfrm>
-            <a:off x="167187" y="11596706"/>
-            <a:ext cx="7277158" cy="6494085"/>
+            <a:off x="167186" y="11316199"/>
+            <a:ext cx="7573838" cy="6494085"/>
           </a:xfrm>
           <a:prstGeom prst="rect">
             <a:avLst/>
@@ -4827,7 +4783,23 @@
           <a:p>
             <a:r>
               <a:rPr lang="en-US" sz="3200" dirty="0" smtClean="0"/>
-              <a:t>Each program consists of an input and a command in English. Our training set has 6127 examples, and our </a:t>
+              <a:t>Each program consists of an input and a command in </a:t>
+            </a:r>
+            <a:r>
+              <a:rPr lang="en-US" sz="3200" dirty="0" smtClean="0"/>
+              <a:t>English (Ex: </a:t>
+            </a:r>
+            <a:r>
+              <a:rPr lang="en-US" sz="3200" dirty="0" err="1" smtClean="0"/>
+              <a:t>aa</a:t>
+            </a:r>
+            <a:r>
+              <a:rPr lang="en-US" sz="3200" dirty="0" smtClean="0"/>
+              <a:t> bb cc ||| add an a to the end of the last group). </a:t>
+            </a:r>
+            <a:r>
+              <a:rPr lang="en-US" sz="3200" dirty="0" smtClean="0"/>
+              <a:t>Our training set has 6127 examples, and our </a:t>
             </a:r>
             <a:r>
               <a:rPr lang="en-US" sz="3200" dirty="0" err="1" smtClean="0"/>
@@ -4835,11 +4807,7 @@
             </a:r>
             <a:r>
               <a:rPr lang="en-US" sz="3200" dirty="0" smtClean="0"/>
-              <a:t> has 681 examples. We </a:t>
-            </a:r>
-            <a:r>
-              <a:rPr lang="en-US" sz="3200" dirty="0" smtClean="0"/>
-              <a:t>train on utterances for the following string operations: </a:t>
+              <a:t> has 681 examples. We train on utterances for the following string operations: </a:t>
             </a:r>
           </a:p>
           <a:p>
@@ -4848,7 +4816,19 @@
             </a:pPr>
             <a:r>
               <a:rPr lang="en-US" sz="3200" dirty="0" smtClean="0"/>
-              <a:t>Prepending characters </a:t>
+              <a:t>{</a:t>
+            </a:r>
+            <a:r>
+              <a:rPr lang="en-US" sz="3200" dirty="0" err="1" smtClean="0"/>
+              <a:t>Pre|Ap</a:t>
+            </a:r>
+            <a:r>
+              <a:rPr lang="en-US" sz="3200" dirty="0" smtClean="0"/>
+              <a:t>}pending </a:t>
+            </a:r>
+            <a:r>
+              <a:rPr lang="en-US" sz="3200" dirty="0" smtClean="0"/>
+              <a:t>characters </a:t>
             </a:r>
           </a:p>
           <a:p>
@@ -4857,8 +4837,25 @@
             </a:pPr>
             <a:r>
               <a:rPr lang="en-US" sz="3200" dirty="0" smtClean="0"/>
-              <a:t>Appending characters</a:t>
-            </a:r>
+              <a:t>Removing </a:t>
+            </a:r>
+            <a:r>
+              <a:rPr lang="en-US" sz="3200" dirty="0" smtClean="0"/>
+              <a:t>characters from the </a:t>
+            </a:r>
+            <a:r>
+              <a:rPr lang="en-US" sz="3200" dirty="0" smtClean="0"/>
+              <a:t>{</a:t>
+            </a:r>
+            <a:r>
+              <a:rPr lang="en-US" sz="3200" dirty="0" err="1" smtClean="0"/>
+              <a:t>front|end</a:t>
+            </a:r>
+            <a:r>
+              <a:rPr lang="en-US" sz="3200" dirty="0" smtClean="0"/>
+              <a:t>}</a:t>
+            </a:r>
+            <a:endParaRPr lang="en-US" sz="3200" dirty="0" smtClean="0"/>
           </a:p>
           <a:p>
             <a:pPr marL="742950" indent="-742950">
@@ -4866,25 +4863,11 @@
             </a:pPr>
             <a:r>
               <a:rPr lang="en-US" sz="3200" dirty="0" smtClean="0"/>
-              <a:t>Removing characters from the front</a:t>
-            </a:r>
-          </a:p>
-          <a:p>
-            <a:pPr marL="742950" indent="-742950">
-              <a:buAutoNum type="arabicPeriod"/>
-            </a:pPr>
+              <a:t>Reversing </a:t>
+            </a:r>
             <a:r>
               <a:rPr lang="en-US" sz="3200" dirty="0" smtClean="0"/>
-              <a:t>Removing characters from the end</a:t>
-            </a:r>
-          </a:p>
-          <a:p>
-            <a:pPr marL="742950" indent="-742950">
-              <a:buAutoNum type="arabicPeriod"/>
-            </a:pPr>
-            <a:r>
-              <a:rPr lang="en-US" sz="3200" dirty="0" smtClean="0"/>
-              <a:t>Reversing a string</a:t>
+              <a:t>a string</a:t>
             </a:r>
           </a:p>
           <a:p>
@@ -4941,15 +4924,15 @@
           <a:p>
             <a:r>
               <a:rPr lang="en-US" sz="3600" dirty="0" smtClean="0"/>
-              <a:t>As expected, the recurrent neural network was our best </a:t>
+              <a:t>As expected, the recurrent neural network was our best model; however, every neural network model </a:t>
+            </a:r>
+            <a:r>
+              <a:rPr lang="en-US" sz="3600" smtClean="0"/>
+              <a:t>we tested outperformed </a:t>
             </a:r>
             <a:r>
               <a:rPr lang="en-US" sz="3600" dirty="0" smtClean="0"/>
-              <a:t>model; however, every neural network model outperformed the baseline. </a:t>
-            </a:r>
-            <a:r>
-              <a:rPr lang="en-US" sz="3600" dirty="0" smtClean="0"/>
-              <a:t>The biggest difference we found between the RNN and other models was that it was able to capture semantic meaning for word order – for the other models where we simply add word vectors, the “swap” command gets parsed inaccurately as either input order suffices.</a:t>
+              <a:t>the baseline. The biggest difference we found between the RNN and other models was that it was able to capture semantic meaning for word order – for the other models where we simply add word vectors, the “swap” command gets parsed inaccurately as either input order suffices.</a:t>
             </a:r>
             <a:endParaRPr lang="en-US" sz="3600" dirty="0"/>
           </a:p>
